--- a/src/lr2/РИЗ-130916у Савельев В.Н. Отчет о выполнении ЛР2.pptx
+++ b/src/lr2/РИЗ-130916у Савельев В.Н. Отчет о выполнении ЛР2.pptx
@@ -11,21 +11,13 @@
     <p:sldId id="282" r:id="rId5"/>
     <p:sldId id="283" r:id="rId6"/>
     <p:sldId id="284" r:id="rId7"/>
-    <p:sldId id="285" r:id="rId8"/>
-    <p:sldId id="286" r:id="rId9"/>
-    <p:sldId id="287" r:id="rId10"/>
-    <p:sldId id="288" r:id="rId11"/>
-    <p:sldId id="289" r:id="rId12"/>
-    <p:sldId id="290" r:id="rId13"/>
-    <p:sldId id="291" r:id="rId14"/>
-    <p:sldId id="292" r:id="rId15"/>
-    <p:sldId id="293" r:id="rId16"/>
-    <p:sldId id="294" r:id="rId17"/>
-    <p:sldId id="295" r:id="rId18"/>
-    <p:sldId id="296" r:id="rId19"/>
-    <p:sldId id="297" r:id="rId20"/>
-    <p:sldId id="298" r:id="rId21"/>
-    <p:sldId id="281" r:id="rId22"/>
+    <p:sldId id="299" r:id="rId8"/>
+    <p:sldId id="300" r:id="rId9"/>
+    <p:sldId id="301" r:id="rId10"/>
+    <p:sldId id="302" r:id="rId11"/>
+    <p:sldId id="303" r:id="rId12"/>
+    <p:sldId id="304" r:id="rId13"/>
+    <p:sldId id="281" r:id="rId14"/>
   </p:sldIdLst>
   <p:sldSz cx="12192000" cy="6858000"/>
   <p:notesSz cx="6858000" cy="9144000"/>
@@ -135,24 +127,16 @@
             <p14:sldId id="282"/>
             <p14:sldId id="283"/>
             <p14:sldId id="284"/>
-            <p14:sldId id="285"/>
-            <p14:sldId id="286"/>
+            <p14:sldId id="299"/>
+            <p14:sldId id="300"/>
+            <p14:sldId id="301"/>
+            <p14:sldId id="302"/>
+            <p14:sldId id="303"/>
+            <p14:sldId id="304"/>
           </p14:sldIdLst>
         </p14:section>
         <p14:section name="Раздел без заголовка" id="{DF4FA7EA-8AC6-4E78-ACF4-079244300A40}">
           <p14:sldIdLst>
-            <p14:sldId id="287"/>
-            <p14:sldId id="288"/>
-            <p14:sldId id="289"/>
-            <p14:sldId id="290"/>
-            <p14:sldId id="291"/>
-            <p14:sldId id="292"/>
-            <p14:sldId id="293"/>
-            <p14:sldId id="294"/>
-            <p14:sldId id="295"/>
-            <p14:sldId id="296"/>
-            <p14:sldId id="297"/>
-            <p14:sldId id="298"/>
             <p14:sldId id="281"/>
           </p14:sldIdLst>
         </p14:section>
@@ -312,7 +296,7 @@
           <a:p>
             <a:fld id="{870F65BB-7DDC-4717-AF77-59A3293404C9}" type="datetimeFigureOut">
               <a:rPr lang="ru-RU" smtClean="0"/>
-              <a:t>24.11.2023</a:t>
+              <a:t>26.11.2023</a:t>
             </a:fld>
             <a:endParaRPr lang="ru-RU"/>
           </a:p>
@@ -510,7 +494,7 @@
           <a:p>
             <a:fld id="{870F65BB-7DDC-4717-AF77-59A3293404C9}" type="datetimeFigureOut">
               <a:rPr lang="ru-RU" smtClean="0"/>
-              <a:t>24.11.2023</a:t>
+              <a:t>26.11.2023</a:t>
             </a:fld>
             <a:endParaRPr lang="ru-RU"/>
           </a:p>
@@ -718,7 +702,7 @@
           <a:p>
             <a:fld id="{870F65BB-7DDC-4717-AF77-59A3293404C9}" type="datetimeFigureOut">
               <a:rPr lang="ru-RU" smtClean="0"/>
-              <a:t>24.11.2023</a:t>
+              <a:t>26.11.2023</a:t>
             </a:fld>
             <a:endParaRPr lang="ru-RU"/>
           </a:p>
@@ -916,7 +900,7 @@
           <a:p>
             <a:fld id="{870F65BB-7DDC-4717-AF77-59A3293404C9}" type="datetimeFigureOut">
               <a:rPr lang="ru-RU" smtClean="0"/>
-              <a:t>24.11.2023</a:t>
+              <a:t>26.11.2023</a:t>
             </a:fld>
             <a:endParaRPr lang="ru-RU"/>
           </a:p>
@@ -1191,7 +1175,7 @@
           <a:p>
             <a:fld id="{870F65BB-7DDC-4717-AF77-59A3293404C9}" type="datetimeFigureOut">
               <a:rPr lang="ru-RU" smtClean="0"/>
-              <a:t>24.11.2023</a:t>
+              <a:t>26.11.2023</a:t>
             </a:fld>
             <a:endParaRPr lang="ru-RU"/>
           </a:p>
@@ -1456,7 +1440,7 @@
           <a:p>
             <a:fld id="{870F65BB-7DDC-4717-AF77-59A3293404C9}" type="datetimeFigureOut">
               <a:rPr lang="ru-RU" smtClean="0"/>
-              <a:t>24.11.2023</a:t>
+              <a:t>26.11.2023</a:t>
             </a:fld>
             <a:endParaRPr lang="ru-RU"/>
           </a:p>
@@ -1868,7 +1852,7 @@
           <a:p>
             <a:fld id="{870F65BB-7DDC-4717-AF77-59A3293404C9}" type="datetimeFigureOut">
               <a:rPr lang="ru-RU" smtClean="0"/>
-              <a:t>24.11.2023</a:t>
+              <a:t>26.11.2023</a:t>
             </a:fld>
             <a:endParaRPr lang="ru-RU"/>
           </a:p>
@@ -2009,7 +1993,7 @@
           <a:p>
             <a:fld id="{870F65BB-7DDC-4717-AF77-59A3293404C9}" type="datetimeFigureOut">
               <a:rPr lang="ru-RU" smtClean="0"/>
-              <a:t>24.11.2023</a:t>
+              <a:t>26.11.2023</a:t>
             </a:fld>
             <a:endParaRPr lang="ru-RU"/>
           </a:p>
@@ -2122,7 +2106,7 @@
           <a:p>
             <a:fld id="{870F65BB-7DDC-4717-AF77-59A3293404C9}" type="datetimeFigureOut">
               <a:rPr lang="ru-RU" smtClean="0"/>
-              <a:t>24.11.2023</a:t>
+              <a:t>26.11.2023</a:t>
             </a:fld>
             <a:endParaRPr lang="ru-RU"/>
           </a:p>
@@ -2433,7 +2417,7 @@
           <a:p>
             <a:fld id="{870F65BB-7DDC-4717-AF77-59A3293404C9}" type="datetimeFigureOut">
               <a:rPr lang="ru-RU" smtClean="0"/>
-              <a:t>24.11.2023</a:t>
+              <a:t>26.11.2023</a:t>
             </a:fld>
             <a:endParaRPr lang="ru-RU"/>
           </a:p>
@@ -2721,7 +2705,7 @@
           <a:p>
             <a:fld id="{870F65BB-7DDC-4717-AF77-59A3293404C9}" type="datetimeFigureOut">
               <a:rPr lang="ru-RU" smtClean="0"/>
-              <a:t>24.11.2023</a:t>
+              <a:t>26.11.2023</a:t>
             </a:fld>
             <a:endParaRPr lang="ru-RU"/>
           </a:p>
@@ -2962,7 +2946,7 @@
           <a:p>
             <a:fld id="{870F65BB-7DDC-4717-AF77-59A3293404C9}" type="datetimeFigureOut">
               <a:rPr lang="ru-RU" smtClean="0"/>
-              <a:t>24.11.2023</a:t>
+              <a:t>26.11.2023</a:t>
             </a:fld>
             <a:endParaRPr lang="ru-RU"/>
           </a:p>
@@ -3432,7 +3416,7 @@
                 <a:latin typeface="Times New Roman" panose="02020603050405020304" pitchFamily="18" charset="0"/>
                 <a:cs typeface="Times New Roman" panose="02020603050405020304" pitchFamily="18" charset="0"/>
               </a:rPr>
-              <a:t>1</a:t>
+              <a:t>2</a:t>
             </a:r>
             <a:r>
               <a:rPr lang="ru-RU" sz="1400" dirty="0">
@@ -3646,7 +3630,7 @@
                 <a:latin typeface="Times New Roman" panose="02020603050405020304" pitchFamily="18" charset="0"/>
                 <a:cs typeface="Times New Roman" panose="02020603050405020304" pitchFamily="18" charset="0"/>
               </a:rPr>
-              <a:t>Задача №7</a:t>
+              <a:t>Задача №5</a:t>
             </a:r>
           </a:p>
         </p:txBody>
@@ -3670,7 +3654,7 @@
         <p:spPr>
           <a:xfrm>
             <a:off x="831850" y="629175"/>
-            <a:ext cx="10515600" cy="864065"/>
+            <a:ext cx="10515600" cy="1300293"/>
           </a:xfrm>
         </p:spPr>
         <p:txBody>
@@ -3687,7 +3671,19 @@
                 <a:latin typeface="Times New Roman" panose="02020603050405020304" pitchFamily="18" charset="0"/>
                 <a:cs typeface="Times New Roman" panose="02020603050405020304" pitchFamily="18" charset="0"/>
               </a:rPr>
-              <a:t>Исходный код решения: </a:t>
+              <a:t>Напишите программу, которая проверяет, сколько тысяч во введенном пользователем числе (определяется четвертая цифра справа в десятичном представлении числа).</a:t>
+            </a:r>
+          </a:p>
+          <a:p>
+            <a:r>
+              <a:rPr lang="ru-RU" sz="1400" dirty="0">
+                <a:solidFill>
+                  <a:schemeClr val="tx1"/>
+                </a:solidFill>
+                <a:latin typeface="Times New Roman" panose="02020603050405020304" pitchFamily="18" charset="0"/>
+                <a:cs typeface="Times New Roman" panose="02020603050405020304" pitchFamily="18" charset="0"/>
+              </a:rPr>
+              <a:t>Исходный код: </a:t>
             </a:r>
             <a:r>
               <a:rPr lang="en-US" sz="1400" dirty="0">
@@ -3697,17 +3693,37 @@
                 <a:latin typeface="Times New Roman" panose="02020603050405020304" pitchFamily="18" charset="0"/>
                 <a:cs typeface="Times New Roman" panose="02020603050405020304" pitchFamily="18" charset="0"/>
               </a:rPr>
-              <a:t>https://github.com/Vladnwx/Learn2023-2024/blob/master/src/lr1/Example</a:t>
-            </a:r>
-            <a:r>
-              <a:rPr lang="ru-RU" sz="1400" dirty="0">
-                <a:solidFill>
-                  <a:schemeClr val="tx1"/>
-                </a:solidFill>
-                <a:latin typeface="Times New Roman" panose="02020603050405020304" pitchFamily="18" charset="0"/>
-                <a:cs typeface="Times New Roman" panose="02020603050405020304" pitchFamily="18" charset="0"/>
-              </a:rPr>
-              <a:t>7</a:t>
+              <a:t>https://github.com/Vladnwx/Learn2023-2024/blob/master/src/lr</a:t>
+            </a:r>
+            <a:r>
+              <a:rPr lang="ru-RU" sz="1400" dirty="0">
+                <a:solidFill>
+                  <a:schemeClr val="tx1"/>
+                </a:solidFill>
+                <a:latin typeface="Times New Roman" panose="02020603050405020304" pitchFamily="18" charset="0"/>
+                <a:cs typeface="Times New Roman" panose="02020603050405020304" pitchFamily="18" charset="0"/>
+              </a:rPr>
+              <a:t>2</a:t>
+            </a:r>
+            <a:r>
+              <a:rPr lang="en-US" sz="1400" dirty="0">
+                <a:solidFill>
+                  <a:schemeClr val="tx1"/>
+                </a:solidFill>
+                <a:latin typeface="Times New Roman" panose="02020603050405020304" pitchFamily="18" charset="0"/>
+                <a:cs typeface="Times New Roman" panose="02020603050405020304" pitchFamily="18" charset="0"/>
+              </a:rPr>
+              <a:t>/Example</a:t>
+            </a:r>
+            <a:r>
+              <a:rPr lang="ru-RU" sz="1400" dirty="0">
+                <a:solidFill>
+                  <a:schemeClr val="tx1"/>
+                </a:solidFill>
+                <a:latin typeface="Times New Roman" panose="02020603050405020304" pitchFamily="18" charset="0"/>
+                <a:cs typeface="Times New Roman" panose="02020603050405020304" pitchFamily="18" charset="0"/>
+              </a:rPr>
+              <a:t>5</a:t>
             </a:r>
             <a:r>
               <a:rPr lang="en-US" sz="1400" dirty="0">
@@ -3741,7 +3757,7 @@
     </p:spTree>
     <p:extLst>
       <p:ext uri="{BB962C8B-B14F-4D97-AF65-F5344CB8AC3E}">
-        <p14:creationId xmlns:p14="http://schemas.microsoft.com/office/powerpoint/2010/main" val="1058291349"/>
+        <p14:creationId xmlns:p14="http://schemas.microsoft.com/office/powerpoint/2010/main" val="993719958"/>
       </p:ext>
     </p:extLst>
   </p:cSld>
@@ -3802,8 +3818,19 @@
                 <a:latin typeface="Times New Roman" panose="02020603050405020304" pitchFamily="18" charset="0"/>
                 <a:cs typeface="Times New Roman" panose="02020603050405020304" pitchFamily="18" charset="0"/>
               </a:rPr>
-              <a:t>Задача №8</a:t>
-            </a:r>
+              <a:t>Задача №6.1 задача с </a:t>
+            </a:r>
+            <a:r>
+              <a:rPr lang="en-US" sz="1400" dirty="0">
+                <a:latin typeface="Times New Roman" panose="02020603050405020304" pitchFamily="18" charset="0"/>
+                <a:cs typeface="Times New Roman" panose="02020603050405020304" pitchFamily="18" charset="0"/>
+              </a:rPr>
+              <a:t>timus  //https://acm.timus.ru/problem.aspx?space=1&amp;num=1264</a:t>
+            </a:r>
+            <a:endParaRPr lang="ru-RU" sz="1400" dirty="0">
+              <a:latin typeface="Times New Roman" panose="02020603050405020304" pitchFamily="18" charset="0"/>
+              <a:cs typeface="Times New Roman" panose="02020603050405020304" pitchFamily="18" charset="0"/>
+            </a:endParaRPr>
           </a:p>
         </p:txBody>
       </p:sp>
@@ -3826,7 +3853,7 @@
         <p:spPr>
           <a:xfrm>
             <a:off x="831850" y="629175"/>
-            <a:ext cx="10515600" cy="864065"/>
+            <a:ext cx="10515600" cy="6052656"/>
           </a:xfrm>
         </p:spPr>
         <p:txBody>
@@ -3843,7 +3870,7 @@
                 <a:latin typeface="Times New Roman" panose="02020603050405020304" pitchFamily="18" charset="0"/>
                 <a:cs typeface="Times New Roman" panose="02020603050405020304" pitchFamily="18" charset="0"/>
               </a:rPr>
-              <a:t>Исходный код решения: </a:t>
+              <a:t>1264. Трудовые будни</a:t>
             </a:r>
             <a:r>
               <a:rPr lang="en-US" sz="1400" dirty="0">
@@ -3853,17 +3880,17 @@
                 <a:latin typeface="Times New Roman" panose="02020603050405020304" pitchFamily="18" charset="0"/>
                 <a:cs typeface="Times New Roman" panose="02020603050405020304" pitchFamily="18" charset="0"/>
               </a:rPr>
-              <a:t>https://github.com/Vladnwx/Learn2023-2024/blob/master/src/lr1/Example</a:t>
-            </a:r>
-            <a:r>
-              <a:rPr lang="ru-RU" sz="1400" dirty="0">
-                <a:solidFill>
-                  <a:schemeClr val="tx1"/>
-                </a:solidFill>
-                <a:latin typeface="Times New Roman" panose="02020603050405020304" pitchFamily="18" charset="0"/>
-                <a:cs typeface="Times New Roman" panose="02020603050405020304" pitchFamily="18" charset="0"/>
-              </a:rPr>
-              <a:t>8</a:t>
+              <a:t> </a:t>
+            </a:r>
+            <a:r>
+              <a:rPr lang="ru-RU" sz="1400" dirty="0">
+                <a:solidFill>
+                  <a:schemeClr val="tx1"/>
+                </a:solidFill>
+                <a:latin typeface="Times New Roman" panose="02020603050405020304" pitchFamily="18" charset="0"/>
+                <a:cs typeface="Times New Roman" panose="02020603050405020304" pitchFamily="18" charset="0"/>
+              </a:rPr>
+              <a:t>Ограничение времени: 1.0 секунды</a:t>
             </a:r>
             <a:r>
               <a:rPr lang="en-US" sz="1400" dirty="0">
@@ -3873,7 +3900,1490 @@
                 <a:latin typeface="Times New Roman" panose="02020603050405020304" pitchFamily="18" charset="0"/>
                 <a:cs typeface="Times New Roman" panose="02020603050405020304" pitchFamily="18" charset="0"/>
               </a:rPr>
-              <a:t>.java</a:t>
+              <a:t> </a:t>
+            </a:r>
+            <a:r>
+              <a:rPr lang="ru-RU" sz="1400" dirty="0">
+                <a:solidFill>
+                  <a:schemeClr val="tx1"/>
+                </a:solidFill>
+                <a:latin typeface="Times New Roman" panose="02020603050405020304" pitchFamily="18" charset="0"/>
+                <a:cs typeface="Times New Roman" panose="02020603050405020304" pitchFamily="18" charset="0"/>
+              </a:rPr>
+              <a:t>Ограничение памяти: 64 МБ</a:t>
+            </a:r>
+          </a:p>
+          <a:p>
+            <a:r>
+              <a:rPr lang="ru-RU" sz="1400" dirty="0">
+                <a:solidFill>
+                  <a:schemeClr val="tx1"/>
+                </a:solidFill>
+                <a:latin typeface="Times New Roman" panose="02020603050405020304" pitchFamily="18" charset="0"/>
+                <a:cs typeface="Times New Roman" panose="02020603050405020304" pitchFamily="18" charset="0"/>
+              </a:rPr>
+              <a:t>После успеха предыдущей программы Васечкина, позволившей подвести итоги выборов всего за два дня,</a:t>
+            </a:r>
+            <a:r>
+              <a:rPr lang="en-US" sz="1400" dirty="0">
+                <a:solidFill>
+                  <a:schemeClr val="tx1"/>
+                </a:solidFill>
+                <a:latin typeface="Times New Roman" panose="02020603050405020304" pitchFamily="18" charset="0"/>
+                <a:cs typeface="Times New Roman" panose="02020603050405020304" pitchFamily="18" charset="0"/>
+              </a:rPr>
+              <a:t> </a:t>
+            </a:r>
+            <a:r>
+              <a:rPr lang="ru-RU" sz="1400" dirty="0">
+                <a:solidFill>
+                  <a:schemeClr val="tx1"/>
+                </a:solidFill>
+                <a:latin typeface="Times New Roman" panose="02020603050405020304" pitchFamily="18" charset="0"/>
+                <a:cs typeface="Times New Roman" panose="02020603050405020304" pitchFamily="18" charset="0"/>
+              </a:rPr>
+              <a:t>Васечкин был назначен начальником отдела. Не правда ли, успех? В данный момент Артемий Сидорович</a:t>
+            </a:r>
+            <a:r>
+              <a:rPr lang="en-US" sz="1400" dirty="0">
+                <a:solidFill>
+                  <a:schemeClr val="tx1"/>
+                </a:solidFill>
+                <a:latin typeface="Times New Roman" panose="02020603050405020304" pitchFamily="18" charset="0"/>
+                <a:cs typeface="Times New Roman" panose="02020603050405020304" pitchFamily="18" charset="0"/>
+              </a:rPr>
+              <a:t> </a:t>
+            </a:r>
+            <a:r>
+              <a:rPr lang="ru-RU" sz="1400" dirty="0">
+                <a:solidFill>
+                  <a:schemeClr val="tx1"/>
+                </a:solidFill>
+                <a:latin typeface="Times New Roman" panose="02020603050405020304" pitchFamily="18" charset="0"/>
+                <a:cs typeface="Times New Roman" panose="02020603050405020304" pitchFamily="18" charset="0"/>
+              </a:rPr>
+              <a:t>готовит техническое задание для своего подчиненного — программиста </a:t>
+            </a:r>
+            <a:r>
+              <a:rPr lang="ru-RU" sz="1400" dirty="0" err="1">
+                <a:solidFill>
+                  <a:schemeClr val="tx1"/>
+                </a:solidFill>
+                <a:latin typeface="Times New Roman" panose="02020603050405020304" pitchFamily="18" charset="0"/>
+                <a:cs typeface="Times New Roman" panose="02020603050405020304" pitchFamily="18" charset="0"/>
+              </a:rPr>
+              <a:t>Петечкина</a:t>
+            </a:r>
+            <a:r>
+              <a:rPr lang="ru-RU" sz="1400" dirty="0">
+                <a:solidFill>
+                  <a:schemeClr val="tx1"/>
+                </a:solidFill>
+                <a:latin typeface="Times New Roman" panose="02020603050405020304" pitchFamily="18" charset="0"/>
+                <a:cs typeface="Times New Roman" panose="02020603050405020304" pitchFamily="18" charset="0"/>
+              </a:rPr>
+              <a:t>. Задание заключается</a:t>
+            </a:r>
+            <a:r>
+              <a:rPr lang="en-US" sz="1400" dirty="0">
+                <a:solidFill>
+                  <a:schemeClr val="tx1"/>
+                </a:solidFill>
+                <a:latin typeface="Times New Roman" panose="02020603050405020304" pitchFamily="18" charset="0"/>
+                <a:cs typeface="Times New Roman" panose="02020603050405020304" pitchFamily="18" charset="0"/>
+              </a:rPr>
+              <a:t> </a:t>
+            </a:r>
+            <a:r>
+              <a:rPr lang="ru-RU" sz="1400" dirty="0">
+                <a:solidFill>
+                  <a:schemeClr val="tx1"/>
+                </a:solidFill>
+                <a:latin typeface="Times New Roman" panose="02020603050405020304" pitchFamily="18" charset="0"/>
+                <a:cs typeface="Times New Roman" panose="02020603050405020304" pitchFamily="18" charset="0"/>
+              </a:rPr>
+              <a:t>в написании крайне полезной функции, которая намного облегчит жизнь всем программистам отдела.</a:t>
+            </a:r>
+            <a:r>
+              <a:rPr lang="en-US" sz="1400" dirty="0">
+                <a:solidFill>
+                  <a:schemeClr val="tx1"/>
+                </a:solidFill>
+                <a:latin typeface="Times New Roman" panose="02020603050405020304" pitchFamily="18" charset="0"/>
+                <a:cs typeface="Times New Roman" panose="02020603050405020304" pitchFamily="18" charset="0"/>
+              </a:rPr>
+              <a:t> </a:t>
+            </a:r>
+            <a:r>
+              <a:rPr lang="ru-RU" sz="1400" dirty="0">
+                <a:solidFill>
+                  <a:schemeClr val="tx1"/>
+                </a:solidFill>
+                <a:latin typeface="Times New Roman" panose="02020603050405020304" pitchFamily="18" charset="0"/>
+                <a:cs typeface="Times New Roman" panose="02020603050405020304" pitchFamily="18" charset="0"/>
+              </a:rPr>
+              <a:t>Для каждого числа от 0 до M функция будет подсчитывать число раз, которое число встречается</a:t>
+            </a:r>
+            <a:r>
+              <a:rPr lang="en-US" sz="1400" dirty="0">
+                <a:solidFill>
+                  <a:schemeClr val="tx1"/>
+                </a:solidFill>
+                <a:latin typeface="Times New Roman" panose="02020603050405020304" pitchFamily="18" charset="0"/>
+                <a:cs typeface="Times New Roman" panose="02020603050405020304" pitchFamily="18" charset="0"/>
+              </a:rPr>
+              <a:t> </a:t>
+            </a:r>
+            <a:r>
+              <a:rPr lang="ru-RU" sz="1400" dirty="0">
+                <a:solidFill>
+                  <a:schemeClr val="tx1"/>
+                </a:solidFill>
+                <a:latin typeface="Times New Roman" panose="02020603050405020304" pitchFamily="18" charset="0"/>
+                <a:cs typeface="Times New Roman" panose="02020603050405020304" pitchFamily="18" charset="0"/>
+              </a:rPr>
+              <a:t>в N-элементном массиве. Артемий Сидорович полагает, что функция должна работать следующим образом</a:t>
+            </a:r>
+            <a:r>
+              <a:rPr lang="en-US" sz="1400" dirty="0">
+                <a:solidFill>
+                  <a:schemeClr val="tx1"/>
+                </a:solidFill>
+                <a:latin typeface="Times New Roman" panose="02020603050405020304" pitchFamily="18" charset="0"/>
+                <a:cs typeface="Times New Roman" panose="02020603050405020304" pitchFamily="18" charset="0"/>
+              </a:rPr>
+              <a:t> </a:t>
+            </a:r>
+            <a:r>
+              <a:rPr lang="ru-RU" sz="1400" dirty="0">
+                <a:solidFill>
+                  <a:schemeClr val="tx1"/>
+                </a:solidFill>
+                <a:latin typeface="Times New Roman" panose="02020603050405020304" pitchFamily="18" charset="0"/>
+                <a:cs typeface="Times New Roman" panose="02020603050405020304" pitchFamily="18" charset="0"/>
+              </a:rPr>
+              <a:t>(пример кода для N = 3, M = 1):</a:t>
+            </a:r>
+            <a:r>
+              <a:rPr lang="en-US" sz="1400" dirty="0">
+                <a:solidFill>
+                  <a:schemeClr val="tx1"/>
+                </a:solidFill>
+                <a:latin typeface="Times New Roman" panose="02020603050405020304" pitchFamily="18" charset="0"/>
+                <a:cs typeface="Times New Roman" panose="02020603050405020304" pitchFamily="18" charset="0"/>
+              </a:rPr>
+              <a:t> </a:t>
+            </a:r>
+          </a:p>
+          <a:p>
+            <a:r>
+              <a:rPr lang="ru-RU" sz="1400" dirty="0">
+                <a:solidFill>
+                  <a:schemeClr val="tx1"/>
+                </a:solidFill>
+                <a:latin typeface="Times New Roman" panose="02020603050405020304" pitchFamily="18" charset="0"/>
+                <a:cs typeface="Times New Roman" panose="02020603050405020304" pitchFamily="18" charset="0"/>
+              </a:rPr>
+              <a:t>C	</a:t>
+            </a:r>
+            <a:r>
+              <a:rPr lang="en-US" sz="1400" dirty="0">
+                <a:solidFill>
+                  <a:schemeClr val="tx1"/>
+                </a:solidFill>
+                <a:latin typeface="Times New Roman" panose="02020603050405020304" pitchFamily="18" charset="0"/>
+                <a:cs typeface="Times New Roman" panose="02020603050405020304" pitchFamily="18" charset="0"/>
+              </a:rPr>
+              <a:t>					</a:t>
+            </a:r>
+            <a:r>
+              <a:rPr lang="ru-RU" sz="1400" dirty="0" err="1">
+                <a:solidFill>
+                  <a:schemeClr val="tx1"/>
+                </a:solidFill>
+                <a:latin typeface="Times New Roman" panose="02020603050405020304" pitchFamily="18" charset="0"/>
+                <a:cs typeface="Times New Roman" panose="02020603050405020304" pitchFamily="18" charset="0"/>
+              </a:rPr>
+              <a:t>Pascal</a:t>
+            </a:r>
+            <a:r>
+              <a:rPr lang="en-US" sz="1400" dirty="0">
+                <a:solidFill>
+                  <a:schemeClr val="tx1"/>
+                </a:solidFill>
+                <a:latin typeface="Times New Roman" panose="02020603050405020304" pitchFamily="18" charset="0"/>
+                <a:cs typeface="Times New Roman" panose="02020603050405020304" pitchFamily="18" charset="0"/>
+              </a:rPr>
+              <a:t> </a:t>
+            </a:r>
+          </a:p>
+          <a:p>
+            <a:r>
+              <a:rPr lang="ru-RU" sz="1400" dirty="0" err="1">
+                <a:solidFill>
+                  <a:schemeClr val="tx1"/>
+                </a:solidFill>
+                <a:latin typeface="Times New Roman" panose="02020603050405020304" pitchFamily="18" charset="0"/>
+                <a:cs typeface="Times New Roman" panose="02020603050405020304" pitchFamily="18" charset="0"/>
+              </a:rPr>
+              <a:t>if</a:t>
+            </a:r>
+            <a:r>
+              <a:rPr lang="ru-RU" sz="1400" dirty="0">
+                <a:solidFill>
+                  <a:schemeClr val="tx1"/>
+                </a:solidFill>
+                <a:latin typeface="Times New Roman" panose="02020603050405020304" pitchFamily="18" charset="0"/>
+                <a:cs typeface="Times New Roman" panose="02020603050405020304" pitchFamily="18" charset="0"/>
+              </a:rPr>
+              <a:t> (</a:t>
+            </a:r>
+            <a:r>
+              <a:rPr lang="ru-RU" sz="1400" dirty="0" err="1">
+                <a:solidFill>
+                  <a:schemeClr val="tx1"/>
+                </a:solidFill>
+                <a:latin typeface="Times New Roman" panose="02020603050405020304" pitchFamily="18" charset="0"/>
+                <a:cs typeface="Times New Roman" panose="02020603050405020304" pitchFamily="18" charset="0"/>
+              </a:rPr>
+              <a:t>arr</a:t>
+            </a:r>
+            <a:r>
+              <a:rPr lang="ru-RU" sz="1400" dirty="0">
+                <a:solidFill>
+                  <a:schemeClr val="tx1"/>
+                </a:solidFill>
+                <a:latin typeface="Times New Roman" panose="02020603050405020304" pitchFamily="18" charset="0"/>
+                <a:cs typeface="Times New Roman" panose="02020603050405020304" pitchFamily="18" charset="0"/>
+              </a:rPr>
+              <a:t>[0]==0) ++</a:t>
+            </a:r>
+            <a:r>
+              <a:rPr lang="ru-RU" sz="1400" dirty="0" err="1">
+                <a:solidFill>
+                  <a:schemeClr val="tx1"/>
+                </a:solidFill>
+                <a:latin typeface="Times New Roman" panose="02020603050405020304" pitchFamily="18" charset="0"/>
+                <a:cs typeface="Times New Roman" panose="02020603050405020304" pitchFamily="18" charset="0"/>
+              </a:rPr>
+              <a:t>count</a:t>
+            </a:r>
+            <a:r>
+              <a:rPr lang="ru-RU" sz="1400" dirty="0">
+                <a:solidFill>
+                  <a:schemeClr val="tx1"/>
+                </a:solidFill>
+                <a:latin typeface="Times New Roman" panose="02020603050405020304" pitchFamily="18" charset="0"/>
+                <a:cs typeface="Times New Roman" panose="02020603050405020304" pitchFamily="18" charset="0"/>
+              </a:rPr>
+              <a:t>[0];</a:t>
+            </a:r>
+            <a:r>
+              <a:rPr lang="en-US" sz="1400" dirty="0">
+                <a:solidFill>
+                  <a:schemeClr val="tx1"/>
+                </a:solidFill>
+                <a:latin typeface="Times New Roman" panose="02020603050405020304" pitchFamily="18" charset="0"/>
+                <a:cs typeface="Times New Roman" panose="02020603050405020304" pitchFamily="18" charset="0"/>
+              </a:rPr>
+              <a:t> 				</a:t>
+            </a:r>
+            <a:r>
+              <a:rPr lang="ru-RU" sz="1400" dirty="0" err="1">
+                <a:solidFill>
+                  <a:schemeClr val="tx1"/>
+                </a:solidFill>
+                <a:latin typeface="Times New Roman" panose="02020603050405020304" pitchFamily="18" charset="0"/>
+                <a:cs typeface="Times New Roman" panose="02020603050405020304" pitchFamily="18" charset="0"/>
+              </a:rPr>
+              <a:t>if</a:t>
+            </a:r>
+            <a:r>
+              <a:rPr lang="ru-RU" sz="1400" dirty="0">
+                <a:solidFill>
+                  <a:schemeClr val="tx1"/>
+                </a:solidFill>
+                <a:latin typeface="Times New Roman" panose="02020603050405020304" pitchFamily="18" charset="0"/>
+                <a:cs typeface="Times New Roman" panose="02020603050405020304" pitchFamily="18" charset="0"/>
+              </a:rPr>
+              <a:t> </a:t>
+            </a:r>
+            <a:r>
+              <a:rPr lang="ru-RU" sz="1400" dirty="0" err="1">
+                <a:solidFill>
+                  <a:schemeClr val="tx1"/>
+                </a:solidFill>
+                <a:latin typeface="Times New Roman" panose="02020603050405020304" pitchFamily="18" charset="0"/>
+                <a:cs typeface="Times New Roman" panose="02020603050405020304" pitchFamily="18" charset="0"/>
+              </a:rPr>
+              <a:t>arr</a:t>
+            </a:r>
+            <a:r>
+              <a:rPr lang="ru-RU" sz="1400" dirty="0">
+                <a:solidFill>
+                  <a:schemeClr val="tx1"/>
+                </a:solidFill>
+                <a:latin typeface="Times New Roman" panose="02020603050405020304" pitchFamily="18" charset="0"/>
+                <a:cs typeface="Times New Roman" panose="02020603050405020304" pitchFamily="18" charset="0"/>
+              </a:rPr>
+              <a:t>[0]=0 </a:t>
+            </a:r>
+            <a:r>
+              <a:rPr lang="ru-RU" sz="1400" dirty="0" err="1">
+                <a:solidFill>
+                  <a:schemeClr val="tx1"/>
+                </a:solidFill>
+                <a:latin typeface="Times New Roman" panose="02020603050405020304" pitchFamily="18" charset="0"/>
+                <a:cs typeface="Times New Roman" panose="02020603050405020304" pitchFamily="18" charset="0"/>
+              </a:rPr>
+              <a:t>then</a:t>
+            </a:r>
+            <a:r>
+              <a:rPr lang="ru-RU" sz="1400" dirty="0">
+                <a:solidFill>
+                  <a:schemeClr val="tx1"/>
+                </a:solidFill>
+                <a:latin typeface="Times New Roman" panose="02020603050405020304" pitchFamily="18" charset="0"/>
+                <a:cs typeface="Times New Roman" panose="02020603050405020304" pitchFamily="18" charset="0"/>
+              </a:rPr>
+              <a:t> </a:t>
+            </a:r>
+            <a:r>
+              <a:rPr lang="ru-RU" sz="1400" dirty="0" err="1">
+                <a:solidFill>
+                  <a:schemeClr val="tx1"/>
+                </a:solidFill>
+                <a:latin typeface="Times New Roman" panose="02020603050405020304" pitchFamily="18" charset="0"/>
+                <a:cs typeface="Times New Roman" panose="02020603050405020304" pitchFamily="18" charset="0"/>
+              </a:rPr>
+              <a:t>count</a:t>
+            </a:r>
+            <a:r>
+              <a:rPr lang="ru-RU" sz="1400" dirty="0">
+                <a:solidFill>
+                  <a:schemeClr val="tx1"/>
+                </a:solidFill>
+                <a:latin typeface="Times New Roman" panose="02020603050405020304" pitchFamily="18" charset="0"/>
+                <a:cs typeface="Times New Roman" panose="02020603050405020304" pitchFamily="18" charset="0"/>
+              </a:rPr>
+              <a:t>[0] := </a:t>
+            </a:r>
+            <a:r>
+              <a:rPr lang="ru-RU" sz="1400" dirty="0" err="1">
+                <a:solidFill>
+                  <a:schemeClr val="tx1"/>
+                </a:solidFill>
+                <a:latin typeface="Times New Roman" panose="02020603050405020304" pitchFamily="18" charset="0"/>
+                <a:cs typeface="Times New Roman" panose="02020603050405020304" pitchFamily="18" charset="0"/>
+              </a:rPr>
+              <a:t>count</a:t>
+            </a:r>
+            <a:r>
+              <a:rPr lang="ru-RU" sz="1400" dirty="0">
+                <a:solidFill>
+                  <a:schemeClr val="tx1"/>
+                </a:solidFill>
+                <a:latin typeface="Times New Roman" panose="02020603050405020304" pitchFamily="18" charset="0"/>
+                <a:cs typeface="Times New Roman" panose="02020603050405020304" pitchFamily="18" charset="0"/>
+              </a:rPr>
+              <a:t>[0] + 1;</a:t>
+            </a:r>
+          </a:p>
+          <a:p>
+            <a:r>
+              <a:rPr lang="ru-RU" sz="1400" dirty="0" err="1">
+                <a:solidFill>
+                  <a:schemeClr val="tx1"/>
+                </a:solidFill>
+                <a:latin typeface="Times New Roman" panose="02020603050405020304" pitchFamily="18" charset="0"/>
+                <a:cs typeface="Times New Roman" panose="02020603050405020304" pitchFamily="18" charset="0"/>
+              </a:rPr>
+              <a:t>if</a:t>
+            </a:r>
+            <a:r>
+              <a:rPr lang="ru-RU" sz="1400" dirty="0">
+                <a:solidFill>
+                  <a:schemeClr val="tx1"/>
+                </a:solidFill>
+                <a:latin typeface="Times New Roman" panose="02020603050405020304" pitchFamily="18" charset="0"/>
+                <a:cs typeface="Times New Roman" panose="02020603050405020304" pitchFamily="18" charset="0"/>
+              </a:rPr>
+              <a:t> (</a:t>
+            </a:r>
+            <a:r>
+              <a:rPr lang="ru-RU" sz="1400" dirty="0" err="1">
+                <a:solidFill>
+                  <a:schemeClr val="tx1"/>
+                </a:solidFill>
+                <a:latin typeface="Times New Roman" panose="02020603050405020304" pitchFamily="18" charset="0"/>
+                <a:cs typeface="Times New Roman" panose="02020603050405020304" pitchFamily="18" charset="0"/>
+              </a:rPr>
+              <a:t>arr</a:t>
+            </a:r>
+            <a:r>
+              <a:rPr lang="ru-RU" sz="1400" dirty="0">
+                <a:solidFill>
+                  <a:schemeClr val="tx1"/>
+                </a:solidFill>
+                <a:latin typeface="Times New Roman" panose="02020603050405020304" pitchFamily="18" charset="0"/>
+                <a:cs typeface="Times New Roman" panose="02020603050405020304" pitchFamily="18" charset="0"/>
+              </a:rPr>
+              <a:t>[0]==1) ++</a:t>
+            </a:r>
+            <a:r>
+              <a:rPr lang="ru-RU" sz="1400" dirty="0" err="1">
+                <a:solidFill>
+                  <a:schemeClr val="tx1"/>
+                </a:solidFill>
+                <a:latin typeface="Times New Roman" panose="02020603050405020304" pitchFamily="18" charset="0"/>
+                <a:cs typeface="Times New Roman" panose="02020603050405020304" pitchFamily="18" charset="0"/>
+              </a:rPr>
+              <a:t>count</a:t>
+            </a:r>
+            <a:r>
+              <a:rPr lang="ru-RU" sz="1400" dirty="0">
+                <a:solidFill>
+                  <a:schemeClr val="tx1"/>
+                </a:solidFill>
+                <a:latin typeface="Times New Roman" panose="02020603050405020304" pitchFamily="18" charset="0"/>
+                <a:cs typeface="Times New Roman" panose="02020603050405020304" pitchFamily="18" charset="0"/>
+              </a:rPr>
+              <a:t>[1];</a:t>
+            </a:r>
+            <a:r>
+              <a:rPr lang="en-US" sz="1400" dirty="0">
+                <a:solidFill>
+                  <a:schemeClr val="tx1"/>
+                </a:solidFill>
+                <a:latin typeface="Times New Roman" panose="02020603050405020304" pitchFamily="18" charset="0"/>
+                <a:cs typeface="Times New Roman" panose="02020603050405020304" pitchFamily="18" charset="0"/>
+              </a:rPr>
+              <a:t> 				</a:t>
+            </a:r>
+            <a:r>
+              <a:rPr lang="ru-RU" sz="1400" dirty="0" err="1">
+                <a:solidFill>
+                  <a:schemeClr val="tx1"/>
+                </a:solidFill>
+                <a:latin typeface="Times New Roman" panose="02020603050405020304" pitchFamily="18" charset="0"/>
+                <a:cs typeface="Times New Roman" panose="02020603050405020304" pitchFamily="18" charset="0"/>
+              </a:rPr>
+              <a:t>if</a:t>
+            </a:r>
+            <a:r>
+              <a:rPr lang="ru-RU" sz="1400" dirty="0">
+                <a:solidFill>
+                  <a:schemeClr val="tx1"/>
+                </a:solidFill>
+                <a:latin typeface="Times New Roman" panose="02020603050405020304" pitchFamily="18" charset="0"/>
+                <a:cs typeface="Times New Roman" panose="02020603050405020304" pitchFamily="18" charset="0"/>
+              </a:rPr>
+              <a:t> </a:t>
+            </a:r>
+            <a:r>
+              <a:rPr lang="ru-RU" sz="1400" dirty="0" err="1">
+                <a:solidFill>
+                  <a:schemeClr val="tx1"/>
+                </a:solidFill>
+                <a:latin typeface="Times New Roman" panose="02020603050405020304" pitchFamily="18" charset="0"/>
+                <a:cs typeface="Times New Roman" panose="02020603050405020304" pitchFamily="18" charset="0"/>
+              </a:rPr>
+              <a:t>arr</a:t>
+            </a:r>
+            <a:r>
+              <a:rPr lang="ru-RU" sz="1400" dirty="0">
+                <a:solidFill>
+                  <a:schemeClr val="tx1"/>
+                </a:solidFill>
+                <a:latin typeface="Times New Roman" panose="02020603050405020304" pitchFamily="18" charset="0"/>
+                <a:cs typeface="Times New Roman" panose="02020603050405020304" pitchFamily="18" charset="0"/>
+              </a:rPr>
+              <a:t>[0]=1 </a:t>
+            </a:r>
+            <a:r>
+              <a:rPr lang="ru-RU" sz="1400" dirty="0" err="1">
+                <a:solidFill>
+                  <a:schemeClr val="tx1"/>
+                </a:solidFill>
+                <a:latin typeface="Times New Roman" panose="02020603050405020304" pitchFamily="18" charset="0"/>
+                <a:cs typeface="Times New Roman" panose="02020603050405020304" pitchFamily="18" charset="0"/>
+              </a:rPr>
+              <a:t>then</a:t>
+            </a:r>
+            <a:r>
+              <a:rPr lang="ru-RU" sz="1400" dirty="0">
+                <a:solidFill>
+                  <a:schemeClr val="tx1"/>
+                </a:solidFill>
+                <a:latin typeface="Times New Roman" panose="02020603050405020304" pitchFamily="18" charset="0"/>
+                <a:cs typeface="Times New Roman" panose="02020603050405020304" pitchFamily="18" charset="0"/>
+              </a:rPr>
+              <a:t> </a:t>
+            </a:r>
+            <a:r>
+              <a:rPr lang="ru-RU" sz="1400" dirty="0" err="1">
+                <a:solidFill>
+                  <a:schemeClr val="tx1"/>
+                </a:solidFill>
+                <a:latin typeface="Times New Roman" panose="02020603050405020304" pitchFamily="18" charset="0"/>
+                <a:cs typeface="Times New Roman" panose="02020603050405020304" pitchFamily="18" charset="0"/>
+              </a:rPr>
+              <a:t>count</a:t>
+            </a:r>
+            <a:r>
+              <a:rPr lang="ru-RU" sz="1400" dirty="0">
+                <a:solidFill>
+                  <a:schemeClr val="tx1"/>
+                </a:solidFill>
+                <a:latin typeface="Times New Roman" panose="02020603050405020304" pitchFamily="18" charset="0"/>
+                <a:cs typeface="Times New Roman" panose="02020603050405020304" pitchFamily="18" charset="0"/>
+              </a:rPr>
+              <a:t>[1] := </a:t>
+            </a:r>
+            <a:r>
+              <a:rPr lang="ru-RU" sz="1400" dirty="0" err="1">
+                <a:solidFill>
+                  <a:schemeClr val="tx1"/>
+                </a:solidFill>
+                <a:latin typeface="Times New Roman" panose="02020603050405020304" pitchFamily="18" charset="0"/>
+                <a:cs typeface="Times New Roman" panose="02020603050405020304" pitchFamily="18" charset="0"/>
+              </a:rPr>
+              <a:t>count</a:t>
+            </a:r>
+            <a:r>
+              <a:rPr lang="ru-RU" sz="1400" dirty="0">
+                <a:solidFill>
+                  <a:schemeClr val="tx1"/>
+                </a:solidFill>
+                <a:latin typeface="Times New Roman" panose="02020603050405020304" pitchFamily="18" charset="0"/>
+                <a:cs typeface="Times New Roman" panose="02020603050405020304" pitchFamily="18" charset="0"/>
+              </a:rPr>
+              <a:t>[1] + 1;</a:t>
+            </a:r>
+          </a:p>
+          <a:p>
+            <a:r>
+              <a:rPr lang="ru-RU" sz="1400" dirty="0" err="1">
+                <a:solidFill>
+                  <a:schemeClr val="tx1"/>
+                </a:solidFill>
+                <a:latin typeface="Times New Roman" panose="02020603050405020304" pitchFamily="18" charset="0"/>
+                <a:cs typeface="Times New Roman" panose="02020603050405020304" pitchFamily="18" charset="0"/>
+              </a:rPr>
+              <a:t>if</a:t>
+            </a:r>
+            <a:r>
+              <a:rPr lang="ru-RU" sz="1400" dirty="0">
+                <a:solidFill>
+                  <a:schemeClr val="tx1"/>
+                </a:solidFill>
+                <a:latin typeface="Times New Roman" panose="02020603050405020304" pitchFamily="18" charset="0"/>
+                <a:cs typeface="Times New Roman" panose="02020603050405020304" pitchFamily="18" charset="0"/>
+              </a:rPr>
+              <a:t> (</a:t>
+            </a:r>
+            <a:r>
+              <a:rPr lang="ru-RU" sz="1400" dirty="0" err="1">
+                <a:solidFill>
+                  <a:schemeClr val="tx1"/>
+                </a:solidFill>
+                <a:latin typeface="Times New Roman" panose="02020603050405020304" pitchFamily="18" charset="0"/>
+                <a:cs typeface="Times New Roman" panose="02020603050405020304" pitchFamily="18" charset="0"/>
+              </a:rPr>
+              <a:t>arr</a:t>
+            </a:r>
+            <a:r>
+              <a:rPr lang="ru-RU" sz="1400" dirty="0">
+                <a:solidFill>
+                  <a:schemeClr val="tx1"/>
+                </a:solidFill>
+                <a:latin typeface="Times New Roman" panose="02020603050405020304" pitchFamily="18" charset="0"/>
+                <a:cs typeface="Times New Roman" panose="02020603050405020304" pitchFamily="18" charset="0"/>
+              </a:rPr>
+              <a:t>[1]==0) ++</a:t>
+            </a:r>
+            <a:r>
+              <a:rPr lang="ru-RU" sz="1400" dirty="0" err="1">
+                <a:solidFill>
+                  <a:schemeClr val="tx1"/>
+                </a:solidFill>
+                <a:latin typeface="Times New Roman" panose="02020603050405020304" pitchFamily="18" charset="0"/>
+                <a:cs typeface="Times New Roman" panose="02020603050405020304" pitchFamily="18" charset="0"/>
+              </a:rPr>
+              <a:t>count</a:t>
+            </a:r>
+            <a:r>
+              <a:rPr lang="ru-RU" sz="1400" dirty="0">
+                <a:solidFill>
+                  <a:schemeClr val="tx1"/>
+                </a:solidFill>
+                <a:latin typeface="Times New Roman" panose="02020603050405020304" pitchFamily="18" charset="0"/>
+                <a:cs typeface="Times New Roman" panose="02020603050405020304" pitchFamily="18" charset="0"/>
+              </a:rPr>
+              <a:t>[0];</a:t>
+            </a:r>
+            <a:r>
+              <a:rPr lang="en-US" sz="1400" dirty="0">
+                <a:solidFill>
+                  <a:schemeClr val="tx1"/>
+                </a:solidFill>
+                <a:latin typeface="Times New Roman" panose="02020603050405020304" pitchFamily="18" charset="0"/>
+                <a:cs typeface="Times New Roman" panose="02020603050405020304" pitchFamily="18" charset="0"/>
+              </a:rPr>
+              <a:t> 				</a:t>
+            </a:r>
+            <a:r>
+              <a:rPr lang="ru-RU" sz="1400" dirty="0" err="1">
+                <a:solidFill>
+                  <a:schemeClr val="tx1"/>
+                </a:solidFill>
+                <a:latin typeface="Times New Roman" panose="02020603050405020304" pitchFamily="18" charset="0"/>
+                <a:cs typeface="Times New Roman" panose="02020603050405020304" pitchFamily="18" charset="0"/>
+              </a:rPr>
+              <a:t>if</a:t>
+            </a:r>
+            <a:r>
+              <a:rPr lang="ru-RU" sz="1400" dirty="0">
+                <a:solidFill>
+                  <a:schemeClr val="tx1"/>
+                </a:solidFill>
+                <a:latin typeface="Times New Roman" panose="02020603050405020304" pitchFamily="18" charset="0"/>
+                <a:cs typeface="Times New Roman" panose="02020603050405020304" pitchFamily="18" charset="0"/>
+              </a:rPr>
+              <a:t> </a:t>
+            </a:r>
+            <a:r>
+              <a:rPr lang="ru-RU" sz="1400" dirty="0" err="1">
+                <a:solidFill>
+                  <a:schemeClr val="tx1"/>
+                </a:solidFill>
+                <a:latin typeface="Times New Roman" panose="02020603050405020304" pitchFamily="18" charset="0"/>
+                <a:cs typeface="Times New Roman" panose="02020603050405020304" pitchFamily="18" charset="0"/>
+              </a:rPr>
+              <a:t>arr</a:t>
+            </a:r>
+            <a:r>
+              <a:rPr lang="ru-RU" sz="1400" dirty="0">
+                <a:solidFill>
+                  <a:schemeClr val="tx1"/>
+                </a:solidFill>
+                <a:latin typeface="Times New Roman" panose="02020603050405020304" pitchFamily="18" charset="0"/>
+                <a:cs typeface="Times New Roman" panose="02020603050405020304" pitchFamily="18" charset="0"/>
+              </a:rPr>
+              <a:t>[1]=0 </a:t>
+            </a:r>
+            <a:r>
+              <a:rPr lang="ru-RU" sz="1400" dirty="0" err="1">
+                <a:solidFill>
+                  <a:schemeClr val="tx1"/>
+                </a:solidFill>
+                <a:latin typeface="Times New Roman" panose="02020603050405020304" pitchFamily="18" charset="0"/>
+                <a:cs typeface="Times New Roman" panose="02020603050405020304" pitchFamily="18" charset="0"/>
+              </a:rPr>
+              <a:t>then</a:t>
+            </a:r>
+            <a:r>
+              <a:rPr lang="ru-RU" sz="1400" dirty="0">
+                <a:solidFill>
+                  <a:schemeClr val="tx1"/>
+                </a:solidFill>
+                <a:latin typeface="Times New Roman" panose="02020603050405020304" pitchFamily="18" charset="0"/>
+                <a:cs typeface="Times New Roman" panose="02020603050405020304" pitchFamily="18" charset="0"/>
+              </a:rPr>
+              <a:t> </a:t>
+            </a:r>
+            <a:r>
+              <a:rPr lang="ru-RU" sz="1400" dirty="0" err="1">
+                <a:solidFill>
+                  <a:schemeClr val="tx1"/>
+                </a:solidFill>
+                <a:latin typeface="Times New Roman" panose="02020603050405020304" pitchFamily="18" charset="0"/>
+                <a:cs typeface="Times New Roman" panose="02020603050405020304" pitchFamily="18" charset="0"/>
+              </a:rPr>
+              <a:t>count</a:t>
+            </a:r>
+            <a:r>
+              <a:rPr lang="ru-RU" sz="1400" dirty="0">
+                <a:solidFill>
+                  <a:schemeClr val="tx1"/>
+                </a:solidFill>
+                <a:latin typeface="Times New Roman" panose="02020603050405020304" pitchFamily="18" charset="0"/>
+                <a:cs typeface="Times New Roman" panose="02020603050405020304" pitchFamily="18" charset="0"/>
+              </a:rPr>
+              <a:t>[0] := </a:t>
+            </a:r>
+            <a:r>
+              <a:rPr lang="ru-RU" sz="1400" dirty="0" err="1">
+                <a:solidFill>
+                  <a:schemeClr val="tx1"/>
+                </a:solidFill>
+                <a:latin typeface="Times New Roman" panose="02020603050405020304" pitchFamily="18" charset="0"/>
+                <a:cs typeface="Times New Roman" panose="02020603050405020304" pitchFamily="18" charset="0"/>
+              </a:rPr>
+              <a:t>count</a:t>
+            </a:r>
+            <a:r>
+              <a:rPr lang="ru-RU" sz="1400" dirty="0">
+                <a:solidFill>
+                  <a:schemeClr val="tx1"/>
+                </a:solidFill>
+                <a:latin typeface="Times New Roman" panose="02020603050405020304" pitchFamily="18" charset="0"/>
+                <a:cs typeface="Times New Roman" panose="02020603050405020304" pitchFamily="18" charset="0"/>
+              </a:rPr>
+              <a:t>[0] + 1;</a:t>
+            </a:r>
+          </a:p>
+          <a:p>
+            <a:r>
+              <a:rPr lang="ru-RU" sz="1400" dirty="0" err="1">
+                <a:solidFill>
+                  <a:schemeClr val="tx1"/>
+                </a:solidFill>
+                <a:latin typeface="Times New Roman" panose="02020603050405020304" pitchFamily="18" charset="0"/>
+                <a:cs typeface="Times New Roman" panose="02020603050405020304" pitchFamily="18" charset="0"/>
+              </a:rPr>
+              <a:t>if</a:t>
+            </a:r>
+            <a:r>
+              <a:rPr lang="ru-RU" sz="1400" dirty="0">
+                <a:solidFill>
+                  <a:schemeClr val="tx1"/>
+                </a:solidFill>
+                <a:latin typeface="Times New Roman" panose="02020603050405020304" pitchFamily="18" charset="0"/>
+                <a:cs typeface="Times New Roman" panose="02020603050405020304" pitchFamily="18" charset="0"/>
+              </a:rPr>
+              <a:t> (</a:t>
+            </a:r>
+            <a:r>
+              <a:rPr lang="ru-RU" sz="1400" dirty="0" err="1">
+                <a:solidFill>
+                  <a:schemeClr val="tx1"/>
+                </a:solidFill>
+                <a:latin typeface="Times New Roman" panose="02020603050405020304" pitchFamily="18" charset="0"/>
+                <a:cs typeface="Times New Roman" panose="02020603050405020304" pitchFamily="18" charset="0"/>
+              </a:rPr>
+              <a:t>arr</a:t>
+            </a:r>
+            <a:r>
+              <a:rPr lang="ru-RU" sz="1400" dirty="0">
+                <a:solidFill>
+                  <a:schemeClr val="tx1"/>
+                </a:solidFill>
+                <a:latin typeface="Times New Roman" panose="02020603050405020304" pitchFamily="18" charset="0"/>
+                <a:cs typeface="Times New Roman" panose="02020603050405020304" pitchFamily="18" charset="0"/>
+              </a:rPr>
+              <a:t>[1]==1) ++</a:t>
+            </a:r>
+            <a:r>
+              <a:rPr lang="ru-RU" sz="1400" dirty="0" err="1">
+                <a:solidFill>
+                  <a:schemeClr val="tx1"/>
+                </a:solidFill>
+                <a:latin typeface="Times New Roman" panose="02020603050405020304" pitchFamily="18" charset="0"/>
+                <a:cs typeface="Times New Roman" panose="02020603050405020304" pitchFamily="18" charset="0"/>
+              </a:rPr>
+              <a:t>count</a:t>
+            </a:r>
+            <a:r>
+              <a:rPr lang="ru-RU" sz="1400" dirty="0">
+                <a:solidFill>
+                  <a:schemeClr val="tx1"/>
+                </a:solidFill>
+                <a:latin typeface="Times New Roman" panose="02020603050405020304" pitchFamily="18" charset="0"/>
+                <a:cs typeface="Times New Roman" panose="02020603050405020304" pitchFamily="18" charset="0"/>
+              </a:rPr>
+              <a:t>[1];</a:t>
+            </a:r>
+            <a:r>
+              <a:rPr lang="en-US" sz="1400" dirty="0">
+                <a:solidFill>
+                  <a:schemeClr val="tx1"/>
+                </a:solidFill>
+                <a:latin typeface="Times New Roman" panose="02020603050405020304" pitchFamily="18" charset="0"/>
+                <a:cs typeface="Times New Roman" panose="02020603050405020304" pitchFamily="18" charset="0"/>
+              </a:rPr>
+              <a:t> 				</a:t>
+            </a:r>
+            <a:r>
+              <a:rPr lang="ru-RU" sz="1400" dirty="0" err="1">
+                <a:solidFill>
+                  <a:schemeClr val="tx1"/>
+                </a:solidFill>
+                <a:latin typeface="Times New Roman" panose="02020603050405020304" pitchFamily="18" charset="0"/>
+                <a:cs typeface="Times New Roman" panose="02020603050405020304" pitchFamily="18" charset="0"/>
+              </a:rPr>
+              <a:t>if</a:t>
+            </a:r>
+            <a:r>
+              <a:rPr lang="ru-RU" sz="1400" dirty="0">
+                <a:solidFill>
+                  <a:schemeClr val="tx1"/>
+                </a:solidFill>
+                <a:latin typeface="Times New Roman" panose="02020603050405020304" pitchFamily="18" charset="0"/>
+                <a:cs typeface="Times New Roman" panose="02020603050405020304" pitchFamily="18" charset="0"/>
+              </a:rPr>
+              <a:t> </a:t>
+            </a:r>
+            <a:r>
+              <a:rPr lang="ru-RU" sz="1400" dirty="0" err="1">
+                <a:solidFill>
+                  <a:schemeClr val="tx1"/>
+                </a:solidFill>
+                <a:latin typeface="Times New Roman" panose="02020603050405020304" pitchFamily="18" charset="0"/>
+                <a:cs typeface="Times New Roman" panose="02020603050405020304" pitchFamily="18" charset="0"/>
+              </a:rPr>
+              <a:t>arr</a:t>
+            </a:r>
+            <a:r>
+              <a:rPr lang="ru-RU" sz="1400" dirty="0">
+                <a:solidFill>
+                  <a:schemeClr val="tx1"/>
+                </a:solidFill>
+                <a:latin typeface="Times New Roman" panose="02020603050405020304" pitchFamily="18" charset="0"/>
+                <a:cs typeface="Times New Roman" panose="02020603050405020304" pitchFamily="18" charset="0"/>
+              </a:rPr>
+              <a:t>[1]=1 </a:t>
+            </a:r>
+            <a:r>
+              <a:rPr lang="ru-RU" sz="1400" dirty="0" err="1">
+                <a:solidFill>
+                  <a:schemeClr val="tx1"/>
+                </a:solidFill>
+                <a:latin typeface="Times New Roman" panose="02020603050405020304" pitchFamily="18" charset="0"/>
+                <a:cs typeface="Times New Roman" panose="02020603050405020304" pitchFamily="18" charset="0"/>
+              </a:rPr>
+              <a:t>then</a:t>
+            </a:r>
+            <a:r>
+              <a:rPr lang="ru-RU" sz="1400" dirty="0">
+                <a:solidFill>
+                  <a:schemeClr val="tx1"/>
+                </a:solidFill>
+                <a:latin typeface="Times New Roman" panose="02020603050405020304" pitchFamily="18" charset="0"/>
+                <a:cs typeface="Times New Roman" panose="02020603050405020304" pitchFamily="18" charset="0"/>
+              </a:rPr>
+              <a:t> </a:t>
+            </a:r>
+            <a:r>
+              <a:rPr lang="ru-RU" sz="1400" dirty="0" err="1">
+                <a:solidFill>
+                  <a:schemeClr val="tx1"/>
+                </a:solidFill>
+                <a:latin typeface="Times New Roman" panose="02020603050405020304" pitchFamily="18" charset="0"/>
+                <a:cs typeface="Times New Roman" panose="02020603050405020304" pitchFamily="18" charset="0"/>
+              </a:rPr>
+              <a:t>count</a:t>
+            </a:r>
+            <a:r>
+              <a:rPr lang="ru-RU" sz="1400" dirty="0">
+                <a:solidFill>
+                  <a:schemeClr val="tx1"/>
+                </a:solidFill>
+                <a:latin typeface="Times New Roman" panose="02020603050405020304" pitchFamily="18" charset="0"/>
+                <a:cs typeface="Times New Roman" panose="02020603050405020304" pitchFamily="18" charset="0"/>
+              </a:rPr>
+              <a:t>[1] := </a:t>
+            </a:r>
+            <a:r>
+              <a:rPr lang="ru-RU" sz="1400" dirty="0" err="1">
+                <a:solidFill>
+                  <a:schemeClr val="tx1"/>
+                </a:solidFill>
+                <a:latin typeface="Times New Roman" panose="02020603050405020304" pitchFamily="18" charset="0"/>
+                <a:cs typeface="Times New Roman" panose="02020603050405020304" pitchFamily="18" charset="0"/>
+              </a:rPr>
+              <a:t>count</a:t>
+            </a:r>
+            <a:r>
+              <a:rPr lang="ru-RU" sz="1400" dirty="0">
+                <a:solidFill>
+                  <a:schemeClr val="tx1"/>
+                </a:solidFill>
+                <a:latin typeface="Times New Roman" panose="02020603050405020304" pitchFamily="18" charset="0"/>
+                <a:cs typeface="Times New Roman" panose="02020603050405020304" pitchFamily="18" charset="0"/>
+              </a:rPr>
+              <a:t>[1] + 1;</a:t>
+            </a:r>
+          </a:p>
+          <a:p>
+            <a:r>
+              <a:rPr lang="ru-RU" sz="1400" dirty="0" err="1">
+                <a:solidFill>
+                  <a:schemeClr val="tx1"/>
+                </a:solidFill>
+                <a:latin typeface="Times New Roman" panose="02020603050405020304" pitchFamily="18" charset="0"/>
+                <a:cs typeface="Times New Roman" panose="02020603050405020304" pitchFamily="18" charset="0"/>
+              </a:rPr>
+              <a:t>if</a:t>
+            </a:r>
+            <a:r>
+              <a:rPr lang="ru-RU" sz="1400" dirty="0">
+                <a:solidFill>
+                  <a:schemeClr val="tx1"/>
+                </a:solidFill>
+                <a:latin typeface="Times New Roman" panose="02020603050405020304" pitchFamily="18" charset="0"/>
+                <a:cs typeface="Times New Roman" panose="02020603050405020304" pitchFamily="18" charset="0"/>
+              </a:rPr>
+              <a:t> (</a:t>
+            </a:r>
+            <a:r>
+              <a:rPr lang="ru-RU" sz="1400" dirty="0" err="1">
+                <a:solidFill>
+                  <a:schemeClr val="tx1"/>
+                </a:solidFill>
+                <a:latin typeface="Times New Roman" panose="02020603050405020304" pitchFamily="18" charset="0"/>
+                <a:cs typeface="Times New Roman" panose="02020603050405020304" pitchFamily="18" charset="0"/>
+              </a:rPr>
+              <a:t>arr</a:t>
+            </a:r>
+            <a:r>
+              <a:rPr lang="ru-RU" sz="1400" dirty="0">
+                <a:solidFill>
+                  <a:schemeClr val="tx1"/>
+                </a:solidFill>
+                <a:latin typeface="Times New Roman" panose="02020603050405020304" pitchFamily="18" charset="0"/>
+                <a:cs typeface="Times New Roman" panose="02020603050405020304" pitchFamily="18" charset="0"/>
+              </a:rPr>
+              <a:t>[2]==0) ++</a:t>
+            </a:r>
+            <a:r>
+              <a:rPr lang="ru-RU" sz="1400" dirty="0" err="1">
+                <a:solidFill>
+                  <a:schemeClr val="tx1"/>
+                </a:solidFill>
+                <a:latin typeface="Times New Roman" panose="02020603050405020304" pitchFamily="18" charset="0"/>
+                <a:cs typeface="Times New Roman" panose="02020603050405020304" pitchFamily="18" charset="0"/>
+              </a:rPr>
+              <a:t>count</a:t>
+            </a:r>
+            <a:r>
+              <a:rPr lang="ru-RU" sz="1400" dirty="0">
+                <a:solidFill>
+                  <a:schemeClr val="tx1"/>
+                </a:solidFill>
+                <a:latin typeface="Times New Roman" panose="02020603050405020304" pitchFamily="18" charset="0"/>
+                <a:cs typeface="Times New Roman" panose="02020603050405020304" pitchFamily="18" charset="0"/>
+              </a:rPr>
+              <a:t>[0];</a:t>
+            </a:r>
+            <a:r>
+              <a:rPr lang="en-US" sz="1400" dirty="0">
+                <a:solidFill>
+                  <a:schemeClr val="tx1"/>
+                </a:solidFill>
+                <a:latin typeface="Times New Roman" panose="02020603050405020304" pitchFamily="18" charset="0"/>
+                <a:cs typeface="Times New Roman" panose="02020603050405020304" pitchFamily="18" charset="0"/>
+              </a:rPr>
+              <a:t> 				</a:t>
+            </a:r>
+            <a:r>
+              <a:rPr lang="ru-RU" sz="1400" dirty="0" err="1">
+                <a:solidFill>
+                  <a:schemeClr val="tx1"/>
+                </a:solidFill>
+                <a:latin typeface="Times New Roman" panose="02020603050405020304" pitchFamily="18" charset="0"/>
+                <a:cs typeface="Times New Roman" panose="02020603050405020304" pitchFamily="18" charset="0"/>
+              </a:rPr>
+              <a:t>if</a:t>
+            </a:r>
+            <a:r>
+              <a:rPr lang="ru-RU" sz="1400" dirty="0">
+                <a:solidFill>
+                  <a:schemeClr val="tx1"/>
+                </a:solidFill>
+                <a:latin typeface="Times New Roman" panose="02020603050405020304" pitchFamily="18" charset="0"/>
+                <a:cs typeface="Times New Roman" panose="02020603050405020304" pitchFamily="18" charset="0"/>
+              </a:rPr>
+              <a:t> </a:t>
+            </a:r>
+            <a:r>
+              <a:rPr lang="ru-RU" sz="1400" dirty="0" err="1">
+                <a:solidFill>
+                  <a:schemeClr val="tx1"/>
+                </a:solidFill>
+                <a:latin typeface="Times New Roman" panose="02020603050405020304" pitchFamily="18" charset="0"/>
+                <a:cs typeface="Times New Roman" panose="02020603050405020304" pitchFamily="18" charset="0"/>
+              </a:rPr>
+              <a:t>arr</a:t>
+            </a:r>
+            <a:r>
+              <a:rPr lang="ru-RU" sz="1400" dirty="0">
+                <a:solidFill>
+                  <a:schemeClr val="tx1"/>
+                </a:solidFill>
+                <a:latin typeface="Times New Roman" panose="02020603050405020304" pitchFamily="18" charset="0"/>
+                <a:cs typeface="Times New Roman" panose="02020603050405020304" pitchFamily="18" charset="0"/>
+              </a:rPr>
+              <a:t>[2]=0 </a:t>
+            </a:r>
+            <a:r>
+              <a:rPr lang="ru-RU" sz="1400" dirty="0" err="1">
+                <a:solidFill>
+                  <a:schemeClr val="tx1"/>
+                </a:solidFill>
+                <a:latin typeface="Times New Roman" panose="02020603050405020304" pitchFamily="18" charset="0"/>
+                <a:cs typeface="Times New Roman" panose="02020603050405020304" pitchFamily="18" charset="0"/>
+              </a:rPr>
+              <a:t>then</a:t>
+            </a:r>
+            <a:r>
+              <a:rPr lang="ru-RU" sz="1400" dirty="0">
+                <a:solidFill>
+                  <a:schemeClr val="tx1"/>
+                </a:solidFill>
+                <a:latin typeface="Times New Roman" panose="02020603050405020304" pitchFamily="18" charset="0"/>
+                <a:cs typeface="Times New Roman" panose="02020603050405020304" pitchFamily="18" charset="0"/>
+              </a:rPr>
+              <a:t> </a:t>
+            </a:r>
+            <a:r>
+              <a:rPr lang="ru-RU" sz="1400" dirty="0" err="1">
+                <a:solidFill>
+                  <a:schemeClr val="tx1"/>
+                </a:solidFill>
+                <a:latin typeface="Times New Roman" panose="02020603050405020304" pitchFamily="18" charset="0"/>
+                <a:cs typeface="Times New Roman" panose="02020603050405020304" pitchFamily="18" charset="0"/>
+              </a:rPr>
+              <a:t>count</a:t>
+            </a:r>
+            <a:r>
+              <a:rPr lang="ru-RU" sz="1400" dirty="0">
+                <a:solidFill>
+                  <a:schemeClr val="tx1"/>
+                </a:solidFill>
+                <a:latin typeface="Times New Roman" panose="02020603050405020304" pitchFamily="18" charset="0"/>
+                <a:cs typeface="Times New Roman" panose="02020603050405020304" pitchFamily="18" charset="0"/>
+              </a:rPr>
+              <a:t>[0] := </a:t>
+            </a:r>
+            <a:r>
+              <a:rPr lang="ru-RU" sz="1400" dirty="0" err="1">
+                <a:solidFill>
+                  <a:schemeClr val="tx1"/>
+                </a:solidFill>
+                <a:latin typeface="Times New Roman" panose="02020603050405020304" pitchFamily="18" charset="0"/>
+                <a:cs typeface="Times New Roman" panose="02020603050405020304" pitchFamily="18" charset="0"/>
+              </a:rPr>
+              <a:t>count</a:t>
+            </a:r>
+            <a:r>
+              <a:rPr lang="ru-RU" sz="1400" dirty="0">
+                <a:solidFill>
+                  <a:schemeClr val="tx1"/>
+                </a:solidFill>
+                <a:latin typeface="Times New Roman" panose="02020603050405020304" pitchFamily="18" charset="0"/>
+                <a:cs typeface="Times New Roman" panose="02020603050405020304" pitchFamily="18" charset="0"/>
+              </a:rPr>
+              <a:t>[0] + 1;</a:t>
+            </a:r>
+          </a:p>
+          <a:p>
+            <a:r>
+              <a:rPr lang="ru-RU" sz="1400" dirty="0" err="1">
+                <a:solidFill>
+                  <a:schemeClr val="tx1"/>
+                </a:solidFill>
+                <a:latin typeface="Times New Roman" panose="02020603050405020304" pitchFamily="18" charset="0"/>
+                <a:cs typeface="Times New Roman" panose="02020603050405020304" pitchFamily="18" charset="0"/>
+              </a:rPr>
+              <a:t>if</a:t>
+            </a:r>
+            <a:r>
+              <a:rPr lang="ru-RU" sz="1400" dirty="0">
+                <a:solidFill>
+                  <a:schemeClr val="tx1"/>
+                </a:solidFill>
+                <a:latin typeface="Times New Roman" panose="02020603050405020304" pitchFamily="18" charset="0"/>
+                <a:cs typeface="Times New Roman" panose="02020603050405020304" pitchFamily="18" charset="0"/>
+              </a:rPr>
+              <a:t> (</a:t>
+            </a:r>
+            <a:r>
+              <a:rPr lang="ru-RU" sz="1400" dirty="0" err="1">
+                <a:solidFill>
+                  <a:schemeClr val="tx1"/>
+                </a:solidFill>
+                <a:latin typeface="Times New Roman" panose="02020603050405020304" pitchFamily="18" charset="0"/>
+                <a:cs typeface="Times New Roman" panose="02020603050405020304" pitchFamily="18" charset="0"/>
+              </a:rPr>
+              <a:t>arr</a:t>
+            </a:r>
+            <a:r>
+              <a:rPr lang="ru-RU" sz="1400" dirty="0">
+                <a:solidFill>
+                  <a:schemeClr val="tx1"/>
+                </a:solidFill>
+                <a:latin typeface="Times New Roman" panose="02020603050405020304" pitchFamily="18" charset="0"/>
+                <a:cs typeface="Times New Roman" panose="02020603050405020304" pitchFamily="18" charset="0"/>
+              </a:rPr>
+              <a:t>[2]==1) ++</a:t>
+            </a:r>
+            <a:r>
+              <a:rPr lang="ru-RU" sz="1400" dirty="0" err="1">
+                <a:solidFill>
+                  <a:schemeClr val="tx1"/>
+                </a:solidFill>
+                <a:latin typeface="Times New Roman" panose="02020603050405020304" pitchFamily="18" charset="0"/>
+                <a:cs typeface="Times New Roman" panose="02020603050405020304" pitchFamily="18" charset="0"/>
+              </a:rPr>
+              <a:t>count</a:t>
+            </a:r>
+            <a:r>
+              <a:rPr lang="ru-RU" sz="1400" dirty="0">
+                <a:solidFill>
+                  <a:schemeClr val="tx1"/>
+                </a:solidFill>
+                <a:latin typeface="Times New Roman" panose="02020603050405020304" pitchFamily="18" charset="0"/>
+                <a:cs typeface="Times New Roman" panose="02020603050405020304" pitchFamily="18" charset="0"/>
+              </a:rPr>
+              <a:t>[1];</a:t>
+            </a:r>
+            <a:r>
+              <a:rPr lang="en-US" sz="1400" dirty="0">
+                <a:solidFill>
+                  <a:schemeClr val="tx1"/>
+                </a:solidFill>
+                <a:latin typeface="Times New Roman" panose="02020603050405020304" pitchFamily="18" charset="0"/>
+                <a:cs typeface="Times New Roman" panose="02020603050405020304" pitchFamily="18" charset="0"/>
+              </a:rPr>
+              <a:t> 				</a:t>
+            </a:r>
+            <a:r>
+              <a:rPr lang="ru-RU" sz="1400" dirty="0" err="1">
+                <a:solidFill>
+                  <a:schemeClr val="tx1"/>
+                </a:solidFill>
+                <a:latin typeface="Times New Roman" panose="02020603050405020304" pitchFamily="18" charset="0"/>
+                <a:cs typeface="Times New Roman" panose="02020603050405020304" pitchFamily="18" charset="0"/>
+              </a:rPr>
+              <a:t>if</a:t>
+            </a:r>
+            <a:r>
+              <a:rPr lang="ru-RU" sz="1400" dirty="0">
+                <a:solidFill>
+                  <a:schemeClr val="tx1"/>
+                </a:solidFill>
+                <a:latin typeface="Times New Roman" panose="02020603050405020304" pitchFamily="18" charset="0"/>
+                <a:cs typeface="Times New Roman" panose="02020603050405020304" pitchFamily="18" charset="0"/>
+              </a:rPr>
+              <a:t> </a:t>
+            </a:r>
+            <a:r>
+              <a:rPr lang="ru-RU" sz="1400" dirty="0" err="1">
+                <a:solidFill>
+                  <a:schemeClr val="tx1"/>
+                </a:solidFill>
+                <a:latin typeface="Times New Roman" panose="02020603050405020304" pitchFamily="18" charset="0"/>
+                <a:cs typeface="Times New Roman" panose="02020603050405020304" pitchFamily="18" charset="0"/>
+              </a:rPr>
+              <a:t>arr</a:t>
+            </a:r>
+            <a:r>
+              <a:rPr lang="ru-RU" sz="1400" dirty="0">
+                <a:solidFill>
+                  <a:schemeClr val="tx1"/>
+                </a:solidFill>
+                <a:latin typeface="Times New Roman" panose="02020603050405020304" pitchFamily="18" charset="0"/>
+                <a:cs typeface="Times New Roman" panose="02020603050405020304" pitchFamily="18" charset="0"/>
+              </a:rPr>
+              <a:t>[2]=1 </a:t>
+            </a:r>
+            <a:r>
+              <a:rPr lang="ru-RU" sz="1400" dirty="0" err="1">
+                <a:solidFill>
+                  <a:schemeClr val="tx1"/>
+                </a:solidFill>
+                <a:latin typeface="Times New Roman" panose="02020603050405020304" pitchFamily="18" charset="0"/>
+                <a:cs typeface="Times New Roman" panose="02020603050405020304" pitchFamily="18" charset="0"/>
+              </a:rPr>
+              <a:t>then</a:t>
+            </a:r>
+            <a:r>
+              <a:rPr lang="ru-RU" sz="1400" dirty="0">
+                <a:solidFill>
+                  <a:schemeClr val="tx1"/>
+                </a:solidFill>
+                <a:latin typeface="Times New Roman" panose="02020603050405020304" pitchFamily="18" charset="0"/>
+                <a:cs typeface="Times New Roman" panose="02020603050405020304" pitchFamily="18" charset="0"/>
+              </a:rPr>
+              <a:t> </a:t>
+            </a:r>
+            <a:r>
+              <a:rPr lang="ru-RU" sz="1400" dirty="0" err="1">
+                <a:solidFill>
+                  <a:schemeClr val="tx1"/>
+                </a:solidFill>
+                <a:latin typeface="Times New Roman" panose="02020603050405020304" pitchFamily="18" charset="0"/>
+                <a:cs typeface="Times New Roman" panose="02020603050405020304" pitchFamily="18" charset="0"/>
+              </a:rPr>
+              <a:t>count</a:t>
+            </a:r>
+            <a:r>
+              <a:rPr lang="ru-RU" sz="1400" dirty="0">
+                <a:solidFill>
+                  <a:schemeClr val="tx1"/>
+                </a:solidFill>
+                <a:latin typeface="Times New Roman" panose="02020603050405020304" pitchFamily="18" charset="0"/>
+                <a:cs typeface="Times New Roman" panose="02020603050405020304" pitchFamily="18" charset="0"/>
+              </a:rPr>
+              <a:t>[1] := </a:t>
+            </a:r>
+            <a:r>
+              <a:rPr lang="ru-RU" sz="1400" dirty="0" err="1">
+                <a:solidFill>
+                  <a:schemeClr val="tx1"/>
+                </a:solidFill>
+                <a:latin typeface="Times New Roman" panose="02020603050405020304" pitchFamily="18" charset="0"/>
+                <a:cs typeface="Times New Roman" panose="02020603050405020304" pitchFamily="18" charset="0"/>
+              </a:rPr>
+              <a:t>count</a:t>
+            </a:r>
+            <a:r>
+              <a:rPr lang="ru-RU" sz="1400" dirty="0">
+                <a:solidFill>
+                  <a:schemeClr val="tx1"/>
+                </a:solidFill>
+                <a:latin typeface="Times New Roman" panose="02020603050405020304" pitchFamily="18" charset="0"/>
+                <a:cs typeface="Times New Roman" panose="02020603050405020304" pitchFamily="18" charset="0"/>
+              </a:rPr>
+              <a:t>[1] + 1;</a:t>
+            </a:r>
+          </a:p>
+          <a:p>
+            <a:r>
+              <a:rPr lang="ru-RU" sz="1400" dirty="0">
+                <a:solidFill>
+                  <a:schemeClr val="tx1"/>
+                </a:solidFill>
+                <a:latin typeface="Times New Roman" panose="02020603050405020304" pitchFamily="18" charset="0"/>
+                <a:cs typeface="Times New Roman" panose="02020603050405020304" pitchFamily="18" charset="0"/>
+              </a:rPr>
+              <a:t>Артемий Сидорович хочет оценить время, за которое </a:t>
+            </a:r>
+            <a:r>
+              <a:rPr lang="ru-RU" sz="1400" dirty="0" err="1">
+                <a:solidFill>
+                  <a:schemeClr val="tx1"/>
+                </a:solidFill>
+                <a:latin typeface="Times New Roman" panose="02020603050405020304" pitchFamily="18" charset="0"/>
+                <a:cs typeface="Times New Roman" panose="02020603050405020304" pitchFamily="18" charset="0"/>
+              </a:rPr>
+              <a:t>Петечкин</a:t>
+            </a:r>
+            <a:r>
+              <a:rPr lang="ru-RU" sz="1400" dirty="0">
+                <a:solidFill>
+                  <a:schemeClr val="tx1"/>
+                </a:solidFill>
+                <a:latin typeface="Times New Roman" panose="02020603050405020304" pitchFamily="18" charset="0"/>
+                <a:cs typeface="Times New Roman" panose="02020603050405020304" pitchFamily="18" charset="0"/>
+              </a:rPr>
+              <a:t> справится с заданием. Известно,</a:t>
+            </a:r>
+            <a:r>
+              <a:rPr lang="en-US" sz="1400" dirty="0">
+                <a:solidFill>
+                  <a:schemeClr val="tx1"/>
+                </a:solidFill>
+                <a:latin typeface="Times New Roman" panose="02020603050405020304" pitchFamily="18" charset="0"/>
+                <a:cs typeface="Times New Roman" panose="02020603050405020304" pitchFamily="18" charset="0"/>
+              </a:rPr>
+              <a:t> </a:t>
+            </a:r>
+            <a:r>
+              <a:rPr lang="ru-RU" sz="1400" dirty="0">
+                <a:solidFill>
+                  <a:schemeClr val="tx1"/>
+                </a:solidFill>
+                <a:latin typeface="Times New Roman" panose="02020603050405020304" pitchFamily="18" charset="0"/>
+                <a:cs typeface="Times New Roman" panose="02020603050405020304" pitchFamily="18" charset="0"/>
+              </a:rPr>
+              <a:t>что </a:t>
+            </a:r>
+            <a:r>
+              <a:rPr lang="ru-RU" sz="1400" dirty="0" err="1">
+                <a:solidFill>
+                  <a:schemeClr val="tx1"/>
+                </a:solidFill>
+                <a:latin typeface="Times New Roman" panose="02020603050405020304" pitchFamily="18" charset="0"/>
+                <a:cs typeface="Times New Roman" panose="02020603050405020304" pitchFamily="18" charset="0"/>
+              </a:rPr>
+              <a:t>Петечкин</a:t>
+            </a:r>
+            <a:r>
+              <a:rPr lang="ru-RU" sz="1400" dirty="0">
+                <a:solidFill>
+                  <a:schemeClr val="tx1"/>
+                </a:solidFill>
+                <a:latin typeface="Times New Roman" panose="02020603050405020304" pitchFamily="18" charset="0"/>
+                <a:cs typeface="Times New Roman" panose="02020603050405020304" pitchFamily="18" charset="0"/>
+              </a:rPr>
+              <a:t> пишет одну строчку кода за одну секунду (не правда ли, очень быстро?).</a:t>
+            </a:r>
+            <a:r>
+              <a:rPr lang="en-US" sz="1400" dirty="0">
+                <a:solidFill>
+                  <a:schemeClr val="tx1"/>
+                </a:solidFill>
+                <a:latin typeface="Times New Roman" panose="02020603050405020304" pitchFamily="18" charset="0"/>
+                <a:cs typeface="Times New Roman" panose="02020603050405020304" pitchFamily="18" charset="0"/>
+              </a:rPr>
+              <a:t> </a:t>
+            </a:r>
+            <a:r>
+              <a:rPr lang="ru-RU" sz="1400" dirty="0">
+                <a:solidFill>
+                  <a:schemeClr val="tx1"/>
+                </a:solidFill>
+                <a:latin typeface="Times New Roman" panose="02020603050405020304" pitchFamily="18" charset="0"/>
+                <a:cs typeface="Times New Roman" panose="02020603050405020304" pitchFamily="18" charset="0"/>
+              </a:rPr>
+              <a:t>Артемий Сидорович точно не знает, какими M и N можно ограничиться. Ваша цель —</a:t>
+            </a:r>
+            <a:r>
+              <a:rPr lang="en-US" sz="1400" dirty="0">
+                <a:solidFill>
+                  <a:schemeClr val="tx1"/>
+                </a:solidFill>
+                <a:latin typeface="Times New Roman" panose="02020603050405020304" pitchFamily="18" charset="0"/>
+                <a:cs typeface="Times New Roman" panose="02020603050405020304" pitchFamily="18" charset="0"/>
+              </a:rPr>
+              <a:t> </a:t>
+            </a:r>
+            <a:r>
+              <a:rPr lang="ru-RU" sz="1400" dirty="0">
+                <a:solidFill>
+                  <a:schemeClr val="tx1"/>
+                </a:solidFill>
+                <a:latin typeface="Times New Roman" panose="02020603050405020304" pitchFamily="18" charset="0"/>
+                <a:cs typeface="Times New Roman" panose="02020603050405020304" pitchFamily="18" charset="0"/>
+              </a:rPr>
+              <a:t>написать программу, которая подсчитает число секунд, которые потребуется </a:t>
+            </a:r>
+            <a:r>
+              <a:rPr lang="ru-RU" sz="1400" dirty="0" err="1">
+                <a:solidFill>
+                  <a:schemeClr val="tx1"/>
+                </a:solidFill>
+                <a:latin typeface="Times New Roman" panose="02020603050405020304" pitchFamily="18" charset="0"/>
+                <a:cs typeface="Times New Roman" panose="02020603050405020304" pitchFamily="18" charset="0"/>
+              </a:rPr>
+              <a:t>Петечкину</a:t>
+            </a:r>
+            <a:r>
+              <a:rPr lang="ru-RU" sz="1400" dirty="0">
+                <a:solidFill>
+                  <a:schemeClr val="tx1"/>
+                </a:solidFill>
+                <a:latin typeface="Times New Roman" panose="02020603050405020304" pitchFamily="18" charset="0"/>
+                <a:cs typeface="Times New Roman" panose="02020603050405020304" pitchFamily="18" charset="0"/>
+              </a:rPr>
+              <a:t> на написание кода.</a:t>
+            </a:r>
+            <a:r>
+              <a:rPr lang="en-US" sz="1400" dirty="0">
+                <a:solidFill>
+                  <a:schemeClr val="tx1"/>
+                </a:solidFill>
+                <a:latin typeface="Times New Roman" panose="02020603050405020304" pitchFamily="18" charset="0"/>
+                <a:cs typeface="Times New Roman" panose="02020603050405020304" pitchFamily="18" charset="0"/>
+              </a:rPr>
+              <a:t> </a:t>
+            </a:r>
+            <a:r>
+              <a:rPr lang="ru-RU" sz="1400" dirty="0">
+                <a:solidFill>
+                  <a:schemeClr val="tx1"/>
+                </a:solidFill>
+                <a:latin typeface="Times New Roman" panose="02020603050405020304" pitchFamily="18" charset="0"/>
+                <a:cs typeface="Times New Roman" panose="02020603050405020304" pitchFamily="18" charset="0"/>
+              </a:rPr>
+              <a:t>Исходные данные</a:t>
+            </a:r>
+          </a:p>
+          <a:p>
+            <a:r>
+              <a:rPr lang="ru-RU" sz="1400" dirty="0">
+                <a:solidFill>
+                  <a:schemeClr val="tx1"/>
+                </a:solidFill>
+                <a:latin typeface="Times New Roman" panose="02020603050405020304" pitchFamily="18" charset="0"/>
+                <a:cs typeface="Times New Roman" panose="02020603050405020304" pitchFamily="18" charset="0"/>
+              </a:rPr>
+              <a:t>Единственная строка содержит целые числа N (0 ≤ N ≤ 40000) и M (0 ≤ M ≤ 40000).</a:t>
+            </a:r>
+          </a:p>
+          <a:p>
+            <a:r>
+              <a:rPr lang="ru-RU" sz="1400" dirty="0">
+                <a:solidFill>
+                  <a:schemeClr val="tx1"/>
+                </a:solidFill>
+                <a:latin typeface="Times New Roman" panose="02020603050405020304" pitchFamily="18" charset="0"/>
+                <a:cs typeface="Times New Roman" panose="02020603050405020304" pitchFamily="18" charset="0"/>
+              </a:rPr>
+              <a:t>Результат</a:t>
+            </a:r>
+          </a:p>
+          <a:p>
+            <a:r>
+              <a:rPr lang="ru-RU" sz="1400" dirty="0">
+                <a:solidFill>
+                  <a:schemeClr val="tx1"/>
+                </a:solidFill>
+                <a:latin typeface="Times New Roman" panose="02020603050405020304" pitchFamily="18" charset="0"/>
+                <a:cs typeface="Times New Roman" panose="02020603050405020304" pitchFamily="18" charset="0"/>
+              </a:rPr>
+              <a:t>Выведите число секунд, требуемых </a:t>
+            </a:r>
+            <a:r>
+              <a:rPr lang="ru-RU" sz="1400" dirty="0" err="1">
+                <a:solidFill>
+                  <a:schemeClr val="tx1"/>
+                </a:solidFill>
+                <a:latin typeface="Times New Roman" panose="02020603050405020304" pitchFamily="18" charset="0"/>
+                <a:cs typeface="Times New Roman" panose="02020603050405020304" pitchFamily="18" charset="0"/>
+              </a:rPr>
+              <a:t>Петечкину</a:t>
+            </a:r>
+            <a:r>
+              <a:rPr lang="ru-RU" sz="1400" dirty="0">
+                <a:solidFill>
+                  <a:schemeClr val="tx1"/>
+                </a:solidFill>
+                <a:latin typeface="Times New Roman" panose="02020603050405020304" pitchFamily="18" charset="0"/>
+                <a:cs typeface="Times New Roman" panose="02020603050405020304" pitchFamily="18" charset="0"/>
+              </a:rPr>
+              <a:t> на написание функции.</a:t>
+            </a:r>
+            <a:endParaRPr lang="en-US" sz="1400" dirty="0">
+              <a:solidFill>
+                <a:schemeClr val="tx1"/>
+              </a:solidFill>
+              <a:latin typeface="Times New Roman" panose="02020603050405020304" pitchFamily="18" charset="0"/>
+              <a:cs typeface="Times New Roman" panose="02020603050405020304" pitchFamily="18" charset="0"/>
+            </a:endParaRPr>
+          </a:p>
+          <a:p>
+            <a:r>
+              <a:rPr lang="ru-RU" sz="1400" dirty="0">
+                <a:solidFill>
+                  <a:schemeClr val="tx1"/>
+                </a:solidFill>
+                <a:latin typeface="Times New Roman" panose="02020603050405020304" pitchFamily="18" charset="0"/>
+                <a:cs typeface="Times New Roman" panose="02020603050405020304" pitchFamily="18" charset="0"/>
+              </a:rPr>
+              <a:t>Исходный код: </a:t>
+            </a:r>
+            <a:r>
+              <a:rPr lang="en-US" sz="1400" dirty="0">
+                <a:solidFill>
+                  <a:schemeClr val="tx1"/>
+                </a:solidFill>
+                <a:latin typeface="Times New Roman" panose="02020603050405020304" pitchFamily="18" charset="0"/>
+                <a:cs typeface="Times New Roman" panose="02020603050405020304" pitchFamily="18" charset="0"/>
+              </a:rPr>
+              <a:t>https://github.com/Vladnwx/Learn2023-2024/blob/master/src/timus/task_1264/Main.java</a:t>
             </a:r>
             <a:endParaRPr lang="ru-RU" sz="1400" dirty="0">
               <a:solidFill>
@@ -3883,21 +5393,12 @@
               <a:cs typeface="Times New Roman" panose="02020603050405020304" pitchFamily="18" charset="0"/>
             </a:endParaRPr>
           </a:p>
-          <a:p>
-            <a:endParaRPr lang="ru-RU" sz="1400" dirty="0">
-              <a:solidFill>
-                <a:schemeClr val="tx1"/>
-              </a:solidFill>
-              <a:latin typeface="Times New Roman" panose="02020603050405020304" pitchFamily="18" charset="0"/>
-              <a:cs typeface="Times New Roman" panose="02020603050405020304" pitchFamily="18" charset="0"/>
-            </a:endParaRPr>
-          </a:p>
         </p:txBody>
       </p:sp>
     </p:spTree>
     <p:extLst>
       <p:ext uri="{BB962C8B-B14F-4D97-AF65-F5344CB8AC3E}">
-        <p14:creationId xmlns:p14="http://schemas.microsoft.com/office/powerpoint/2010/main" val="924531143"/>
+        <p14:creationId xmlns:p14="http://schemas.microsoft.com/office/powerpoint/2010/main" val="3437130895"/>
       </p:ext>
     </p:extLst>
   </p:cSld>
@@ -3958,8 +5459,33 @@
                 <a:latin typeface="Times New Roman" panose="02020603050405020304" pitchFamily="18" charset="0"/>
                 <a:cs typeface="Times New Roman" panose="02020603050405020304" pitchFamily="18" charset="0"/>
               </a:rPr>
-              <a:t>Задача №9</a:t>
-            </a:r>
+              <a:t>Задача №6.</a:t>
+            </a:r>
+            <a:r>
+              <a:rPr lang="en-US" sz="1400" dirty="0">
+                <a:latin typeface="Times New Roman" panose="02020603050405020304" pitchFamily="18" charset="0"/>
+                <a:cs typeface="Times New Roman" panose="02020603050405020304" pitchFamily="18" charset="0"/>
+              </a:rPr>
+              <a:t>2</a:t>
+            </a:r>
+            <a:r>
+              <a:rPr lang="ru-RU" sz="1400" dirty="0">
+                <a:latin typeface="Times New Roman" panose="02020603050405020304" pitchFamily="18" charset="0"/>
+                <a:cs typeface="Times New Roman" panose="02020603050405020304" pitchFamily="18" charset="0"/>
+              </a:rPr>
+              <a:t> задача с </a:t>
+            </a:r>
+            <a:r>
+              <a:rPr lang="en-US" sz="1400" dirty="0">
+                <a:latin typeface="Times New Roman" panose="02020603050405020304" pitchFamily="18" charset="0"/>
+                <a:cs typeface="Times New Roman" panose="02020603050405020304" pitchFamily="18" charset="0"/>
+              </a:rPr>
+              <a:t>timus //https://acm.timus.ru/problem.aspx?space=1&amp;num=1409</a:t>
+            </a:r>
+            <a:endParaRPr lang="ru-RU" sz="1400" dirty="0">
+              <a:latin typeface="Times New Roman" panose="02020603050405020304" pitchFamily="18" charset="0"/>
+              <a:cs typeface="Times New Roman" panose="02020603050405020304" pitchFamily="18" charset="0"/>
+            </a:endParaRPr>
           </a:p>
         </p:txBody>
       </p:sp>
@@ -3982,7 +5508,7 @@
         <p:spPr>
           <a:xfrm>
             <a:off x="831850" y="629175"/>
-            <a:ext cx="10515600" cy="864065"/>
+            <a:ext cx="10515600" cy="6052656"/>
           </a:xfrm>
         </p:spPr>
         <p:txBody>
@@ -3999,37 +5525,144 @@
                 <a:latin typeface="Times New Roman" panose="02020603050405020304" pitchFamily="18" charset="0"/>
                 <a:cs typeface="Times New Roman" panose="02020603050405020304" pitchFamily="18" charset="0"/>
               </a:rPr>
-              <a:t>Исходный код решения: </a:t>
-            </a:r>
-            <a:r>
-              <a:rPr lang="en-US" sz="1400" dirty="0">
-                <a:solidFill>
-                  <a:schemeClr val="tx1"/>
-                </a:solidFill>
-                <a:latin typeface="Times New Roman" panose="02020603050405020304" pitchFamily="18" charset="0"/>
-                <a:cs typeface="Times New Roman" panose="02020603050405020304" pitchFamily="18" charset="0"/>
-              </a:rPr>
-              <a:t>https://github.com/Vladnwx/Learn2023-2024/blob/master/src/lr1/Example</a:t>
-            </a:r>
-            <a:r>
-              <a:rPr lang="ru-RU" sz="1400" dirty="0">
-                <a:solidFill>
-                  <a:schemeClr val="tx1"/>
-                </a:solidFill>
-                <a:latin typeface="Times New Roman" panose="02020603050405020304" pitchFamily="18" charset="0"/>
-                <a:cs typeface="Times New Roman" panose="02020603050405020304" pitchFamily="18" charset="0"/>
-              </a:rPr>
-              <a:t>9</a:t>
-            </a:r>
-            <a:r>
-              <a:rPr lang="en-US" sz="1400" dirty="0">
-                <a:solidFill>
-                  <a:schemeClr val="tx1"/>
-                </a:solidFill>
-                <a:latin typeface="Times New Roman" panose="02020603050405020304" pitchFamily="18" charset="0"/>
-                <a:cs typeface="Times New Roman" panose="02020603050405020304" pitchFamily="18" charset="0"/>
-              </a:rPr>
-              <a:t>.java</a:t>
+              <a:t>1409. Два бандита</a:t>
+            </a:r>
+          </a:p>
+          <a:p>
+            <a:r>
+              <a:rPr lang="ru-RU" sz="1400" dirty="0">
+                <a:solidFill>
+                  <a:schemeClr val="tx1"/>
+                </a:solidFill>
+                <a:latin typeface="Times New Roman" panose="02020603050405020304" pitchFamily="18" charset="0"/>
+                <a:cs typeface="Times New Roman" panose="02020603050405020304" pitchFamily="18" charset="0"/>
+              </a:rPr>
+              <a:t>Ограничение времени: 1.0 секунды</a:t>
+            </a:r>
+          </a:p>
+          <a:p>
+            <a:r>
+              <a:rPr lang="ru-RU" sz="1400" dirty="0">
+                <a:solidFill>
+                  <a:schemeClr val="tx1"/>
+                </a:solidFill>
+                <a:latin typeface="Times New Roman" panose="02020603050405020304" pitchFamily="18" charset="0"/>
+                <a:cs typeface="Times New Roman" panose="02020603050405020304" pitchFamily="18" charset="0"/>
+              </a:rPr>
+              <a:t>Ограничение памяти: 64 МБ</a:t>
+            </a:r>
+          </a:p>
+          <a:p>
+            <a:r>
+              <a:rPr lang="ru-RU" sz="1400" dirty="0">
+                <a:solidFill>
+                  <a:schemeClr val="tx1"/>
+                </a:solidFill>
+                <a:latin typeface="Times New Roman" panose="02020603050405020304" pitchFamily="18" charset="0"/>
+                <a:cs typeface="Times New Roman" panose="02020603050405020304" pitchFamily="18" charset="0"/>
+              </a:rPr>
+              <a:t>Бандиты Гарри и Ларри отдыхали на природе. Решив пострелять, они выставили на бревно несколько банок из-под пива (не больше 10). Гарри начал простреливать банки по порядку, начиная с самой левой, Ларри — с самой правой. В какой-то момент получилось так, что они одновременно прострелили одну и ту же последнюю банку.</a:t>
+            </a:r>
+          </a:p>
+          <a:p>
+            <a:r>
+              <a:rPr lang="ru-RU" sz="1400" dirty="0">
+                <a:solidFill>
+                  <a:schemeClr val="tx1"/>
+                </a:solidFill>
+                <a:latin typeface="Times New Roman" panose="02020603050405020304" pitchFamily="18" charset="0"/>
+                <a:cs typeface="Times New Roman" panose="02020603050405020304" pitchFamily="18" charset="0"/>
+              </a:rPr>
+              <a:t>Гарри возмутился и сказал, что Ларри должен ему кучу денег за то, что тот лишил его удовольствия прострелить несколько банок. В ответ Ларри сказал, что Гарри должен ему еще больше денег по тем же причинам. Они стали спорить кто кому сколько должен, но никто из них не помнил сколько банок было в начале, а искать простреленные банки по всей округе было неохота. Каждый из них помнил только, сколько банок прострелил он сам.</a:t>
+            </a:r>
+          </a:p>
+          <a:p>
+            <a:r>
+              <a:rPr lang="ru-RU" sz="1400" dirty="0">
+                <a:solidFill>
+                  <a:schemeClr val="tx1"/>
+                </a:solidFill>
+                <a:latin typeface="Times New Roman" panose="02020603050405020304" pitchFamily="18" charset="0"/>
+                <a:cs typeface="Times New Roman" panose="02020603050405020304" pitchFamily="18" charset="0"/>
+              </a:rPr>
+              <a:t>Определите по этим данным, сколько банок не прострелил Гарри и сколько банок не прострелил Ларри.</a:t>
+            </a:r>
+          </a:p>
+          <a:p>
+            <a:r>
+              <a:rPr lang="ru-RU" sz="1400" dirty="0">
+                <a:solidFill>
+                  <a:schemeClr val="tx1"/>
+                </a:solidFill>
+                <a:latin typeface="Times New Roman" panose="02020603050405020304" pitchFamily="18" charset="0"/>
+                <a:cs typeface="Times New Roman" panose="02020603050405020304" pitchFamily="18" charset="0"/>
+              </a:rPr>
+              <a:t>Исходные данные</a:t>
+            </a:r>
+          </a:p>
+          <a:p>
+            <a:r>
+              <a:rPr lang="ru-RU" sz="1400" dirty="0">
+                <a:solidFill>
+                  <a:schemeClr val="tx1"/>
+                </a:solidFill>
+                <a:latin typeface="Times New Roman" panose="02020603050405020304" pitchFamily="18" charset="0"/>
+                <a:cs typeface="Times New Roman" panose="02020603050405020304" pitchFamily="18" charset="0"/>
+              </a:rPr>
+              <a:t>В единственной строке записано 2 числа — количество банок, простреленных Гарри и Ларри соответственно.</a:t>
+            </a:r>
+          </a:p>
+          <a:p>
+            <a:r>
+              <a:rPr lang="ru-RU" sz="1400" dirty="0">
+                <a:solidFill>
+                  <a:schemeClr val="tx1"/>
+                </a:solidFill>
+                <a:latin typeface="Times New Roman" panose="02020603050405020304" pitchFamily="18" charset="0"/>
+                <a:cs typeface="Times New Roman" panose="02020603050405020304" pitchFamily="18" charset="0"/>
+              </a:rPr>
+              <a:t>Результат</a:t>
+            </a:r>
+          </a:p>
+          <a:p>
+            <a:r>
+              <a:rPr lang="ru-RU" sz="1400" dirty="0">
+                <a:solidFill>
+                  <a:schemeClr val="tx1"/>
+                </a:solidFill>
+                <a:latin typeface="Times New Roman" panose="02020603050405020304" pitchFamily="18" charset="0"/>
+                <a:cs typeface="Times New Roman" panose="02020603050405020304" pitchFamily="18" charset="0"/>
+              </a:rPr>
+              <a:t>Выведите 2 числа — количество банок, не простреленных Гарри и Ларри соответственно.</a:t>
+            </a:r>
+            <a:endParaRPr lang="en-US" sz="1400" dirty="0">
+              <a:solidFill>
+                <a:schemeClr val="tx1"/>
+              </a:solidFill>
+              <a:latin typeface="Times New Roman" panose="02020603050405020304" pitchFamily="18" charset="0"/>
+              <a:cs typeface="Times New Roman" panose="02020603050405020304" pitchFamily="18" charset="0"/>
+            </a:endParaRPr>
+          </a:p>
+          <a:p>
+            <a:r>
+              <a:rPr lang="ru-RU" sz="1400" dirty="0">
+                <a:solidFill>
+                  <a:schemeClr val="tx1"/>
+                </a:solidFill>
+                <a:latin typeface="Times New Roman" panose="02020603050405020304" pitchFamily="18" charset="0"/>
+                <a:cs typeface="Times New Roman" panose="02020603050405020304" pitchFamily="18" charset="0"/>
+              </a:rPr>
+              <a:t>Исходный код: </a:t>
+            </a:r>
+            <a:r>
+              <a:rPr lang="en-US" sz="1400">
+                <a:solidFill>
+                  <a:schemeClr val="tx1"/>
+                </a:solidFill>
+                <a:latin typeface="Times New Roman" panose="02020603050405020304" pitchFamily="18" charset="0"/>
+                <a:cs typeface="Times New Roman" panose="02020603050405020304" pitchFamily="18" charset="0"/>
+              </a:rPr>
+              <a:t>https://github.com/Vladnwx/Learn2023-2024/blob/master/src/timus/task_1409/Main.java</a:t>
             </a:r>
             <a:endParaRPr lang="ru-RU" sz="1400" dirty="0">
               <a:solidFill>
@@ -4039,21 +5672,12 @@
               <a:cs typeface="Times New Roman" panose="02020603050405020304" pitchFamily="18" charset="0"/>
             </a:endParaRPr>
           </a:p>
-          <a:p>
-            <a:endParaRPr lang="ru-RU" sz="1400" dirty="0">
-              <a:solidFill>
-                <a:schemeClr val="tx1"/>
-              </a:solidFill>
-              <a:latin typeface="Times New Roman" panose="02020603050405020304" pitchFamily="18" charset="0"/>
-              <a:cs typeface="Times New Roman" panose="02020603050405020304" pitchFamily="18" charset="0"/>
-            </a:endParaRPr>
-          </a:p>
         </p:txBody>
       </p:sp>
     </p:spTree>
     <p:extLst>
       <p:ext uri="{BB962C8B-B14F-4D97-AF65-F5344CB8AC3E}">
-        <p14:creationId xmlns:p14="http://schemas.microsoft.com/office/powerpoint/2010/main" val="2136339755"/>
+        <p14:creationId xmlns:p14="http://schemas.microsoft.com/office/powerpoint/2010/main" val="4180831588"/>
       </p:ext>
     </p:extLst>
   </p:cSld>
@@ -4099,7 +5723,56 @@
         <p:spPr>
           <a:xfrm>
             <a:off x="838200" y="176169"/>
-            <a:ext cx="10515600" cy="334424"/>
+            <a:ext cx="10515600" cy="453006"/>
+          </a:xfrm>
+        </p:spPr>
+        <p:txBody>
+          <a:bodyPr>
+            <a:normAutofit fontScale="90000"/>
+          </a:bodyPr>
+          <a:lstStyle/>
+          <a:p>
+            <a:pPr algn="ctr"/>
+            <a:r>
+              <a:rPr lang="ru-RU" sz="1400" dirty="0">
+                <a:latin typeface="Times New Roman" panose="02020603050405020304" pitchFamily="18" charset="0"/>
+                <a:cs typeface="Times New Roman" panose="02020603050405020304" pitchFamily="18" charset="0"/>
+              </a:rPr>
+              <a:t>Вывод</a:t>
+            </a:r>
+            <a:br>
+              <a:rPr lang="ru-RU" sz="1400" dirty="0">
+                <a:latin typeface="Times New Roman" panose="02020603050405020304" pitchFamily="18" charset="0"/>
+                <a:cs typeface="Times New Roman" panose="02020603050405020304" pitchFamily="18" charset="0"/>
+              </a:rPr>
+            </a:br>
+            <a:endParaRPr lang="ru-RU" sz="1400" dirty="0">
+              <a:latin typeface="Times New Roman" panose="02020603050405020304" pitchFamily="18" charset="0"/>
+              <a:cs typeface="Times New Roman" panose="02020603050405020304" pitchFamily="18" charset="0"/>
+            </a:endParaRPr>
+          </a:p>
+        </p:txBody>
+      </p:sp>
+      <p:sp>
+        <p:nvSpPr>
+          <p:cNvPr id="6" name="Текст 5">
+            <a:extLst>
+              <a:ext uri="{FF2B5EF4-FFF2-40B4-BE49-F238E27FC236}">
+                <a16:creationId xmlns:a16="http://schemas.microsoft.com/office/drawing/2014/main" id="{953110B1-F3D3-4947-BD62-AC851BB52DDC}"/>
+              </a:ext>
+            </a:extLst>
+          </p:cNvPr>
+          <p:cNvSpPr>
+            <a:spLocks noGrp="1"/>
+          </p:cNvSpPr>
+          <p:nvPr>
+            <p:ph type="body" idx="1"/>
+          </p:nvPr>
+        </p:nvSpPr>
+        <p:spPr>
+          <a:xfrm>
+            <a:off x="838200" y="780861"/>
+            <a:ext cx="10515600" cy="1500187"/>
           </a:xfrm>
         </p:spPr>
         <p:txBody>
@@ -4108,54 +5781,15 @@
           </a:bodyPr>
           <a:lstStyle/>
           <a:p>
-            <a:pPr algn="ctr"/>
-            <a:r>
-              <a:rPr lang="ru-RU" sz="1400" dirty="0">
-                <a:latin typeface="Times New Roman" panose="02020603050405020304" pitchFamily="18" charset="0"/>
-                <a:cs typeface="Times New Roman" panose="02020603050405020304" pitchFamily="18" charset="0"/>
-              </a:rPr>
-              <a:t>Задача №10</a:t>
-            </a:r>
-          </a:p>
-        </p:txBody>
-      </p:sp>
-      <p:sp>
-        <p:nvSpPr>
-          <p:cNvPr id="3" name="Текст 2">
-            <a:extLst>
-              <a:ext uri="{FF2B5EF4-FFF2-40B4-BE49-F238E27FC236}">
-                <a16:creationId xmlns:a16="http://schemas.microsoft.com/office/drawing/2014/main" id="{7A2822FC-0537-44BF-973E-18E9089D51A2}"/>
-              </a:ext>
-            </a:extLst>
-          </p:cNvPr>
-          <p:cNvSpPr>
-            <a:spLocks noGrp="1"/>
-          </p:cNvSpPr>
-          <p:nvPr>
-            <p:ph type="body" idx="1"/>
-          </p:nvPr>
-        </p:nvSpPr>
-        <p:spPr>
-          <a:xfrm>
-            <a:off x="831850" y="629175"/>
-            <a:ext cx="10515600" cy="864065"/>
-          </a:xfrm>
-        </p:spPr>
-        <p:txBody>
-          <a:bodyPr>
-            <a:normAutofit/>
-          </a:bodyPr>
-          <a:lstStyle/>
-          <a:p>
-            <a:r>
-              <a:rPr lang="ru-RU" sz="1400" dirty="0">
-                <a:solidFill>
-                  <a:schemeClr val="tx1"/>
-                </a:solidFill>
-                <a:latin typeface="Times New Roman" panose="02020603050405020304" pitchFamily="18" charset="0"/>
-                <a:cs typeface="Times New Roman" panose="02020603050405020304" pitchFamily="18" charset="0"/>
-              </a:rPr>
-              <a:t>Исходный код решения: </a:t>
+            <a:r>
+              <a:rPr lang="ru-RU" sz="1400" dirty="0">
+                <a:solidFill>
+                  <a:schemeClr val="tx1"/>
+                </a:solidFill>
+                <a:latin typeface="Times New Roman" panose="02020603050405020304" pitchFamily="18" charset="0"/>
+                <a:cs typeface="Times New Roman" panose="02020603050405020304" pitchFamily="18" charset="0"/>
+              </a:rPr>
+              <a:t>Использование библиотеки </a:t>
             </a:r>
             <a:r>
               <a:rPr lang="en-US" sz="1400" dirty="0">
@@ -4165,17 +5799,27 @@
                 <a:latin typeface="Times New Roman" panose="02020603050405020304" pitchFamily="18" charset="0"/>
                 <a:cs typeface="Times New Roman" panose="02020603050405020304" pitchFamily="18" charset="0"/>
               </a:rPr>
-              <a:t>https://github.com/Vladnwx/Learn2023-2024/blob/master/src/lr1/Example</a:t>
-            </a:r>
-            <a:r>
-              <a:rPr lang="ru-RU" sz="1400" dirty="0">
-                <a:solidFill>
-                  <a:schemeClr val="tx1"/>
-                </a:solidFill>
-                <a:latin typeface="Times New Roman" panose="02020603050405020304" pitchFamily="18" charset="0"/>
-                <a:cs typeface="Times New Roman" panose="02020603050405020304" pitchFamily="18" charset="0"/>
-              </a:rPr>
-              <a:t>10</a:t>
+              <a:t>Scanner </a:t>
+            </a:r>
+            <a:r>
+              <a:rPr lang="ru-RU" sz="1400" dirty="0">
+                <a:solidFill>
+                  <a:schemeClr val="tx1"/>
+                </a:solidFill>
+                <a:latin typeface="Times New Roman" panose="02020603050405020304" pitchFamily="18" charset="0"/>
+                <a:cs typeface="Times New Roman" panose="02020603050405020304" pitchFamily="18" charset="0"/>
+              </a:rPr>
+              <a:t>и </a:t>
+            </a:r>
+            <a:r>
+              <a:rPr lang="en-US" sz="1400" dirty="0" err="1">
+                <a:solidFill>
+                  <a:schemeClr val="tx1"/>
+                </a:solidFill>
+                <a:latin typeface="Times New Roman" panose="02020603050405020304" pitchFamily="18" charset="0"/>
+                <a:cs typeface="Times New Roman" panose="02020603050405020304" pitchFamily="18" charset="0"/>
+              </a:rPr>
+              <a:t>bufferreader</a:t>
             </a:r>
             <a:r>
               <a:rPr lang="en-US" sz="1400" dirty="0">
@@ -4185,956 +5829,25 @@
                 <a:latin typeface="Times New Roman" panose="02020603050405020304" pitchFamily="18" charset="0"/>
                 <a:cs typeface="Times New Roman" panose="02020603050405020304" pitchFamily="18" charset="0"/>
               </a:rPr>
-              <a:t>.java</a:t>
-            </a:r>
-            <a:endParaRPr lang="ru-RU" sz="1400" dirty="0">
-              <a:solidFill>
-                <a:schemeClr val="tx1"/>
-              </a:solidFill>
-              <a:latin typeface="Times New Roman" panose="02020603050405020304" pitchFamily="18" charset="0"/>
-              <a:cs typeface="Times New Roman" panose="02020603050405020304" pitchFamily="18" charset="0"/>
-            </a:endParaRPr>
-          </a:p>
-          <a:p>
-            <a:endParaRPr lang="ru-RU" sz="1400" dirty="0">
-              <a:solidFill>
-                <a:schemeClr val="tx1"/>
-              </a:solidFill>
-              <a:latin typeface="Times New Roman" panose="02020603050405020304" pitchFamily="18" charset="0"/>
-              <a:cs typeface="Times New Roman" panose="02020603050405020304" pitchFamily="18" charset="0"/>
-            </a:endParaRPr>
+              <a:t> </a:t>
+            </a:r>
+            <a:r>
+              <a:rPr lang="ru-RU" sz="1400" dirty="0">
+                <a:solidFill>
+                  <a:schemeClr val="tx1"/>
+                </a:solidFill>
+                <a:latin typeface="Times New Roman" panose="02020603050405020304" pitchFamily="18" charset="0"/>
+                <a:cs typeface="Times New Roman" panose="02020603050405020304" pitchFamily="18" charset="0"/>
+              </a:rPr>
+              <a:t>упрощает работу программисту и освобождает от написания велосипедов</a:t>
+            </a:r>
           </a:p>
         </p:txBody>
       </p:sp>
     </p:spTree>
     <p:extLst>
       <p:ext uri="{BB962C8B-B14F-4D97-AF65-F5344CB8AC3E}">
-        <p14:creationId xmlns:p14="http://schemas.microsoft.com/office/powerpoint/2010/main" val="3196845005"/>
-      </p:ext>
-    </p:extLst>
-  </p:cSld>
-  <p:clrMapOvr>
-    <a:masterClrMapping/>
-  </p:clrMapOvr>
-</p:sld>
-</file>
-
-<file path=ppt/slides/slide14.xml><?xml version="1.0" encoding="utf-8"?>
-<p:sld xmlns:a="http://schemas.openxmlformats.org/drawingml/2006/main" xmlns:r="http://schemas.openxmlformats.org/officeDocument/2006/relationships" xmlns:p="http://schemas.openxmlformats.org/presentationml/2006/main">
-  <p:cSld>
-    <p:spTree>
-      <p:nvGrpSpPr>
-        <p:cNvPr id="1" name=""/>
-        <p:cNvGrpSpPr/>
-        <p:nvPr/>
-      </p:nvGrpSpPr>
-      <p:grpSpPr>
-        <a:xfrm>
-          <a:off x="0" y="0"/>
-          <a:ext cx="0" cy="0"/>
-          <a:chOff x="0" y="0"/>
-          <a:chExt cx="0" cy="0"/>
-        </a:xfrm>
-      </p:grpSpPr>
-      <p:sp>
-        <p:nvSpPr>
-          <p:cNvPr id="2" name="Заголовок 1">
-            <a:extLst>
-              <a:ext uri="{FF2B5EF4-FFF2-40B4-BE49-F238E27FC236}">
-                <a16:creationId xmlns:a16="http://schemas.microsoft.com/office/drawing/2014/main" id="{858A5C1F-E5B2-4EC1-9A3C-AAE441DF4D96}"/>
-              </a:ext>
-            </a:extLst>
-          </p:cNvPr>
-          <p:cNvSpPr>
-            <a:spLocks noGrp="1"/>
-          </p:cNvSpPr>
-          <p:nvPr>
-            <p:ph type="title"/>
-          </p:nvPr>
-        </p:nvSpPr>
-        <p:spPr>
-          <a:xfrm>
-            <a:off x="838200" y="176169"/>
-            <a:ext cx="10515600" cy="334424"/>
-          </a:xfrm>
-        </p:spPr>
-        <p:txBody>
-          <a:bodyPr>
-            <a:normAutofit/>
-          </a:bodyPr>
-          <a:lstStyle/>
-          <a:p>
-            <a:pPr algn="ctr"/>
-            <a:r>
-              <a:rPr lang="ru-RU" sz="1400" dirty="0">
-                <a:latin typeface="Times New Roman" panose="02020603050405020304" pitchFamily="18" charset="0"/>
-                <a:cs typeface="Times New Roman" panose="02020603050405020304" pitchFamily="18" charset="0"/>
-              </a:rPr>
-              <a:t>Задача №11</a:t>
-            </a:r>
-          </a:p>
-        </p:txBody>
-      </p:sp>
-      <p:sp>
-        <p:nvSpPr>
-          <p:cNvPr id="3" name="Текст 2">
-            <a:extLst>
-              <a:ext uri="{FF2B5EF4-FFF2-40B4-BE49-F238E27FC236}">
-                <a16:creationId xmlns:a16="http://schemas.microsoft.com/office/drawing/2014/main" id="{7A2822FC-0537-44BF-973E-18E9089D51A2}"/>
-              </a:ext>
-            </a:extLst>
-          </p:cNvPr>
-          <p:cNvSpPr>
-            <a:spLocks noGrp="1"/>
-          </p:cNvSpPr>
-          <p:nvPr>
-            <p:ph type="body" idx="1"/>
-          </p:nvPr>
-        </p:nvSpPr>
-        <p:spPr>
-          <a:xfrm>
-            <a:off x="831850" y="629175"/>
-            <a:ext cx="10515600" cy="864065"/>
-          </a:xfrm>
-        </p:spPr>
-        <p:txBody>
-          <a:bodyPr>
-            <a:normAutofit/>
-          </a:bodyPr>
-          <a:lstStyle/>
-          <a:p>
-            <a:r>
-              <a:rPr lang="ru-RU" sz="1400" dirty="0">
-                <a:solidFill>
-                  <a:schemeClr val="tx1"/>
-                </a:solidFill>
-                <a:latin typeface="Times New Roman" panose="02020603050405020304" pitchFamily="18" charset="0"/>
-                <a:cs typeface="Times New Roman" panose="02020603050405020304" pitchFamily="18" charset="0"/>
-              </a:rPr>
-              <a:t>Исходный код решения: </a:t>
-            </a:r>
-            <a:r>
-              <a:rPr lang="en-US" sz="1400" dirty="0">
-                <a:solidFill>
-                  <a:schemeClr val="tx1"/>
-                </a:solidFill>
-                <a:latin typeface="Times New Roman" panose="02020603050405020304" pitchFamily="18" charset="0"/>
-                <a:cs typeface="Times New Roman" panose="02020603050405020304" pitchFamily="18" charset="0"/>
-              </a:rPr>
-              <a:t>https://github.com/Vladnwx/Learn2023-2024/blob/master/src/lr1/Example</a:t>
-            </a:r>
-            <a:r>
-              <a:rPr lang="ru-RU" sz="1400" dirty="0">
-                <a:solidFill>
-                  <a:schemeClr val="tx1"/>
-                </a:solidFill>
-                <a:latin typeface="Times New Roman" panose="02020603050405020304" pitchFamily="18" charset="0"/>
-                <a:cs typeface="Times New Roman" panose="02020603050405020304" pitchFamily="18" charset="0"/>
-              </a:rPr>
-              <a:t>11</a:t>
-            </a:r>
-            <a:r>
-              <a:rPr lang="en-US" sz="1400" dirty="0">
-                <a:solidFill>
-                  <a:schemeClr val="tx1"/>
-                </a:solidFill>
-                <a:latin typeface="Times New Roman" panose="02020603050405020304" pitchFamily="18" charset="0"/>
-                <a:cs typeface="Times New Roman" panose="02020603050405020304" pitchFamily="18" charset="0"/>
-              </a:rPr>
-              <a:t>.java</a:t>
-            </a:r>
-            <a:endParaRPr lang="ru-RU" sz="1400" dirty="0">
-              <a:solidFill>
-                <a:schemeClr val="tx1"/>
-              </a:solidFill>
-              <a:latin typeface="Times New Roman" panose="02020603050405020304" pitchFamily="18" charset="0"/>
-              <a:cs typeface="Times New Roman" panose="02020603050405020304" pitchFamily="18" charset="0"/>
-            </a:endParaRPr>
-          </a:p>
-          <a:p>
-            <a:endParaRPr lang="ru-RU" sz="1400" dirty="0">
-              <a:solidFill>
-                <a:schemeClr val="tx1"/>
-              </a:solidFill>
-              <a:latin typeface="Times New Roman" panose="02020603050405020304" pitchFamily="18" charset="0"/>
-              <a:cs typeface="Times New Roman" panose="02020603050405020304" pitchFamily="18" charset="0"/>
-            </a:endParaRPr>
-          </a:p>
-        </p:txBody>
-      </p:sp>
-    </p:spTree>
-    <p:extLst>
-      <p:ext uri="{BB962C8B-B14F-4D97-AF65-F5344CB8AC3E}">
-        <p14:creationId xmlns:p14="http://schemas.microsoft.com/office/powerpoint/2010/main" val="4066306654"/>
-      </p:ext>
-    </p:extLst>
-  </p:cSld>
-  <p:clrMapOvr>
-    <a:masterClrMapping/>
-  </p:clrMapOvr>
-</p:sld>
-</file>
-
-<file path=ppt/slides/slide15.xml><?xml version="1.0" encoding="utf-8"?>
-<p:sld xmlns:a="http://schemas.openxmlformats.org/drawingml/2006/main" xmlns:r="http://schemas.openxmlformats.org/officeDocument/2006/relationships" xmlns:p="http://schemas.openxmlformats.org/presentationml/2006/main">
-  <p:cSld>
-    <p:spTree>
-      <p:nvGrpSpPr>
-        <p:cNvPr id="1" name=""/>
-        <p:cNvGrpSpPr/>
-        <p:nvPr/>
-      </p:nvGrpSpPr>
-      <p:grpSpPr>
-        <a:xfrm>
-          <a:off x="0" y="0"/>
-          <a:ext cx="0" cy="0"/>
-          <a:chOff x="0" y="0"/>
-          <a:chExt cx="0" cy="0"/>
-        </a:xfrm>
-      </p:grpSpPr>
-      <p:sp>
-        <p:nvSpPr>
-          <p:cNvPr id="2" name="Заголовок 1">
-            <a:extLst>
-              <a:ext uri="{FF2B5EF4-FFF2-40B4-BE49-F238E27FC236}">
-                <a16:creationId xmlns:a16="http://schemas.microsoft.com/office/drawing/2014/main" id="{858A5C1F-E5B2-4EC1-9A3C-AAE441DF4D96}"/>
-              </a:ext>
-            </a:extLst>
-          </p:cNvPr>
-          <p:cNvSpPr>
-            <a:spLocks noGrp="1"/>
-          </p:cNvSpPr>
-          <p:nvPr>
-            <p:ph type="title"/>
-          </p:nvPr>
-        </p:nvSpPr>
-        <p:spPr>
-          <a:xfrm>
-            <a:off x="838200" y="176169"/>
-            <a:ext cx="10515600" cy="334424"/>
-          </a:xfrm>
-        </p:spPr>
-        <p:txBody>
-          <a:bodyPr>
-            <a:normAutofit/>
-          </a:bodyPr>
-          <a:lstStyle/>
-          <a:p>
-            <a:pPr algn="ctr"/>
-            <a:r>
-              <a:rPr lang="ru-RU" sz="1400" dirty="0">
-                <a:latin typeface="Times New Roman" panose="02020603050405020304" pitchFamily="18" charset="0"/>
-                <a:cs typeface="Times New Roman" panose="02020603050405020304" pitchFamily="18" charset="0"/>
-              </a:rPr>
-              <a:t>Задача №12</a:t>
-            </a:r>
-          </a:p>
-        </p:txBody>
-      </p:sp>
-      <p:sp>
-        <p:nvSpPr>
-          <p:cNvPr id="3" name="Текст 2">
-            <a:extLst>
-              <a:ext uri="{FF2B5EF4-FFF2-40B4-BE49-F238E27FC236}">
-                <a16:creationId xmlns:a16="http://schemas.microsoft.com/office/drawing/2014/main" id="{7A2822FC-0537-44BF-973E-18E9089D51A2}"/>
-              </a:ext>
-            </a:extLst>
-          </p:cNvPr>
-          <p:cNvSpPr>
-            <a:spLocks noGrp="1"/>
-          </p:cNvSpPr>
-          <p:nvPr>
-            <p:ph type="body" idx="1"/>
-          </p:nvPr>
-        </p:nvSpPr>
-        <p:spPr>
-          <a:xfrm>
-            <a:off x="831850" y="629175"/>
-            <a:ext cx="10515600" cy="864065"/>
-          </a:xfrm>
-        </p:spPr>
-        <p:txBody>
-          <a:bodyPr>
-            <a:normAutofit/>
-          </a:bodyPr>
-          <a:lstStyle/>
-          <a:p>
-            <a:r>
-              <a:rPr lang="ru-RU" sz="1400" dirty="0">
-                <a:solidFill>
-                  <a:schemeClr val="tx1"/>
-                </a:solidFill>
-                <a:latin typeface="Times New Roman" panose="02020603050405020304" pitchFamily="18" charset="0"/>
-                <a:cs typeface="Times New Roman" panose="02020603050405020304" pitchFamily="18" charset="0"/>
-              </a:rPr>
-              <a:t>Исходный код решения: </a:t>
-            </a:r>
-            <a:r>
-              <a:rPr lang="en-US" sz="1400" dirty="0">
-                <a:solidFill>
-                  <a:schemeClr val="tx1"/>
-                </a:solidFill>
-                <a:latin typeface="Times New Roman" panose="02020603050405020304" pitchFamily="18" charset="0"/>
-                <a:cs typeface="Times New Roman" panose="02020603050405020304" pitchFamily="18" charset="0"/>
-              </a:rPr>
-              <a:t>https://github.com/Vladnwx/Learn2023-2024/blob/master/src/lr1/Example</a:t>
-            </a:r>
-            <a:r>
-              <a:rPr lang="ru-RU" sz="1400" dirty="0">
-                <a:solidFill>
-                  <a:schemeClr val="tx1"/>
-                </a:solidFill>
-                <a:latin typeface="Times New Roman" panose="02020603050405020304" pitchFamily="18" charset="0"/>
-                <a:cs typeface="Times New Roman" panose="02020603050405020304" pitchFamily="18" charset="0"/>
-              </a:rPr>
-              <a:t>12</a:t>
-            </a:r>
-            <a:r>
-              <a:rPr lang="en-US" sz="1400" dirty="0">
-                <a:solidFill>
-                  <a:schemeClr val="tx1"/>
-                </a:solidFill>
-                <a:latin typeface="Times New Roman" panose="02020603050405020304" pitchFamily="18" charset="0"/>
-                <a:cs typeface="Times New Roman" panose="02020603050405020304" pitchFamily="18" charset="0"/>
-              </a:rPr>
-              <a:t>.java</a:t>
-            </a:r>
-            <a:endParaRPr lang="ru-RU" sz="1400" dirty="0">
-              <a:solidFill>
-                <a:schemeClr val="tx1"/>
-              </a:solidFill>
-              <a:latin typeface="Times New Roman" panose="02020603050405020304" pitchFamily="18" charset="0"/>
-              <a:cs typeface="Times New Roman" panose="02020603050405020304" pitchFamily="18" charset="0"/>
-            </a:endParaRPr>
-          </a:p>
-          <a:p>
-            <a:endParaRPr lang="ru-RU" sz="1400" dirty="0">
-              <a:solidFill>
-                <a:schemeClr val="tx1"/>
-              </a:solidFill>
-              <a:latin typeface="Times New Roman" panose="02020603050405020304" pitchFamily="18" charset="0"/>
-              <a:cs typeface="Times New Roman" panose="02020603050405020304" pitchFamily="18" charset="0"/>
-            </a:endParaRPr>
-          </a:p>
-        </p:txBody>
-      </p:sp>
-    </p:spTree>
-    <p:extLst>
-      <p:ext uri="{BB962C8B-B14F-4D97-AF65-F5344CB8AC3E}">
-        <p14:creationId xmlns:p14="http://schemas.microsoft.com/office/powerpoint/2010/main" val="3198480665"/>
-      </p:ext>
-    </p:extLst>
-  </p:cSld>
-  <p:clrMapOvr>
-    <a:masterClrMapping/>
-  </p:clrMapOvr>
-</p:sld>
-</file>
-
-<file path=ppt/slides/slide16.xml><?xml version="1.0" encoding="utf-8"?>
-<p:sld xmlns:a="http://schemas.openxmlformats.org/drawingml/2006/main" xmlns:r="http://schemas.openxmlformats.org/officeDocument/2006/relationships" xmlns:p="http://schemas.openxmlformats.org/presentationml/2006/main">
-  <p:cSld>
-    <p:spTree>
-      <p:nvGrpSpPr>
-        <p:cNvPr id="1" name=""/>
-        <p:cNvGrpSpPr/>
-        <p:nvPr/>
-      </p:nvGrpSpPr>
-      <p:grpSpPr>
-        <a:xfrm>
-          <a:off x="0" y="0"/>
-          <a:ext cx="0" cy="0"/>
-          <a:chOff x="0" y="0"/>
-          <a:chExt cx="0" cy="0"/>
-        </a:xfrm>
-      </p:grpSpPr>
-      <p:sp>
-        <p:nvSpPr>
-          <p:cNvPr id="2" name="Заголовок 1">
-            <a:extLst>
-              <a:ext uri="{FF2B5EF4-FFF2-40B4-BE49-F238E27FC236}">
-                <a16:creationId xmlns:a16="http://schemas.microsoft.com/office/drawing/2014/main" id="{858A5C1F-E5B2-4EC1-9A3C-AAE441DF4D96}"/>
-              </a:ext>
-            </a:extLst>
-          </p:cNvPr>
-          <p:cNvSpPr>
-            <a:spLocks noGrp="1"/>
-          </p:cNvSpPr>
-          <p:nvPr>
-            <p:ph type="title"/>
-          </p:nvPr>
-        </p:nvSpPr>
-        <p:spPr>
-          <a:xfrm>
-            <a:off x="838200" y="176169"/>
-            <a:ext cx="10515600" cy="334424"/>
-          </a:xfrm>
-        </p:spPr>
-        <p:txBody>
-          <a:bodyPr>
-            <a:normAutofit/>
-          </a:bodyPr>
-          <a:lstStyle/>
-          <a:p>
-            <a:pPr algn="ctr"/>
-            <a:r>
-              <a:rPr lang="ru-RU" sz="1400" dirty="0">
-                <a:latin typeface="Times New Roman" panose="02020603050405020304" pitchFamily="18" charset="0"/>
-                <a:cs typeface="Times New Roman" panose="02020603050405020304" pitchFamily="18" charset="0"/>
-              </a:rPr>
-              <a:t>Задача №13</a:t>
-            </a:r>
-          </a:p>
-        </p:txBody>
-      </p:sp>
-      <p:sp>
-        <p:nvSpPr>
-          <p:cNvPr id="3" name="Текст 2">
-            <a:extLst>
-              <a:ext uri="{FF2B5EF4-FFF2-40B4-BE49-F238E27FC236}">
-                <a16:creationId xmlns:a16="http://schemas.microsoft.com/office/drawing/2014/main" id="{7A2822FC-0537-44BF-973E-18E9089D51A2}"/>
-              </a:ext>
-            </a:extLst>
-          </p:cNvPr>
-          <p:cNvSpPr>
-            <a:spLocks noGrp="1"/>
-          </p:cNvSpPr>
-          <p:nvPr>
-            <p:ph type="body" idx="1"/>
-          </p:nvPr>
-        </p:nvSpPr>
-        <p:spPr>
-          <a:xfrm>
-            <a:off x="831850" y="629175"/>
-            <a:ext cx="10515600" cy="864065"/>
-          </a:xfrm>
-        </p:spPr>
-        <p:txBody>
-          <a:bodyPr>
-            <a:normAutofit/>
-          </a:bodyPr>
-          <a:lstStyle/>
-          <a:p>
-            <a:r>
-              <a:rPr lang="ru-RU" sz="1400" dirty="0">
-                <a:solidFill>
-                  <a:schemeClr val="tx1"/>
-                </a:solidFill>
-                <a:latin typeface="Times New Roman" panose="02020603050405020304" pitchFamily="18" charset="0"/>
-                <a:cs typeface="Times New Roman" panose="02020603050405020304" pitchFamily="18" charset="0"/>
-              </a:rPr>
-              <a:t>Исходный код решения: </a:t>
-            </a:r>
-            <a:r>
-              <a:rPr lang="en-US" sz="1400" dirty="0">
-                <a:solidFill>
-                  <a:schemeClr val="tx1"/>
-                </a:solidFill>
-                <a:latin typeface="Times New Roman" panose="02020603050405020304" pitchFamily="18" charset="0"/>
-                <a:cs typeface="Times New Roman" panose="02020603050405020304" pitchFamily="18" charset="0"/>
-              </a:rPr>
-              <a:t>https://github.com/Vladnwx/Learn2023-2024/blob/master/src/lr1/Example</a:t>
-            </a:r>
-            <a:r>
-              <a:rPr lang="ru-RU" sz="1400" dirty="0">
-                <a:solidFill>
-                  <a:schemeClr val="tx1"/>
-                </a:solidFill>
-                <a:latin typeface="Times New Roman" panose="02020603050405020304" pitchFamily="18" charset="0"/>
-                <a:cs typeface="Times New Roman" panose="02020603050405020304" pitchFamily="18" charset="0"/>
-              </a:rPr>
-              <a:t>13</a:t>
-            </a:r>
-            <a:r>
-              <a:rPr lang="en-US" sz="1400" dirty="0">
-                <a:solidFill>
-                  <a:schemeClr val="tx1"/>
-                </a:solidFill>
-                <a:latin typeface="Times New Roman" panose="02020603050405020304" pitchFamily="18" charset="0"/>
-                <a:cs typeface="Times New Roman" panose="02020603050405020304" pitchFamily="18" charset="0"/>
-              </a:rPr>
-              <a:t>.java</a:t>
-            </a:r>
-            <a:endParaRPr lang="ru-RU" sz="1400" dirty="0">
-              <a:solidFill>
-                <a:schemeClr val="tx1"/>
-              </a:solidFill>
-              <a:latin typeface="Times New Roman" panose="02020603050405020304" pitchFamily="18" charset="0"/>
-              <a:cs typeface="Times New Roman" panose="02020603050405020304" pitchFamily="18" charset="0"/>
-            </a:endParaRPr>
-          </a:p>
-          <a:p>
-            <a:endParaRPr lang="ru-RU" sz="1400" dirty="0">
-              <a:solidFill>
-                <a:schemeClr val="tx1"/>
-              </a:solidFill>
-              <a:latin typeface="Times New Roman" panose="02020603050405020304" pitchFamily="18" charset="0"/>
-              <a:cs typeface="Times New Roman" panose="02020603050405020304" pitchFamily="18" charset="0"/>
-            </a:endParaRPr>
-          </a:p>
-        </p:txBody>
-      </p:sp>
-    </p:spTree>
-    <p:extLst>
-      <p:ext uri="{BB962C8B-B14F-4D97-AF65-F5344CB8AC3E}">
-        <p14:creationId xmlns:p14="http://schemas.microsoft.com/office/powerpoint/2010/main" val="2471967670"/>
-      </p:ext>
-    </p:extLst>
-  </p:cSld>
-  <p:clrMapOvr>
-    <a:masterClrMapping/>
-  </p:clrMapOvr>
-</p:sld>
-</file>
-
-<file path=ppt/slides/slide17.xml><?xml version="1.0" encoding="utf-8"?>
-<p:sld xmlns:a="http://schemas.openxmlformats.org/drawingml/2006/main" xmlns:r="http://schemas.openxmlformats.org/officeDocument/2006/relationships" xmlns:p="http://schemas.openxmlformats.org/presentationml/2006/main">
-  <p:cSld>
-    <p:spTree>
-      <p:nvGrpSpPr>
-        <p:cNvPr id="1" name=""/>
-        <p:cNvGrpSpPr/>
-        <p:nvPr/>
-      </p:nvGrpSpPr>
-      <p:grpSpPr>
-        <a:xfrm>
-          <a:off x="0" y="0"/>
-          <a:ext cx="0" cy="0"/>
-          <a:chOff x="0" y="0"/>
-          <a:chExt cx="0" cy="0"/>
-        </a:xfrm>
-      </p:grpSpPr>
-      <p:sp>
-        <p:nvSpPr>
-          <p:cNvPr id="2" name="Заголовок 1">
-            <a:extLst>
-              <a:ext uri="{FF2B5EF4-FFF2-40B4-BE49-F238E27FC236}">
-                <a16:creationId xmlns:a16="http://schemas.microsoft.com/office/drawing/2014/main" id="{858A5C1F-E5B2-4EC1-9A3C-AAE441DF4D96}"/>
-              </a:ext>
-            </a:extLst>
-          </p:cNvPr>
-          <p:cNvSpPr>
-            <a:spLocks noGrp="1"/>
-          </p:cNvSpPr>
-          <p:nvPr>
-            <p:ph type="title"/>
-          </p:nvPr>
-        </p:nvSpPr>
-        <p:spPr>
-          <a:xfrm>
-            <a:off x="838200" y="176169"/>
-            <a:ext cx="10515600" cy="334424"/>
-          </a:xfrm>
-        </p:spPr>
-        <p:txBody>
-          <a:bodyPr>
-            <a:normAutofit/>
-          </a:bodyPr>
-          <a:lstStyle/>
-          <a:p>
-            <a:pPr algn="ctr"/>
-            <a:r>
-              <a:rPr lang="ru-RU" sz="1400" dirty="0">
-                <a:latin typeface="Times New Roman" panose="02020603050405020304" pitchFamily="18" charset="0"/>
-                <a:cs typeface="Times New Roman" panose="02020603050405020304" pitchFamily="18" charset="0"/>
-              </a:rPr>
-              <a:t>Задача №14</a:t>
-            </a:r>
-          </a:p>
-        </p:txBody>
-      </p:sp>
-      <p:sp>
-        <p:nvSpPr>
-          <p:cNvPr id="3" name="Текст 2">
-            <a:extLst>
-              <a:ext uri="{FF2B5EF4-FFF2-40B4-BE49-F238E27FC236}">
-                <a16:creationId xmlns:a16="http://schemas.microsoft.com/office/drawing/2014/main" id="{7A2822FC-0537-44BF-973E-18E9089D51A2}"/>
-              </a:ext>
-            </a:extLst>
-          </p:cNvPr>
-          <p:cNvSpPr>
-            <a:spLocks noGrp="1"/>
-          </p:cNvSpPr>
-          <p:nvPr>
-            <p:ph type="body" idx="1"/>
-          </p:nvPr>
-        </p:nvSpPr>
-        <p:spPr>
-          <a:xfrm>
-            <a:off x="831850" y="629175"/>
-            <a:ext cx="10515600" cy="864065"/>
-          </a:xfrm>
-        </p:spPr>
-        <p:txBody>
-          <a:bodyPr>
-            <a:normAutofit/>
-          </a:bodyPr>
-          <a:lstStyle/>
-          <a:p>
-            <a:r>
-              <a:rPr lang="ru-RU" sz="1400" dirty="0">
-                <a:solidFill>
-                  <a:schemeClr val="tx1"/>
-                </a:solidFill>
-                <a:latin typeface="Times New Roman" panose="02020603050405020304" pitchFamily="18" charset="0"/>
-                <a:cs typeface="Times New Roman" panose="02020603050405020304" pitchFamily="18" charset="0"/>
-              </a:rPr>
-              <a:t>Исходный код решения: </a:t>
-            </a:r>
-            <a:r>
-              <a:rPr lang="en-US" sz="1400" dirty="0">
-                <a:solidFill>
-                  <a:schemeClr val="tx1"/>
-                </a:solidFill>
-                <a:latin typeface="Times New Roman" panose="02020603050405020304" pitchFamily="18" charset="0"/>
-                <a:cs typeface="Times New Roman" panose="02020603050405020304" pitchFamily="18" charset="0"/>
-              </a:rPr>
-              <a:t>https://github.com/Vladnwx/Learn2023-2024/blob/master/src/lr1/Example</a:t>
-            </a:r>
-            <a:r>
-              <a:rPr lang="ru-RU" sz="1400" dirty="0">
-                <a:solidFill>
-                  <a:schemeClr val="tx1"/>
-                </a:solidFill>
-                <a:latin typeface="Times New Roman" panose="02020603050405020304" pitchFamily="18" charset="0"/>
-                <a:cs typeface="Times New Roman" panose="02020603050405020304" pitchFamily="18" charset="0"/>
-              </a:rPr>
-              <a:t>14</a:t>
-            </a:r>
-            <a:r>
-              <a:rPr lang="en-US" sz="1400" dirty="0">
-                <a:solidFill>
-                  <a:schemeClr val="tx1"/>
-                </a:solidFill>
-                <a:latin typeface="Times New Roman" panose="02020603050405020304" pitchFamily="18" charset="0"/>
-                <a:cs typeface="Times New Roman" panose="02020603050405020304" pitchFamily="18" charset="0"/>
-              </a:rPr>
-              <a:t>.java</a:t>
-            </a:r>
-            <a:endParaRPr lang="ru-RU" sz="1400" dirty="0">
-              <a:solidFill>
-                <a:schemeClr val="tx1"/>
-              </a:solidFill>
-              <a:latin typeface="Times New Roman" panose="02020603050405020304" pitchFamily="18" charset="0"/>
-              <a:cs typeface="Times New Roman" panose="02020603050405020304" pitchFamily="18" charset="0"/>
-            </a:endParaRPr>
-          </a:p>
-          <a:p>
-            <a:endParaRPr lang="ru-RU" sz="1400" dirty="0">
-              <a:solidFill>
-                <a:schemeClr val="tx1"/>
-              </a:solidFill>
-              <a:latin typeface="Times New Roman" panose="02020603050405020304" pitchFamily="18" charset="0"/>
-              <a:cs typeface="Times New Roman" panose="02020603050405020304" pitchFamily="18" charset="0"/>
-            </a:endParaRPr>
-          </a:p>
-        </p:txBody>
-      </p:sp>
-    </p:spTree>
-    <p:extLst>
-      <p:ext uri="{BB962C8B-B14F-4D97-AF65-F5344CB8AC3E}">
-        <p14:creationId xmlns:p14="http://schemas.microsoft.com/office/powerpoint/2010/main" val="4289064911"/>
-      </p:ext>
-    </p:extLst>
-  </p:cSld>
-  <p:clrMapOvr>
-    <a:masterClrMapping/>
-  </p:clrMapOvr>
-</p:sld>
-</file>
-
-<file path=ppt/slides/slide18.xml><?xml version="1.0" encoding="utf-8"?>
-<p:sld xmlns:a="http://schemas.openxmlformats.org/drawingml/2006/main" xmlns:r="http://schemas.openxmlformats.org/officeDocument/2006/relationships" xmlns:p="http://schemas.openxmlformats.org/presentationml/2006/main">
-  <p:cSld>
-    <p:spTree>
-      <p:nvGrpSpPr>
-        <p:cNvPr id="1" name=""/>
-        <p:cNvGrpSpPr/>
-        <p:nvPr/>
-      </p:nvGrpSpPr>
-      <p:grpSpPr>
-        <a:xfrm>
-          <a:off x="0" y="0"/>
-          <a:ext cx="0" cy="0"/>
-          <a:chOff x="0" y="0"/>
-          <a:chExt cx="0" cy="0"/>
-        </a:xfrm>
-      </p:grpSpPr>
-      <p:sp>
-        <p:nvSpPr>
-          <p:cNvPr id="2" name="Заголовок 1">
-            <a:extLst>
-              <a:ext uri="{FF2B5EF4-FFF2-40B4-BE49-F238E27FC236}">
-                <a16:creationId xmlns:a16="http://schemas.microsoft.com/office/drawing/2014/main" id="{858A5C1F-E5B2-4EC1-9A3C-AAE441DF4D96}"/>
-              </a:ext>
-            </a:extLst>
-          </p:cNvPr>
-          <p:cNvSpPr>
-            <a:spLocks noGrp="1"/>
-          </p:cNvSpPr>
-          <p:nvPr>
-            <p:ph type="title"/>
-          </p:nvPr>
-        </p:nvSpPr>
-        <p:spPr>
-          <a:xfrm>
-            <a:off x="838200" y="176169"/>
-            <a:ext cx="10515600" cy="334424"/>
-          </a:xfrm>
-        </p:spPr>
-        <p:txBody>
-          <a:bodyPr>
-            <a:normAutofit/>
-          </a:bodyPr>
-          <a:lstStyle/>
-          <a:p>
-            <a:pPr algn="ctr"/>
-            <a:r>
-              <a:rPr lang="ru-RU" sz="1400" dirty="0">
-                <a:latin typeface="Times New Roman" panose="02020603050405020304" pitchFamily="18" charset="0"/>
-                <a:cs typeface="Times New Roman" panose="02020603050405020304" pitchFamily="18" charset="0"/>
-              </a:rPr>
-              <a:t>Задача №15</a:t>
-            </a:r>
-          </a:p>
-        </p:txBody>
-      </p:sp>
-      <p:sp>
-        <p:nvSpPr>
-          <p:cNvPr id="3" name="Текст 2">
-            <a:extLst>
-              <a:ext uri="{FF2B5EF4-FFF2-40B4-BE49-F238E27FC236}">
-                <a16:creationId xmlns:a16="http://schemas.microsoft.com/office/drawing/2014/main" id="{7A2822FC-0537-44BF-973E-18E9089D51A2}"/>
-              </a:ext>
-            </a:extLst>
-          </p:cNvPr>
-          <p:cNvSpPr>
-            <a:spLocks noGrp="1"/>
-          </p:cNvSpPr>
-          <p:nvPr>
-            <p:ph type="body" idx="1"/>
-          </p:nvPr>
-        </p:nvSpPr>
-        <p:spPr>
-          <a:xfrm>
-            <a:off x="831850" y="629175"/>
-            <a:ext cx="10515600" cy="864065"/>
-          </a:xfrm>
-        </p:spPr>
-        <p:txBody>
-          <a:bodyPr>
-            <a:normAutofit/>
-          </a:bodyPr>
-          <a:lstStyle/>
-          <a:p>
-            <a:r>
-              <a:rPr lang="ru-RU" sz="1400" dirty="0">
-                <a:solidFill>
-                  <a:schemeClr val="tx1"/>
-                </a:solidFill>
-                <a:latin typeface="Times New Roman" panose="02020603050405020304" pitchFamily="18" charset="0"/>
-                <a:cs typeface="Times New Roman" panose="02020603050405020304" pitchFamily="18" charset="0"/>
-              </a:rPr>
-              <a:t>Исходный код решения: </a:t>
-            </a:r>
-            <a:r>
-              <a:rPr lang="en-US" sz="1400" dirty="0">
-                <a:solidFill>
-                  <a:schemeClr val="tx1"/>
-                </a:solidFill>
-                <a:latin typeface="Times New Roman" panose="02020603050405020304" pitchFamily="18" charset="0"/>
-                <a:cs typeface="Times New Roman" panose="02020603050405020304" pitchFamily="18" charset="0"/>
-              </a:rPr>
-              <a:t>https://github.com/Vladnwx/Learn2023-2024/blob/master/src/lr1/Example</a:t>
-            </a:r>
-            <a:r>
-              <a:rPr lang="ru-RU" sz="1400" dirty="0">
-                <a:solidFill>
-                  <a:schemeClr val="tx1"/>
-                </a:solidFill>
-                <a:latin typeface="Times New Roman" panose="02020603050405020304" pitchFamily="18" charset="0"/>
-                <a:cs typeface="Times New Roman" panose="02020603050405020304" pitchFamily="18" charset="0"/>
-              </a:rPr>
-              <a:t>15</a:t>
-            </a:r>
-            <a:r>
-              <a:rPr lang="en-US" sz="1400" dirty="0">
-                <a:solidFill>
-                  <a:schemeClr val="tx1"/>
-                </a:solidFill>
-                <a:latin typeface="Times New Roman" panose="02020603050405020304" pitchFamily="18" charset="0"/>
-                <a:cs typeface="Times New Roman" panose="02020603050405020304" pitchFamily="18" charset="0"/>
-              </a:rPr>
-              <a:t>.java</a:t>
-            </a:r>
-            <a:endParaRPr lang="ru-RU" sz="1400" dirty="0">
-              <a:solidFill>
-                <a:schemeClr val="tx1"/>
-              </a:solidFill>
-              <a:latin typeface="Times New Roman" panose="02020603050405020304" pitchFamily="18" charset="0"/>
-              <a:cs typeface="Times New Roman" panose="02020603050405020304" pitchFamily="18" charset="0"/>
-            </a:endParaRPr>
-          </a:p>
-          <a:p>
-            <a:endParaRPr lang="ru-RU" sz="1400" dirty="0">
-              <a:solidFill>
-                <a:schemeClr val="tx1"/>
-              </a:solidFill>
-              <a:latin typeface="Times New Roman" panose="02020603050405020304" pitchFamily="18" charset="0"/>
-              <a:cs typeface="Times New Roman" panose="02020603050405020304" pitchFamily="18" charset="0"/>
-            </a:endParaRPr>
-          </a:p>
-        </p:txBody>
-      </p:sp>
-    </p:spTree>
-    <p:extLst>
-      <p:ext uri="{BB962C8B-B14F-4D97-AF65-F5344CB8AC3E}">
-        <p14:creationId xmlns:p14="http://schemas.microsoft.com/office/powerpoint/2010/main" val="3386037698"/>
-      </p:ext>
-    </p:extLst>
-  </p:cSld>
-  <p:clrMapOvr>
-    <a:masterClrMapping/>
-  </p:clrMapOvr>
-</p:sld>
-</file>
-
-<file path=ppt/slides/slide19.xml><?xml version="1.0" encoding="utf-8"?>
-<p:sld xmlns:a="http://schemas.openxmlformats.org/drawingml/2006/main" xmlns:r="http://schemas.openxmlformats.org/officeDocument/2006/relationships" xmlns:p="http://schemas.openxmlformats.org/presentationml/2006/main">
-  <p:cSld>
-    <p:spTree>
-      <p:nvGrpSpPr>
-        <p:cNvPr id="1" name=""/>
-        <p:cNvGrpSpPr/>
-        <p:nvPr/>
-      </p:nvGrpSpPr>
-      <p:grpSpPr>
-        <a:xfrm>
-          <a:off x="0" y="0"/>
-          <a:ext cx="0" cy="0"/>
-          <a:chOff x="0" y="0"/>
-          <a:chExt cx="0" cy="0"/>
-        </a:xfrm>
-      </p:grpSpPr>
-      <p:sp>
-        <p:nvSpPr>
-          <p:cNvPr id="2" name="Заголовок 1">
-            <a:extLst>
-              <a:ext uri="{FF2B5EF4-FFF2-40B4-BE49-F238E27FC236}">
-                <a16:creationId xmlns:a16="http://schemas.microsoft.com/office/drawing/2014/main" id="{858A5C1F-E5B2-4EC1-9A3C-AAE441DF4D96}"/>
-              </a:ext>
-            </a:extLst>
-          </p:cNvPr>
-          <p:cNvSpPr>
-            <a:spLocks noGrp="1"/>
-          </p:cNvSpPr>
-          <p:nvPr>
-            <p:ph type="title"/>
-          </p:nvPr>
-        </p:nvSpPr>
-        <p:spPr>
-          <a:xfrm>
-            <a:off x="838200" y="176169"/>
-            <a:ext cx="10515600" cy="334424"/>
-          </a:xfrm>
-        </p:spPr>
-        <p:txBody>
-          <a:bodyPr>
-            <a:normAutofit/>
-          </a:bodyPr>
-          <a:lstStyle/>
-          <a:p>
-            <a:pPr algn="ctr"/>
-            <a:r>
-              <a:rPr lang="ru-RU" sz="1400" dirty="0">
-                <a:latin typeface="Times New Roman" panose="02020603050405020304" pitchFamily="18" charset="0"/>
-                <a:cs typeface="Times New Roman" panose="02020603050405020304" pitchFamily="18" charset="0"/>
-              </a:rPr>
-              <a:t>Задача </a:t>
-            </a:r>
-            <a:r>
-              <a:rPr lang="en-US" sz="1400" dirty="0" err="1">
-                <a:latin typeface="Times New Roman" panose="02020603050405020304" pitchFamily="18" charset="0"/>
-                <a:cs typeface="Times New Roman" panose="02020603050405020304" pitchFamily="18" charset="0"/>
-              </a:rPr>
-              <a:t>timus</a:t>
-            </a:r>
-            <a:r>
-              <a:rPr lang="en-US" sz="1400" dirty="0">
-                <a:latin typeface="Times New Roman" panose="02020603050405020304" pitchFamily="18" charset="0"/>
-                <a:cs typeface="Times New Roman" panose="02020603050405020304" pitchFamily="18" charset="0"/>
-              </a:rPr>
-              <a:t> 1000</a:t>
-            </a:r>
-            <a:endParaRPr lang="ru-RU" sz="1400" dirty="0">
-              <a:latin typeface="Times New Roman" panose="02020603050405020304" pitchFamily="18" charset="0"/>
-              <a:cs typeface="Times New Roman" panose="02020603050405020304" pitchFamily="18" charset="0"/>
-            </a:endParaRPr>
-          </a:p>
-        </p:txBody>
-      </p:sp>
-      <p:sp>
-        <p:nvSpPr>
-          <p:cNvPr id="3" name="Текст 2">
-            <a:extLst>
-              <a:ext uri="{FF2B5EF4-FFF2-40B4-BE49-F238E27FC236}">
-                <a16:creationId xmlns:a16="http://schemas.microsoft.com/office/drawing/2014/main" id="{7A2822FC-0537-44BF-973E-18E9089D51A2}"/>
-              </a:ext>
-            </a:extLst>
-          </p:cNvPr>
-          <p:cNvSpPr>
-            <a:spLocks noGrp="1"/>
-          </p:cNvSpPr>
-          <p:nvPr>
-            <p:ph type="body" idx="1"/>
-          </p:nvPr>
-        </p:nvSpPr>
-        <p:spPr>
-          <a:xfrm>
-            <a:off x="831850" y="629175"/>
-            <a:ext cx="10515600" cy="864065"/>
-          </a:xfrm>
-        </p:spPr>
-        <p:txBody>
-          <a:bodyPr>
-            <a:normAutofit/>
-          </a:bodyPr>
-          <a:lstStyle/>
-          <a:p>
-            <a:r>
-              <a:rPr lang="ru-RU" sz="1400" dirty="0">
-                <a:solidFill>
-                  <a:schemeClr val="tx1"/>
-                </a:solidFill>
-                <a:latin typeface="Times New Roman" panose="02020603050405020304" pitchFamily="18" charset="0"/>
-                <a:cs typeface="Times New Roman" panose="02020603050405020304" pitchFamily="18" charset="0"/>
-              </a:rPr>
-              <a:t>Исходный код решения: </a:t>
-            </a:r>
-            <a:r>
-              <a:rPr lang="en-US" sz="1400" dirty="0">
-                <a:solidFill>
-                  <a:schemeClr val="tx1"/>
-                </a:solidFill>
-                <a:latin typeface="Times New Roman" panose="02020603050405020304" pitchFamily="18" charset="0"/>
-                <a:cs typeface="Times New Roman" panose="02020603050405020304" pitchFamily="18" charset="0"/>
-              </a:rPr>
-              <a:t>https://github.com/Vladnwx/Learn2023-2024/blob/master/src/timus/task_1000/Main.java</a:t>
-            </a:r>
-            <a:endParaRPr lang="ru-RU" sz="1400" dirty="0">
-              <a:solidFill>
-                <a:schemeClr val="tx1"/>
-              </a:solidFill>
-              <a:latin typeface="Times New Roman" panose="02020603050405020304" pitchFamily="18" charset="0"/>
-              <a:cs typeface="Times New Roman" panose="02020603050405020304" pitchFamily="18" charset="0"/>
-            </a:endParaRPr>
-          </a:p>
-        </p:txBody>
-      </p:sp>
-    </p:spTree>
-    <p:extLst>
-      <p:ext uri="{BB962C8B-B14F-4D97-AF65-F5344CB8AC3E}">
-        <p14:creationId xmlns:p14="http://schemas.microsoft.com/office/powerpoint/2010/main" val="1281469122"/>
+        <p14:creationId xmlns:p14="http://schemas.microsoft.com/office/powerpoint/2010/main" val="2772988837"/>
       </p:ext>
     </p:extLst>
   </p:cSld>
@@ -5236,7 +5949,7 @@
                 <a:latin typeface="Times New Roman" panose="02020603050405020304" pitchFamily="18" charset="0"/>
                 <a:cs typeface="Times New Roman" panose="02020603050405020304" pitchFamily="18" charset="0"/>
               </a:rPr>
-              <a:t>Получить представление о написание программ на языке программирования Java с использованием командной строки, интегрированной среды разработки, а также решение задач на сайте </a:t>
+              <a:t>Получить представление о написание программ на языке программирования Java с использованием среды разработки Eclipse., а также решение задач на сайте </a:t>
             </a:r>
             <a:r>
               <a:rPr lang="ru-RU" sz="1400" dirty="0" err="1">
@@ -5265,321 +5978,6 @@
     <p:extLst>
       <p:ext uri="{BB962C8B-B14F-4D97-AF65-F5344CB8AC3E}">
         <p14:creationId xmlns:p14="http://schemas.microsoft.com/office/powerpoint/2010/main" val="2427791428"/>
-      </p:ext>
-    </p:extLst>
-  </p:cSld>
-  <p:clrMapOvr>
-    <a:masterClrMapping/>
-  </p:clrMapOvr>
-</p:sld>
-</file>
-
-<file path=ppt/slides/slide20.xml><?xml version="1.0" encoding="utf-8"?>
-<p:sld xmlns:a="http://schemas.openxmlformats.org/drawingml/2006/main" xmlns:r="http://schemas.openxmlformats.org/officeDocument/2006/relationships" xmlns:p="http://schemas.openxmlformats.org/presentationml/2006/main">
-  <p:cSld>
-    <p:spTree>
-      <p:nvGrpSpPr>
-        <p:cNvPr id="1" name=""/>
-        <p:cNvGrpSpPr/>
-        <p:nvPr/>
-      </p:nvGrpSpPr>
-      <p:grpSpPr>
-        <a:xfrm>
-          <a:off x="0" y="0"/>
-          <a:ext cx="0" cy="0"/>
-          <a:chOff x="0" y="0"/>
-          <a:chExt cx="0" cy="0"/>
-        </a:xfrm>
-      </p:grpSpPr>
-      <p:sp>
-        <p:nvSpPr>
-          <p:cNvPr id="2" name="Заголовок 1">
-            <a:extLst>
-              <a:ext uri="{FF2B5EF4-FFF2-40B4-BE49-F238E27FC236}">
-                <a16:creationId xmlns:a16="http://schemas.microsoft.com/office/drawing/2014/main" id="{858A5C1F-E5B2-4EC1-9A3C-AAE441DF4D96}"/>
-              </a:ext>
-            </a:extLst>
-          </p:cNvPr>
-          <p:cNvSpPr>
-            <a:spLocks noGrp="1"/>
-          </p:cNvSpPr>
-          <p:nvPr>
-            <p:ph type="title"/>
-          </p:nvPr>
-        </p:nvSpPr>
-        <p:spPr>
-          <a:xfrm>
-            <a:off x="838200" y="176169"/>
-            <a:ext cx="10515600" cy="334424"/>
-          </a:xfrm>
-        </p:spPr>
-        <p:txBody>
-          <a:bodyPr>
-            <a:normAutofit/>
-          </a:bodyPr>
-          <a:lstStyle/>
-          <a:p>
-            <a:pPr algn="ctr"/>
-            <a:r>
-              <a:rPr lang="ru-RU" sz="1400" dirty="0">
-                <a:latin typeface="Times New Roman" panose="02020603050405020304" pitchFamily="18" charset="0"/>
-                <a:cs typeface="Times New Roman" panose="02020603050405020304" pitchFamily="18" charset="0"/>
-              </a:rPr>
-              <a:t>Задача </a:t>
-            </a:r>
-            <a:r>
-              <a:rPr lang="en-US" sz="1400" dirty="0" err="1">
-                <a:latin typeface="Times New Roman" panose="02020603050405020304" pitchFamily="18" charset="0"/>
-                <a:cs typeface="Times New Roman" panose="02020603050405020304" pitchFamily="18" charset="0"/>
-              </a:rPr>
-              <a:t>timus</a:t>
-            </a:r>
-            <a:r>
-              <a:rPr lang="en-US" sz="1400" dirty="0">
-                <a:latin typeface="Times New Roman" panose="02020603050405020304" pitchFamily="18" charset="0"/>
-                <a:cs typeface="Times New Roman" panose="02020603050405020304" pitchFamily="18" charset="0"/>
-              </a:rPr>
-              <a:t> 1293</a:t>
-            </a:r>
-            <a:endParaRPr lang="ru-RU" sz="1400" dirty="0">
-              <a:latin typeface="Times New Roman" panose="02020603050405020304" pitchFamily="18" charset="0"/>
-              <a:cs typeface="Times New Roman" panose="02020603050405020304" pitchFamily="18" charset="0"/>
-            </a:endParaRPr>
-          </a:p>
-        </p:txBody>
-      </p:sp>
-      <p:sp>
-        <p:nvSpPr>
-          <p:cNvPr id="3" name="Текст 2">
-            <a:extLst>
-              <a:ext uri="{FF2B5EF4-FFF2-40B4-BE49-F238E27FC236}">
-                <a16:creationId xmlns:a16="http://schemas.microsoft.com/office/drawing/2014/main" id="{7A2822FC-0537-44BF-973E-18E9089D51A2}"/>
-              </a:ext>
-            </a:extLst>
-          </p:cNvPr>
-          <p:cNvSpPr>
-            <a:spLocks noGrp="1"/>
-          </p:cNvSpPr>
-          <p:nvPr>
-            <p:ph type="body" idx="1"/>
-          </p:nvPr>
-        </p:nvSpPr>
-        <p:spPr>
-          <a:xfrm>
-            <a:off x="831850" y="629175"/>
-            <a:ext cx="10515600" cy="864065"/>
-          </a:xfrm>
-        </p:spPr>
-        <p:txBody>
-          <a:bodyPr>
-            <a:normAutofit/>
-          </a:bodyPr>
-          <a:lstStyle/>
-          <a:p>
-            <a:r>
-              <a:rPr lang="ru-RU" sz="1400" dirty="0">
-                <a:solidFill>
-                  <a:schemeClr val="tx1"/>
-                </a:solidFill>
-                <a:latin typeface="Times New Roman" panose="02020603050405020304" pitchFamily="18" charset="0"/>
-                <a:cs typeface="Times New Roman" panose="02020603050405020304" pitchFamily="18" charset="0"/>
-              </a:rPr>
-              <a:t>Исходный код решения: </a:t>
-            </a:r>
-            <a:r>
-              <a:rPr lang="en-US" sz="1400" dirty="0">
-                <a:solidFill>
-                  <a:schemeClr val="tx1"/>
-                </a:solidFill>
-                <a:latin typeface="Times New Roman" panose="02020603050405020304" pitchFamily="18" charset="0"/>
-                <a:cs typeface="Times New Roman" panose="02020603050405020304" pitchFamily="18" charset="0"/>
-              </a:rPr>
-              <a:t>https://github.com/Vladnwx/Learn2023-2024/blob/master/src/timus/task_1293/Main.java</a:t>
-            </a:r>
-            <a:endParaRPr lang="ru-RU" sz="1400" dirty="0">
-              <a:solidFill>
-                <a:schemeClr val="tx1"/>
-              </a:solidFill>
-              <a:latin typeface="Times New Roman" panose="02020603050405020304" pitchFamily="18" charset="0"/>
-              <a:cs typeface="Times New Roman" panose="02020603050405020304" pitchFamily="18" charset="0"/>
-            </a:endParaRPr>
-          </a:p>
-        </p:txBody>
-      </p:sp>
-    </p:spTree>
-    <p:extLst>
-      <p:ext uri="{BB962C8B-B14F-4D97-AF65-F5344CB8AC3E}">
-        <p14:creationId xmlns:p14="http://schemas.microsoft.com/office/powerpoint/2010/main" val="2516231026"/>
-      </p:ext>
-    </p:extLst>
-  </p:cSld>
-  <p:clrMapOvr>
-    <a:masterClrMapping/>
-  </p:clrMapOvr>
-</p:sld>
-</file>
-
-<file path=ppt/slides/slide21.xml><?xml version="1.0" encoding="utf-8"?>
-<p:sld xmlns:a="http://schemas.openxmlformats.org/drawingml/2006/main" xmlns:r="http://schemas.openxmlformats.org/officeDocument/2006/relationships" xmlns:p="http://schemas.openxmlformats.org/presentationml/2006/main">
-  <p:cSld>
-    <p:spTree>
-      <p:nvGrpSpPr>
-        <p:cNvPr id="1" name=""/>
-        <p:cNvGrpSpPr/>
-        <p:nvPr/>
-      </p:nvGrpSpPr>
-      <p:grpSpPr>
-        <a:xfrm>
-          <a:off x="0" y="0"/>
-          <a:ext cx="0" cy="0"/>
-          <a:chOff x="0" y="0"/>
-          <a:chExt cx="0" cy="0"/>
-        </a:xfrm>
-      </p:grpSpPr>
-      <p:sp>
-        <p:nvSpPr>
-          <p:cNvPr id="2" name="Заголовок 1">
-            <a:extLst>
-              <a:ext uri="{FF2B5EF4-FFF2-40B4-BE49-F238E27FC236}">
-                <a16:creationId xmlns:a16="http://schemas.microsoft.com/office/drawing/2014/main" id="{858A5C1F-E5B2-4EC1-9A3C-AAE441DF4D96}"/>
-              </a:ext>
-            </a:extLst>
-          </p:cNvPr>
-          <p:cNvSpPr>
-            <a:spLocks noGrp="1"/>
-          </p:cNvSpPr>
-          <p:nvPr>
-            <p:ph type="title"/>
-          </p:nvPr>
-        </p:nvSpPr>
-        <p:spPr>
-          <a:xfrm>
-            <a:off x="838200" y="176169"/>
-            <a:ext cx="10515600" cy="453006"/>
-          </a:xfrm>
-        </p:spPr>
-        <p:txBody>
-          <a:bodyPr>
-            <a:normAutofit fontScale="90000"/>
-          </a:bodyPr>
-          <a:lstStyle/>
-          <a:p>
-            <a:pPr algn="ctr"/>
-            <a:r>
-              <a:rPr lang="ru-RU" sz="1400" dirty="0">
-                <a:latin typeface="Times New Roman" panose="02020603050405020304" pitchFamily="18" charset="0"/>
-                <a:cs typeface="Times New Roman" panose="02020603050405020304" pitchFamily="18" charset="0"/>
-              </a:rPr>
-              <a:t>Вывод</a:t>
-            </a:r>
-            <a:br>
-              <a:rPr lang="ru-RU" sz="1400" dirty="0">
-                <a:latin typeface="Times New Roman" panose="02020603050405020304" pitchFamily="18" charset="0"/>
-                <a:cs typeface="Times New Roman" panose="02020603050405020304" pitchFamily="18" charset="0"/>
-              </a:rPr>
-            </a:br>
-            <a:endParaRPr lang="ru-RU" sz="1400" dirty="0">
-              <a:latin typeface="Times New Roman" panose="02020603050405020304" pitchFamily="18" charset="0"/>
-              <a:cs typeface="Times New Roman" panose="02020603050405020304" pitchFamily="18" charset="0"/>
-            </a:endParaRPr>
-          </a:p>
-        </p:txBody>
-      </p:sp>
-      <p:sp>
-        <p:nvSpPr>
-          <p:cNvPr id="6" name="Текст 5">
-            <a:extLst>
-              <a:ext uri="{FF2B5EF4-FFF2-40B4-BE49-F238E27FC236}">
-                <a16:creationId xmlns:a16="http://schemas.microsoft.com/office/drawing/2014/main" id="{953110B1-F3D3-4947-BD62-AC851BB52DDC}"/>
-              </a:ext>
-            </a:extLst>
-          </p:cNvPr>
-          <p:cNvSpPr>
-            <a:spLocks noGrp="1"/>
-          </p:cNvSpPr>
-          <p:nvPr>
-            <p:ph type="body" idx="1"/>
-          </p:nvPr>
-        </p:nvSpPr>
-        <p:spPr>
-          <a:xfrm>
-            <a:off x="838200" y="780861"/>
-            <a:ext cx="10515600" cy="1500187"/>
-          </a:xfrm>
-        </p:spPr>
-        <p:txBody>
-          <a:bodyPr>
-            <a:normAutofit/>
-          </a:bodyPr>
-          <a:lstStyle/>
-          <a:p>
-            <a:r>
-              <a:rPr lang="ru-RU" sz="1400" dirty="0">
-                <a:solidFill>
-                  <a:schemeClr val="tx1"/>
-                </a:solidFill>
-                <a:latin typeface="Times New Roman" panose="02020603050405020304" pitchFamily="18" charset="0"/>
-                <a:cs typeface="Times New Roman" panose="02020603050405020304" pitchFamily="18" charset="0"/>
-              </a:rPr>
-              <a:t>Использование библиотеки </a:t>
-            </a:r>
-            <a:r>
-              <a:rPr lang="en-US" sz="1400" dirty="0">
-                <a:solidFill>
-                  <a:schemeClr val="tx1"/>
-                </a:solidFill>
-                <a:latin typeface="Times New Roman" panose="02020603050405020304" pitchFamily="18" charset="0"/>
-                <a:cs typeface="Times New Roman" panose="02020603050405020304" pitchFamily="18" charset="0"/>
-              </a:rPr>
-              <a:t>Scanner </a:t>
-            </a:r>
-            <a:r>
-              <a:rPr lang="ru-RU" sz="1400" dirty="0">
-                <a:solidFill>
-                  <a:schemeClr val="tx1"/>
-                </a:solidFill>
-                <a:latin typeface="Times New Roman" panose="02020603050405020304" pitchFamily="18" charset="0"/>
-                <a:cs typeface="Times New Roman" panose="02020603050405020304" pitchFamily="18" charset="0"/>
-              </a:rPr>
-              <a:t>и </a:t>
-            </a:r>
-            <a:r>
-              <a:rPr lang="en-US" sz="1400" dirty="0" err="1">
-                <a:solidFill>
-                  <a:schemeClr val="tx1"/>
-                </a:solidFill>
-                <a:latin typeface="Times New Roman" panose="02020603050405020304" pitchFamily="18" charset="0"/>
-                <a:cs typeface="Times New Roman" panose="02020603050405020304" pitchFamily="18" charset="0"/>
-              </a:rPr>
-              <a:t>bufferreader</a:t>
-            </a:r>
-            <a:r>
-              <a:rPr lang="en-US" sz="1400" dirty="0">
-                <a:solidFill>
-                  <a:schemeClr val="tx1"/>
-                </a:solidFill>
-                <a:latin typeface="Times New Roman" panose="02020603050405020304" pitchFamily="18" charset="0"/>
-                <a:cs typeface="Times New Roman" panose="02020603050405020304" pitchFamily="18" charset="0"/>
-              </a:rPr>
-              <a:t> </a:t>
-            </a:r>
-            <a:r>
-              <a:rPr lang="ru-RU" sz="1400" dirty="0">
-                <a:solidFill>
-                  <a:schemeClr val="tx1"/>
-                </a:solidFill>
-                <a:latin typeface="Times New Roman" panose="02020603050405020304" pitchFamily="18" charset="0"/>
-                <a:cs typeface="Times New Roman" panose="02020603050405020304" pitchFamily="18" charset="0"/>
-              </a:rPr>
-              <a:t>упрощает работу программисту и освобождает от написания велосипедов</a:t>
-            </a:r>
-          </a:p>
-        </p:txBody>
-      </p:sp>
-    </p:spTree>
-    <p:extLst>
-      <p:ext uri="{BB962C8B-B14F-4D97-AF65-F5344CB8AC3E}">
-        <p14:creationId xmlns:p14="http://schemas.microsoft.com/office/powerpoint/2010/main" val="2772988837"/>
       </p:ext>
     </p:extLst>
   </p:cSld>
@@ -5640,7 +6038,7 @@
                 <a:latin typeface="Times New Roman" panose="02020603050405020304" pitchFamily="18" charset="0"/>
                 <a:cs typeface="Times New Roman" panose="02020603050405020304" pitchFamily="18" charset="0"/>
               </a:rPr>
-              <a:t>Подготовка рабочего пространства</a:t>
+              <a:t>1. Установка необходимого ПО</a:t>
             </a:r>
           </a:p>
         </p:txBody>
@@ -5681,17 +6079,74 @@
                 <a:latin typeface="Times New Roman" panose="02020603050405020304" pitchFamily="18" charset="0"/>
                 <a:cs typeface="Times New Roman" panose="02020603050405020304" pitchFamily="18" charset="0"/>
               </a:rPr>
-              <a:t>Навигация по папкам в командной строке</a:t>
-            </a:r>
+              <a:t>Скачивание</a:t>
+            </a:r>
+            <a:r>
+              <a:rPr lang="en-US" sz="1400" dirty="0">
+                <a:solidFill>
+                  <a:schemeClr val="tx1"/>
+                </a:solidFill>
+                <a:latin typeface="Times New Roman" panose="02020603050405020304" pitchFamily="18" charset="0"/>
+                <a:cs typeface="Times New Roman" panose="02020603050405020304" pitchFamily="18" charset="0"/>
+              </a:rPr>
+              <a:t> </a:t>
+            </a:r>
+            <a:r>
+              <a:rPr lang="ru-RU" sz="1400" dirty="0">
+                <a:solidFill>
+                  <a:schemeClr val="tx1"/>
+                </a:solidFill>
+                <a:latin typeface="Times New Roman" panose="02020603050405020304" pitchFamily="18" charset="0"/>
+                <a:cs typeface="Times New Roman" panose="02020603050405020304" pitchFamily="18" charset="0"/>
+              </a:rPr>
+              <a:t>и установка </a:t>
+            </a:r>
+            <a:r>
+              <a:rPr lang="en-US" sz="1400" dirty="0">
+                <a:solidFill>
+                  <a:schemeClr val="tx1"/>
+                </a:solidFill>
+                <a:latin typeface="Times New Roman" panose="02020603050405020304" pitchFamily="18" charset="0"/>
+                <a:cs typeface="Times New Roman" panose="02020603050405020304" pitchFamily="18" charset="0"/>
+              </a:rPr>
+              <a:t>IDE Eclipse</a:t>
+            </a:r>
+            <a:r>
+              <a:rPr lang="ru-RU" sz="1400" dirty="0">
+                <a:solidFill>
+                  <a:schemeClr val="tx1"/>
+                </a:solidFill>
+                <a:latin typeface="Times New Roman" panose="02020603050405020304" pitchFamily="18" charset="0"/>
+                <a:cs typeface="Times New Roman" panose="02020603050405020304" pitchFamily="18" charset="0"/>
+              </a:rPr>
+              <a:t> с сайта </a:t>
+            </a:r>
+            <a:r>
+              <a:rPr lang="en-US" sz="1400" dirty="0">
+                <a:solidFill>
+                  <a:schemeClr val="tx1"/>
+                </a:solidFill>
+                <a:latin typeface="Times New Roman" panose="02020603050405020304" pitchFamily="18" charset="0"/>
+                <a:cs typeface="Times New Roman" panose="02020603050405020304" pitchFamily="18" charset="0"/>
+              </a:rPr>
+              <a:t>https://www.eclipse.org</a:t>
+            </a:r>
+            <a:endParaRPr lang="ru-RU" sz="1400" dirty="0">
+              <a:solidFill>
+                <a:schemeClr val="tx1"/>
+              </a:solidFill>
+              <a:latin typeface="Times New Roman" panose="02020603050405020304" pitchFamily="18" charset="0"/>
+              <a:cs typeface="Times New Roman" panose="02020603050405020304" pitchFamily="18" charset="0"/>
+            </a:endParaRPr>
           </a:p>
         </p:txBody>
       </p:sp>
       <p:pic>
         <p:nvPicPr>
-          <p:cNvPr id="5" name="Рисунок 4">
-            <a:extLst>
-              <a:ext uri="{FF2B5EF4-FFF2-40B4-BE49-F238E27FC236}">
-                <a16:creationId xmlns:a16="http://schemas.microsoft.com/office/drawing/2014/main" id="{5DA65290-4D09-42E1-BABA-9BE4A63916DB}"/>
+          <p:cNvPr id="6" name="Рисунок 5">
+            <a:extLst>
+              <a:ext uri="{FF2B5EF4-FFF2-40B4-BE49-F238E27FC236}">
+                <a16:creationId xmlns:a16="http://schemas.microsoft.com/office/drawing/2014/main" id="{979291B0-740A-4389-8ED8-4A18BFC528C1}"/>
               </a:ext>
             </a:extLst>
           </p:cNvPr>
@@ -5714,8 +6169,188 @@
         </p:blipFill>
         <p:spPr>
           <a:xfrm>
-            <a:off x="866105" y="1082181"/>
-            <a:ext cx="10447090" cy="5522666"/>
+            <a:off x="524312" y="1166071"/>
+            <a:ext cx="3756293" cy="2046913"/>
+          </a:xfrm>
+          <a:prstGeom prst="rect">
+            <a:avLst/>
+          </a:prstGeom>
+        </p:spPr>
+      </p:pic>
+      <p:pic>
+        <p:nvPicPr>
+          <p:cNvPr id="8" name="Рисунок 7">
+            <a:extLst>
+              <a:ext uri="{FF2B5EF4-FFF2-40B4-BE49-F238E27FC236}">
+                <a16:creationId xmlns:a16="http://schemas.microsoft.com/office/drawing/2014/main" id="{3648C3E2-A418-4284-8D4E-C316AA8F3789}"/>
+              </a:ext>
+            </a:extLst>
+          </p:cNvPr>
+          <p:cNvPicPr>
+            <a:picLocks noChangeAspect="1"/>
+          </p:cNvPicPr>
+          <p:nvPr/>
+        </p:nvPicPr>
+        <p:blipFill>
+          <a:blip r:embed="rId3">
+            <a:extLst>
+              <a:ext uri="{28A0092B-C50C-407E-A947-70E740481C1C}">
+                <a14:useLocalDpi xmlns:a14="http://schemas.microsoft.com/office/drawing/2010/main" val="0"/>
+              </a:ext>
+            </a:extLst>
+          </a:blip>
+          <a:stretch>
+            <a:fillRect/>
+          </a:stretch>
+        </p:blipFill>
+        <p:spPr>
+          <a:xfrm>
+            <a:off x="4569405" y="1166071"/>
+            <a:ext cx="1982397" cy="2050435"/>
+          </a:xfrm>
+          <a:prstGeom prst="rect">
+            <a:avLst/>
+          </a:prstGeom>
+        </p:spPr>
+      </p:pic>
+      <p:pic>
+        <p:nvPicPr>
+          <p:cNvPr id="10" name="Рисунок 9">
+            <a:extLst>
+              <a:ext uri="{FF2B5EF4-FFF2-40B4-BE49-F238E27FC236}">
+                <a16:creationId xmlns:a16="http://schemas.microsoft.com/office/drawing/2014/main" id="{4E87792E-F4E2-4534-860C-2D2C451AD085}"/>
+              </a:ext>
+            </a:extLst>
+          </p:cNvPr>
+          <p:cNvPicPr>
+            <a:picLocks noChangeAspect="1"/>
+          </p:cNvPicPr>
+          <p:nvPr/>
+        </p:nvPicPr>
+        <p:blipFill>
+          <a:blip r:embed="rId4">
+            <a:extLst>
+              <a:ext uri="{28A0092B-C50C-407E-A947-70E740481C1C}">
+                <a14:useLocalDpi xmlns:a14="http://schemas.microsoft.com/office/drawing/2010/main" val="0"/>
+              </a:ext>
+            </a:extLst>
+          </a:blip>
+          <a:stretch>
+            <a:fillRect/>
+          </a:stretch>
+        </p:blipFill>
+        <p:spPr>
+          <a:xfrm>
+            <a:off x="7080626" y="1174569"/>
+            <a:ext cx="1982397" cy="2038415"/>
+          </a:xfrm>
+          <a:prstGeom prst="rect">
+            <a:avLst/>
+          </a:prstGeom>
+        </p:spPr>
+      </p:pic>
+      <p:pic>
+        <p:nvPicPr>
+          <p:cNvPr id="12" name="Рисунок 11">
+            <a:extLst>
+              <a:ext uri="{FF2B5EF4-FFF2-40B4-BE49-F238E27FC236}">
+                <a16:creationId xmlns:a16="http://schemas.microsoft.com/office/drawing/2014/main" id="{9F229975-D691-4F3D-A25F-C552C4D49379}"/>
+              </a:ext>
+            </a:extLst>
+          </p:cNvPr>
+          <p:cNvPicPr>
+            <a:picLocks noChangeAspect="1"/>
+          </p:cNvPicPr>
+          <p:nvPr/>
+        </p:nvPicPr>
+        <p:blipFill>
+          <a:blip r:embed="rId5">
+            <a:extLst>
+              <a:ext uri="{28A0092B-C50C-407E-A947-70E740481C1C}">
+                <a14:useLocalDpi xmlns:a14="http://schemas.microsoft.com/office/drawing/2010/main" val="0"/>
+              </a:ext>
+            </a:extLst>
+          </a:blip>
+          <a:stretch>
+            <a:fillRect/>
+          </a:stretch>
+        </p:blipFill>
+        <p:spPr>
+          <a:xfrm>
+            <a:off x="9660681" y="1166071"/>
+            <a:ext cx="2007007" cy="2038415"/>
+          </a:xfrm>
+          <a:prstGeom prst="rect">
+            <a:avLst/>
+          </a:prstGeom>
+        </p:spPr>
+      </p:pic>
+      <p:pic>
+        <p:nvPicPr>
+          <p:cNvPr id="14" name="Рисунок 13">
+            <a:extLst>
+              <a:ext uri="{FF2B5EF4-FFF2-40B4-BE49-F238E27FC236}">
+                <a16:creationId xmlns:a16="http://schemas.microsoft.com/office/drawing/2014/main" id="{F3865D43-0873-49AA-BEA3-56A598383636}"/>
+              </a:ext>
+            </a:extLst>
+          </p:cNvPr>
+          <p:cNvPicPr>
+            <a:picLocks noChangeAspect="1"/>
+          </p:cNvPicPr>
+          <p:nvPr/>
+        </p:nvPicPr>
+        <p:blipFill>
+          <a:blip r:embed="rId6">
+            <a:extLst>
+              <a:ext uri="{28A0092B-C50C-407E-A947-70E740481C1C}">
+                <a14:useLocalDpi xmlns:a14="http://schemas.microsoft.com/office/drawing/2010/main" val="0"/>
+              </a:ext>
+            </a:extLst>
+          </a:blip>
+          <a:stretch>
+            <a:fillRect/>
+          </a:stretch>
+        </p:blipFill>
+        <p:spPr>
+          <a:xfrm>
+            <a:off x="524311" y="3553200"/>
+            <a:ext cx="3760314" cy="1798975"/>
+          </a:xfrm>
+          <a:prstGeom prst="rect">
+            <a:avLst/>
+          </a:prstGeom>
+        </p:spPr>
+      </p:pic>
+      <p:pic>
+        <p:nvPicPr>
+          <p:cNvPr id="16" name="Рисунок 15">
+            <a:extLst>
+              <a:ext uri="{FF2B5EF4-FFF2-40B4-BE49-F238E27FC236}">
+                <a16:creationId xmlns:a16="http://schemas.microsoft.com/office/drawing/2014/main" id="{72697201-B7E1-4395-AE65-E2B182E62425}"/>
+              </a:ext>
+            </a:extLst>
+          </p:cNvPr>
+          <p:cNvPicPr>
+            <a:picLocks noChangeAspect="1"/>
+          </p:cNvPicPr>
+          <p:nvPr/>
+        </p:nvPicPr>
+        <p:blipFill>
+          <a:blip r:embed="rId7">
+            <a:extLst>
+              <a:ext uri="{28A0092B-C50C-407E-A947-70E740481C1C}">
+                <a14:useLocalDpi xmlns:a14="http://schemas.microsoft.com/office/drawing/2010/main" val="0"/>
+              </a:ext>
+            </a:extLst>
+          </a:blip>
+          <a:stretch>
+            <a:fillRect/>
+          </a:stretch>
+        </p:blipFill>
+        <p:spPr>
+          <a:xfrm>
+            <a:off x="5946497" y="3423954"/>
+            <a:ext cx="5844158" cy="3128630"/>
           </a:xfrm>
           <a:prstGeom prst="rect">
             <a:avLst/>
@@ -5786,19 +6421,22 @@
                 <a:latin typeface="Times New Roman" panose="02020603050405020304" pitchFamily="18" charset="0"/>
                 <a:cs typeface="Times New Roman" panose="02020603050405020304" pitchFamily="18" charset="0"/>
               </a:rPr>
-              <a:t>Задача №</a:t>
-            </a:r>
-            <a:r>
-              <a:rPr lang="en-US" sz="1400" dirty="0">
-                <a:latin typeface="Times New Roman" panose="02020603050405020304" pitchFamily="18" charset="0"/>
-                <a:cs typeface="Times New Roman" panose="02020603050405020304" pitchFamily="18" charset="0"/>
-              </a:rPr>
-              <a:t>1</a:t>
-            </a:r>
-            <a:endParaRPr lang="ru-RU" sz="1400" dirty="0">
-              <a:latin typeface="Times New Roman" panose="02020603050405020304" pitchFamily="18" charset="0"/>
-              <a:cs typeface="Times New Roman" panose="02020603050405020304" pitchFamily="18" charset="0"/>
-            </a:endParaRPr>
+              <a:t>2. Компиляция и запуск </a:t>
+            </a:r>
+            <a:r>
+              <a:rPr lang="ru-RU" sz="1400" dirty="0" err="1">
+                <a:latin typeface="Times New Roman" panose="02020603050405020304" pitchFamily="18" charset="0"/>
+                <a:cs typeface="Times New Roman" panose="02020603050405020304" pitchFamily="18" charset="0"/>
+              </a:rPr>
+              <a:t>java</a:t>
+            </a:r>
+            <a:r>
+              <a:rPr lang="ru-RU" sz="1400" dirty="0">
+                <a:latin typeface="Times New Roman" panose="02020603050405020304" pitchFamily="18" charset="0"/>
+                <a:cs typeface="Times New Roman" panose="02020603050405020304" pitchFamily="18" charset="0"/>
+              </a:rPr>
+              <a:t> программы из IDE Eclipse;</a:t>
+            </a:r>
           </a:p>
         </p:txBody>
       </p:sp>
@@ -5826,7 +6464,7 @@
         </p:spPr>
         <p:txBody>
           <a:bodyPr>
-            <a:normAutofit fontScale="92500" lnSpcReduction="20000"/>
+            <a:normAutofit/>
           </a:bodyPr>
           <a:lstStyle/>
           <a:p>
@@ -5838,18 +6476,10 @@
                 <a:latin typeface="Times New Roman" panose="02020603050405020304" pitchFamily="18" charset="0"/>
                 <a:cs typeface="Times New Roman" panose="02020603050405020304" pitchFamily="18" charset="0"/>
               </a:rPr>
-              <a:t>Компиляция в командной строке используя </a:t>
-            </a:r>
-            <a:r>
-              <a:rPr lang="en-US" sz="1400" dirty="0" err="1">
-                <a:solidFill>
-                  <a:schemeClr val="tx1"/>
-                </a:solidFill>
-                <a:latin typeface="Times New Roman" panose="02020603050405020304" pitchFamily="18" charset="0"/>
-                <a:cs typeface="Times New Roman" panose="02020603050405020304" pitchFamily="18" charset="0"/>
-              </a:rPr>
-              <a:t>javac</a:t>
-            </a:r>
+              <a:t>Создание нового проекта</a:t>
+            </a:r>
+          </a:p>
+          <a:p>
             <a:endParaRPr lang="ru-RU" sz="1400" dirty="0">
               <a:solidFill>
                 <a:schemeClr val="tx1"/>
@@ -5858,52 +6488,14 @@
               <a:cs typeface="Times New Roman" panose="02020603050405020304" pitchFamily="18" charset="0"/>
             </a:endParaRPr>
           </a:p>
-          <a:p>
-            <a:r>
-              <a:rPr lang="ru-RU" sz="1400" dirty="0">
-                <a:solidFill>
-                  <a:schemeClr val="tx1"/>
-                </a:solidFill>
-                <a:latin typeface="Times New Roman" panose="02020603050405020304" pitchFamily="18" charset="0"/>
-                <a:cs typeface="Times New Roman" panose="02020603050405020304" pitchFamily="18" charset="0"/>
-              </a:rPr>
-              <a:t>Исходный код: </a:t>
-            </a:r>
-            <a:r>
-              <a:rPr lang="en-US" sz="1400" dirty="0">
-                <a:solidFill>
-                  <a:schemeClr val="tx1"/>
-                </a:solidFill>
-                <a:latin typeface="Times New Roman" panose="02020603050405020304" pitchFamily="18" charset="0"/>
-                <a:cs typeface="Times New Roman" panose="02020603050405020304" pitchFamily="18" charset="0"/>
-              </a:rPr>
-              <a:t>https://github.com/Vladnwx/Learn2023-2024/blob/master/src/lr1/Example1.java</a:t>
-            </a:r>
-            <a:endParaRPr lang="ru-RU" sz="1400" dirty="0">
-              <a:solidFill>
-                <a:schemeClr val="tx1"/>
-              </a:solidFill>
-              <a:latin typeface="Times New Roman" panose="02020603050405020304" pitchFamily="18" charset="0"/>
-              <a:cs typeface="Times New Roman" panose="02020603050405020304" pitchFamily="18" charset="0"/>
-            </a:endParaRPr>
-          </a:p>
-          <a:p>
-            <a:endParaRPr lang="ru-RU" sz="1400" dirty="0">
-              <a:solidFill>
-                <a:schemeClr val="tx1"/>
-              </a:solidFill>
-              <a:latin typeface="Times New Roman" panose="02020603050405020304" pitchFamily="18" charset="0"/>
-              <a:cs typeface="Times New Roman" panose="02020603050405020304" pitchFamily="18" charset="0"/>
-            </a:endParaRPr>
-          </a:p>
         </p:txBody>
       </p:sp>
       <p:pic>
         <p:nvPicPr>
-          <p:cNvPr id="6" name="Рисунок 5">
-            <a:extLst>
-              <a:ext uri="{FF2B5EF4-FFF2-40B4-BE49-F238E27FC236}">
-                <a16:creationId xmlns:a16="http://schemas.microsoft.com/office/drawing/2014/main" id="{F91962FE-B7A9-46E1-B217-030995E80FC9}"/>
+          <p:cNvPr id="5" name="Рисунок 4">
+            <a:extLst>
+              <a:ext uri="{FF2B5EF4-FFF2-40B4-BE49-F238E27FC236}">
+                <a16:creationId xmlns:a16="http://schemas.microsoft.com/office/drawing/2014/main" id="{2A66A72F-3323-407B-A741-1ABA85C0EA34}"/>
               </a:ext>
             </a:extLst>
           </p:cNvPr>
@@ -5926,8 +6518,116 @@
         </p:blipFill>
         <p:spPr>
           <a:xfrm>
-            <a:off x="934224" y="1233181"/>
-            <a:ext cx="10323552" cy="5322485"/>
+            <a:off x="243281" y="885504"/>
+            <a:ext cx="4982736" cy="2658488"/>
+          </a:xfrm>
+          <a:prstGeom prst="rect">
+            <a:avLst/>
+          </a:prstGeom>
+        </p:spPr>
+      </p:pic>
+      <p:pic>
+        <p:nvPicPr>
+          <p:cNvPr id="8" name="Рисунок 7">
+            <a:extLst>
+              <a:ext uri="{FF2B5EF4-FFF2-40B4-BE49-F238E27FC236}">
+                <a16:creationId xmlns:a16="http://schemas.microsoft.com/office/drawing/2014/main" id="{90312853-46FC-4DE2-A16F-19B2F5E78803}"/>
+              </a:ext>
+            </a:extLst>
+          </p:cNvPr>
+          <p:cNvPicPr>
+            <a:picLocks noChangeAspect="1"/>
+          </p:cNvPicPr>
+          <p:nvPr/>
+        </p:nvPicPr>
+        <p:blipFill>
+          <a:blip r:embed="rId3">
+            <a:extLst>
+              <a:ext uri="{28A0092B-C50C-407E-A947-70E740481C1C}">
+                <a14:useLocalDpi xmlns:a14="http://schemas.microsoft.com/office/drawing/2010/main" val="0"/>
+              </a:ext>
+            </a:extLst>
+          </a:blip>
+          <a:stretch>
+            <a:fillRect/>
+          </a:stretch>
+        </p:blipFill>
+        <p:spPr>
+          <a:xfrm>
+            <a:off x="6473994" y="885504"/>
+            <a:ext cx="4977207" cy="2658488"/>
+          </a:xfrm>
+          <a:prstGeom prst="rect">
+            <a:avLst/>
+          </a:prstGeom>
+        </p:spPr>
+      </p:pic>
+      <p:pic>
+        <p:nvPicPr>
+          <p:cNvPr id="10" name="Рисунок 9">
+            <a:extLst>
+              <a:ext uri="{FF2B5EF4-FFF2-40B4-BE49-F238E27FC236}">
+                <a16:creationId xmlns:a16="http://schemas.microsoft.com/office/drawing/2014/main" id="{0BABA05E-5790-4555-A7A0-E1E3024852B6}"/>
+              </a:ext>
+            </a:extLst>
+          </p:cNvPr>
+          <p:cNvPicPr>
+            <a:picLocks noChangeAspect="1"/>
+          </p:cNvPicPr>
+          <p:nvPr/>
+        </p:nvPicPr>
+        <p:blipFill>
+          <a:blip r:embed="rId4">
+            <a:extLst>
+              <a:ext uri="{28A0092B-C50C-407E-A947-70E740481C1C}">
+                <a14:useLocalDpi xmlns:a14="http://schemas.microsoft.com/office/drawing/2010/main" val="0"/>
+              </a:ext>
+            </a:extLst>
+          </a:blip>
+          <a:stretch>
+            <a:fillRect/>
+          </a:stretch>
+        </p:blipFill>
+        <p:spPr>
+          <a:xfrm>
+            <a:off x="243282" y="3845454"/>
+            <a:ext cx="5258144" cy="2836377"/>
+          </a:xfrm>
+          <a:prstGeom prst="rect">
+            <a:avLst/>
+          </a:prstGeom>
+        </p:spPr>
+      </p:pic>
+      <p:pic>
+        <p:nvPicPr>
+          <p:cNvPr id="12" name="Рисунок 11">
+            <a:extLst>
+              <a:ext uri="{FF2B5EF4-FFF2-40B4-BE49-F238E27FC236}">
+                <a16:creationId xmlns:a16="http://schemas.microsoft.com/office/drawing/2014/main" id="{07AD2AB2-5141-4E20-A0A5-26FB379DA14F}"/>
+              </a:ext>
+            </a:extLst>
+          </p:cNvPr>
+          <p:cNvPicPr>
+            <a:picLocks noChangeAspect="1"/>
+          </p:cNvPicPr>
+          <p:nvPr/>
+        </p:nvPicPr>
+        <p:blipFill>
+          <a:blip r:embed="rId5">
+            <a:extLst>
+              <a:ext uri="{28A0092B-C50C-407E-A947-70E740481C1C}">
+                <a14:useLocalDpi xmlns:a14="http://schemas.microsoft.com/office/drawing/2010/main" val="0"/>
+              </a:ext>
+            </a:extLst>
+          </a:blip>
+          <a:stretch>
+            <a:fillRect/>
+          </a:stretch>
+        </p:blipFill>
+        <p:spPr>
+          <a:xfrm>
+            <a:off x="6473994" y="3987461"/>
+            <a:ext cx="4977208" cy="2694370"/>
           </a:xfrm>
           <a:prstGeom prst="rect">
             <a:avLst/>
@@ -5998,7 +6698,21 @@
                 <a:latin typeface="Times New Roman" panose="02020603050405020304" pitchFamily="18" charset="0"/>
                 <a:cs typeface="Times New Roman" panose="02020603050405020304" pitchFamily="18" charset="0"/>
               </a:rPr>
-              <a:t>Задача №2</a:t>
+              <a:t>2. Компиляция и запуск </a:t>
+            </a:r>
+            <a:r>
+              <a:rPr lang="ru-RU" sz="1400" dirty="0" err="1">
+                <a:latin typeface="Times New Roman" panose="02020603050405020304" pitchFamily="18" charset="0"/>
+                <a:cs typeface="Times New Roman" panose="02020603050405020304" pitchFamily="18" charset="0"/>
+              </a:rPr>
+              <a:t>java</a:t>
+            </a:r>
+            <a:r>
+              <a:rPr lang="ru-RU" sz="1400" dirty="0">
+                <a:latin typeface="Times New Roman" panose="02020603050405020304" pitchFamily="18" charset="0"/>
+                <a:cs typeface="Times New Roman" panose="02020603050405020304" pitchFamily="18" charset="0"/>
+              </a:rPr>
+              <a:t> программы из IDE Eclipse;</a:t>
             </a:r>
           </a:p>
         </p:txBody>
@@ -6027,7 +6741,7 @@
         </p:spPr>
         <p:txBody>
           <a:bodyPr>
-            <a:normAutofit fontScale="92500" lnSpcReduction="20000"/>
+            <a:normAutofit/>
           </a:bodyPr>
           <a:lstStyle/>
           <a:p>
@@ -6039,17 +6753,17 @@
                 <a:latin typeface="Times New Roman" panose="02020603050405020304" pitchFamily="18" charset="0"/>
                 <a:cs typeface="Times New Roman" panose="02020603050405020304" pitchFamily="18" charset="0"/>
               </a:rPr>
-              <a:t>Компиляция в командной строке используя </a:t>
-            </a:r>
-            <a:r>
-              <a:rPr lang="en-US" sz="1400" dirty="0" err="1">
-                <a:solidFill>
-                  <a:schemeClr val="tx1"/>
-                </a:solidFill>
-                <a:latin typeface="Times New Roman" panose="02020603050405020304" pitchFamily="18" charset="0"/>
-                <a:cs typeface="Times New Roman" panose="02020603050405020304" pitchFamily="18" charset="0"/>
-              </a:rPr>
-              <a:t>javac</a:t>
+              <a:t>Компиляция в </a:t>
+            </a:r>
+            <a:r>
+              <a:rPr lang="en-US" sz="1400" dirty="0">
+                <a:solidFill>
+                  <a:schemeClr val="tx1"/>
+                </a:solidFill>
+                <a:latin typeface="Times New Roman" panose="02020603050405020304" pitchFamily="18" charset="0"/>
+                <a:cs typeface="Times New Roman" panose="02020603050405020304" pitchFamily="18" charset="0"/>
+              </a:rPr>
+              <a:t>IDE Eclipse</a:t>
             </a:r>
             <a:endParaRPr lang="ru-RU" sz="1400" dirty="0">
               <a:solidFill>
@@ -6059,72 +6773,14 @@
               <a:cs typeface="Times New Roman" panose="02020603050405020304" pitchFamily="18" charset="0"/>
             </a:endParaRPr>
           </a:p>
-          <a:p>
-            <a:r>
-              <a:rPr lang="ru-RU" sz="1400" dirty="0">
-                <a:solidFill>
-                  <a:schemeClr val="tx1"/>
-                </a:solidFill>
-                <a:latin typeface="Times New Roman" panose="02020603050405020304" pitchFamily="18" charset="0"/>
-                <a:cs typeface="Times New Roman" panose="02020603050405020304" pitchFamily="18" charset="0"/>
-              </a:rPr>
-              <a:t>Исходный код: </a:t>
-            </a:r>
-            <a:r>
-              <a:rPr lang="en-US" sz="1400" dirty="0">
-                <a:solidFill>
-                  <a:schemeClr val="tx1"/>
-                </a:solidFill>
-                <a:latin typeface="Times New Roman" panose="02020603050405020304" pitchFamily="18" charset="0"/>
-                <a:cs typeface="Times New Roman" panose="02020603050405020304" pitchFamily="18" charset="0"/>
-              </a:rPr>
-              <a:t>https://github.com/Vladnwx/Learn2023-2024/blob/master/src/lr1/Example</a:t>
-            </a:r>
-            <a:r>
-              <a:rPr lang="ru-RU" sz="1400" dirty="0">
-                <a:solidFill>
-                  <a:schemeClr val="tx1"/>
-                </a:solidFill>
-                <a:latin typeface="Times New Roman" panose="02020603050405020304" pitchFamily="18" charset="0"/>
-                <a:cs typeface="Times New Roman" panose="02020603050405020304" pitchFamily="18" charset="0"/>
-              </a:rPr>
-              <a:t>2</a:t>
-            </a:r>
-            <a:r>
-              <a:rPr lang="en-US" sz="1400" dirty="0">
-                <a:solidFill>
-                  <a:schemeClr val="tx1"/>
-                </a:solidFill>
-                <a:latin typeface="Times New Roman" panose="02020603050405020304" pitchFamily="18" charset="0"/>
-                <a:cs typeface="Times New Roman" panose="02020603050405020304" pitchFamily="18" charset="0"/>
-              </a:rPr>
-              <a:t>.java</a:t>
-            </a:r>
-            <a:endParaRPr lang="ru-RU" sz="1400" dirty="0">
-              <a:solidFill>
-                <a:schemeClr val="tx1"/>
-              </a:solidFill>
-              <a:latin typeface="Times New Roman" panose="02020603050405020304" pitchFamily="18" charset="0"/>
-              <a:cs typeface="Times New Roman" panose="02020603050405020304" pitchFamily="18" charset="0"/>
-            </a:endParaRPr>
-          </a:p>
-          <a:p>
-            <a:endParaRPr lang="ru-RU" sz="1400" dirty="0">
-              <a:solidFill>
-                <a:schemeClr val="tx1"/>
-              </a:solidFill>
-              <a:latin typeface="Times New Roman" panose="02020603050405020304" pitchFamily="18" charset="0"/>
-              <a:cs typeface="Times New Roman" panose="02020603050405020304" pitchFamily="18" charset="0"/>
-            </a:endParaRPr>
-          </a:p>
         </p:txBody>
       </p:sp>
       <p:pic>
         <p:nvPicPr>
-          <p:cNvPr id="5" name="Рисунок 4">
-            <a:extLst>
-              <a:ext uri="{FF2B5EF4-FFF2-40B4-BE49-F238E27FC236}">
-                <a16:creationId xmlns:a16="http://schemas.microsoft.com/office/drawing/2014/main" id="{1705A067-96C5-42A7-9E72-6D9E8A1D97F8}"/>
+          <p:cNvPr id="6" name="Рисунок 5">
+            <a:extLst>
+              <a:ext uri="{FF2B5EF4-FFF2-40B4-BE49-F238E27FC236}">
+                <a16:creationId xmlns:a16="http://schemas.microsoft.com/office/drawing/2014/main" id="{1ACA4AE5-8A5C-4435-B4B2-80A48B1E84EF}"/>
               </a:ext>
             </a:extLst>
           </p:cNvPr>
@@ -6147,8 +6803,44 @@
         </p:blipFill>
         <p:spPr>
           <a:xfrm>
-            <a:off x="1270661" y="1375794"/>
-            <a:ext cx="9650678" cy="5482206"/>
+            <a:off x="82611" y="1194157"/>
+            <a:ext cx="5794454" cy="3131242"/>
+          </a:xfrm>
+          <a:prstGeom prst="rect">
+            <a:avLst/>
+          </a:prstGeom>
+        </p:spPr>
+      </p:pic>
+      <p:pic>
+        <p:nvPicPr>
+          <p:cNvPr id="8" name="Рисунок 7">
+            <a:extLst>
+              <a:ext uri="{FF2B5EF4-FFF2-40B4-BE49-F238E27FC236}">
+                <a16:creationId xmlns:a16="http://schemas.microsoft.com/office/drawing/2014/main" id="{D92A495D-1C32-49D8-80DA-8BCFFE19E62B}"/>
+              </a:ext>
+            </a:extLst>
+          </p:cNvPr>
+          <p:cNvPicPr>
+            <a:picLocks noChangeAspect="1"/>
+          </p:cNvPicPr>
+          <p:nvPr/>
+        </p:nvPicPr>
+        <p:blipFill>
+          <a:blip r:embed="rId3">
+            <a:extLst>
+              <a:ext uri="{28A0092B-C50C-407E-A947-70E740481C1C}">
+                <a14:useLocalDpi xmlns:a14="http://schemas.microsoft.com/office/drawing/2010/main" val="0"/>
+              </a:ext>
+            </a:extLst>
+          </a:blip>
+          <a:stretch>
+            <a:fillRect/>
+          </a:stretch>
+        </p:blipFill>
+        <p:spPr>
+          <a:xfrm>
+            <a:off x="6096000" y="1197886"/>
+            <a:ext cx="5794454" cy="3123784"/>
           </a:xfrm>
           <a:prstGeom prst="rect">
             <a:avLst/>
@@ -6219,7 +6911,7 @@
                 <a:latin typeface="Times New Roman" panose="02020603050405020304" pitchFamily="18" charset="0"/>
                 <a:cs typeface="Times New Roman" panose="02020603050405020304" pitchFamily="18" charset="0"/>
               </a:rPr>
-              <a:t>Задача №3</a:t>
+              <a:t>Задача №1</a:t>
             </a:r>
           </a:p>
         </p:txBody>
@@ -6260,17 +6952,69 @@
                 <a:latin typeface="Times New Roman" panose="02020603050405020304" pitchFamily="18" charset="0"/>
                 <a:cs typeface="Times New Roman" panose="02020603050405020304" pitchFamily="18" charset="0"/>
               </a:rPr>
-              <a:t>Компиляция в командной строке используя </a:t>
-            </a:r>
-            <a:r>
-              <a:rPr lang="en-US" sz="1400" dirty="0" err="1">
-                <a:solidFill>
-                  <a:schemeClr val="tx1"/>
-                </a:solidFill>
-                <a:latin typeface="Times New Roman" panose="02020603050405020304" pitchFamily="18" charset="0"/>
-                <a:cs typeface="Times New Roman" panose="02020603050405020304" pitchFamily="18" charset="0"/>
-              </a:rPr>
-              <a:t>javac</a:t>
+              <a:t>Напишите программу, которая проверяет, делится ли введенное Пользователем число на 3.</a:t>
+            </a:r>
+          </a:p>
+          <a:p>
+            <a:r>
+              <a:rPr lang="ru-RU" sz="1400" dirty="0">
+                <a:solidFill>
+                  <a:schemeClr val="tx1"/>
+                </a:solidFill>
+                <a:latin typeface="Times New Roman" panose="02020603050405020304" pitchFamily="18" charset="0"/>
+                <a:cs typeface="Times New Roman" panose="02020603050405020304" pitchFamily="18" charset="0"/>
+              </a:rPr>
+              <a:t>Исходный код: </a:t>
+            </a:r>
+            <a:r>
+              <a:rPr lang="en-US" sz="1400" dirty="0">
+                <a:solidFill>
+                  <a:schemeClr val="tx1"/>
+                </a:solidFill>
+                <a:latin typeface="Times New Roman" panose="02020603050405020304" pitchFamily="18" charset="0"/>
+                <a:cs typeface="Times New Roman" panose="02020603050405020304" pitchFamily="18" charset="0"/>
+              </a:rPr>
+              <a:t>https://github.com/Vladnwx/Learn2023-2024/blob/master/src/lr</a:t>
+            </a:r>
+            <a:r>
+              <a:rPr lang="ru-RU" sz="1400" dirty="0">
+                <a:solidFill>
+                  <a:schemeClr val="tx1"/>
+                </a:solidFill>
+                <a:latin typeface="Times New Roman" panose="02020603050405020304" pitchFamily="18" charset="0"/>
+                <a:cs typeface="Times New Roman" panose="02020603050405020304" pitchFamily="18" charset="0"/>
+              </a:rPr>
+              <a:t>2</a:t>
+            </a:r>
+            <a:r>
+              <a:rPr lang="en-US" sz="1400" dirty="0">
+                <a:solidFill>
+                  <a:schemeClr val="tx1"/>
+                </a:solidFill>
+                <a:latin typeface="Times New Roman" panose="02020603050405020304" pitchFamily="18" charset="0"/>
+                <a:cs typeface="Times New Roman" panose="02020603050405020304" pitchFamily="18" charset="0"/>
+              </a:rPr>
+              <a:t>/Example</a:t>
+            </a:r>
+            <a:r>
+              <a:rPr lang="ru-RU" sz="1400" dirty="0">
+                <a:solidFill>
+                  <a:schemeClr val="tx1"/>
+                </a:solidFill>
+                <a:latin typeface="Times New Roman" panose="02020603050405020304" pitchFamily="18" charset="0"/>
+                <a:cs typeface="Times New Roman" panose="02020603050405020304" pitchFamily="18" charset="0"/>
+              </a:rPr>
+              <a:t>1</a:t>
+            </a:r>
+            <a:r>
+              <a:rPr lang="en-US" sz="1400" dirty="0">
+                <a:solidFill>
+                  <a:schemeClr val="tx1"/>
+                </a:solidFill>
+                <a:latin typeface="Times New Roman" panose="02020603050405020304" pitchFamily="18" charset="0"/>
+                <a:cs typeface="Times New Roman" panose="02020603050405020304" pitchFamily="18" charset="0"/>
+              </a:rPr>
+              <a:t>.java</a:t>
             </a:r>
             <a:endParaRPr lang="ru-RU" sz="1400" dirty="0">
               <a:solidFill>
@@ -6281,46 +7025,6 @@
             </a:endParaRPr>
           </a:p>
           <a:p>
-            <a:r>
-              <a:rPr lang="ru-RU" sz="1400" dirty="0">
-                <a:solidFill>
-                  <a:schemeClr val="tx1"/>
-                </a:solidFill>
-                <a:latin typeface="Times New Roman" panose="02020603050405020304" pitchFamily="18" charset="0"/>
-                <a:cs typeface="Times New Roman" panose="02020603050405020304" pitchFamily="18" charset="0"/>
-              </a:rPr>
-              <a:t>Исходный код: </a:t>
-            </a:r>
-            <a:r>
-              <a:rPr lang="en-US" sz="1400" dirty="0">
-                <a:solidFill>
-                  <a:schemeClr val="tx1"/>
-                </a:solidFill>
-                <a:latin typeface="Times New Roman" panose="02020603050405020304" pitchFamily="18" charset="0"/>
-                <a:cs typeface="Times New Roman" panose="02020603050405020304" pitchFamily="18" charset="0"/>
-              </a:rPr>
-              <a:t>https://github.com/Vladnwx/Learn2023-2024/blob/master/src/lr1/Example</a:t>
-            </a:r>
-            <a:r>
-              <a:rPr lang="ru-RU" sz="1400" dirty="0">
-                <a:solidFill>
-                  <a:schemeClr val="tx1"/>
-                </a:solidFill>
-                <a:latin typeface="Times New Roman" panose="02020603050405020304" pitchFamily="18" charset="0"/>
-                <a:cs typeface="Times New Roman" panose="02020603050405020304" pitchFamily="18" charset="0"/>
-              </a:rPr>
-              <a:t>3</a:t>
-            </a:r>
-            <a:r>
-              <a:rPr lang="en-US" sz="1400" dirty="0">
-                <a:solidFill>
-                  <a:schemeClr val="tx1"/>
-                </a:solidFill>
-                <a:latin typeface="Times New Roman" panose="02020603050405020304" pitchFamily="18" charset="0"/>
-                <a:cs typeface="Times New Roman" panose="02020603050405020304" pitchFamily="18" charset="0"/>
-              </a:rPr>
-              <a:t>.java</a:t>
-            </a:r>
             <a:endParaRPr lang="ru-RU" sz="1400" dirty="0">
               <a:solidFill>
                 <a:schemeClr val="tx1"/>
@@ -6329,53 +7033,8 @@
               <a:cs typeface="Times New Roman" panose="02020603050405020304" pitchFamily="18" charset="0"/>
             </a:endParaRPr>
           </a:p>
-          <a:p>
-            <a:endParaRPr lang="ru-RU" sz="1400" dirty="0">
-              <a:solidFill>
-                <a:schemeClr val="tx1"/>
-              </a:solidFill>
-              <a:latin typeface="Times New Roman" panose="02020603050405020304" pitchFamily="18" charset="0"/>
-              <a:cs typeface="Times New Roman" panose="02020603050405020304" pitchFamily="18" charset="0"/>
-            </a:endParaRPr>
-          </a:p>
-        </p:txBody>
-      </p:sp>
-      <p:pic>
-        <p:nvPicPr>
-          <p:cNvPr id="6" name="Рисунок 5">
-            <a:extLst>
-              <a:ext uri="{FF2B5EF4-FFF2-40B4-BE49-F238E27FC236}">
-                <a16:creationId xmlns:a16="http://schemas.microsoft.com/office/drawing/2014/main" id="{1E50103F-FD09-4D0B-89C6-4DB41EE49A04}"/>
-              </a:ext>
-            </a:extLst>
-          </p:cNvPr>
-          <p:cNvPicPr>
-            <a:picLocks noChangeAspect="1"/>
-          </p:cNvPicPr>
-          <p:nvPr/>
-        </p:nvPicPr>
-        <p:blipFill>
-          <a:blip r:embed="rId2">
-            <a:extLst>
-              <a:ext uri="{28A0092B-C50C-407E-A947-70E740481C1C}">
-                <a14:useLocalDpi xmlns:a14="http://schemas.microsoft.com/office/drawing/2010/main" val="0"/>
-              </a:ext>
-            </a:extLst>
-          </a:blip>
-          <a:stretch>
-            <a:fillRect/>
-          </a:stretch>
-        </p:blipFill>
-        <p:spPr>
-          <a:xfrm>
-            <a:off x="985859" y="1267874"/>
-            <a:ext cx="10220281" cy="5413957"/>
-          </a:xfrm>
-          <a:prstGeom prst="rect">
-            <a:avLst/>
-          </a:prstGeom>
-        </p:spPr>
-      </p:pic>
+        </p:txBody>
+      </p:sp>
     </p:spTree>
     <p:extLst>
       <p:ext uri="{BB962C8B-B14F-4D97-AF65-F5344CB8AC3E}">
@@ -6440,7 +7099,7 @@
                 <a:latin typeface="Times New Roman" panose="02020603050405020304" pitchFamily="18" charset="0"/>
                 <a:cs typeface="Times New Roman" panose="02020603050405020304" pitchFamily="18" charset="0"/>
               </a:rPr>
-              <a:t>Задача №4</a:t>
+              <a:t>Задача №2</a:t>
             </a:r>
           </a:p>
         </p:txBody>
@@ -6464,12 +7123,12 @@
         <p:spPr>
           <a:xfrm>
             <a:off x="831850" y="629175"/>
-            <a:ext cx="10515600" cy="520117"/>
+            <a:ext cx="10515600" cy="1300293"/>
           </a:xfrm>
         </p:spPr>
         <p:txBody>
           <a:bodyPr>
-            <a:normAutofit fontScale="92500" lnSpcReduction="20000"/>
+            <a:normAutofit/>
           </a:bodyPr>
           <a:lstStyle/>
           <a:p>
@@ -6481,17 +7140,69 @@
                 <a:latin typeface="Times New Roman" panose="02020603050405020304" pitchFamily="18" charset="0"/>
                 <a:cs typeface="Times New Roman" panose="02020603050405020304" pitchFamily="18" charset="0"/>
               </a:rPr>
-              <a:t>Компиляция в командной строке используя </a:t>
-            </a:r>
-            <a:r>
-              <a:rPr lang="en-US" sz="1400" dirty="0" err="1">
-                <a:solidFill>
-                  <a:schemeClr val="tx1"/>
-                </a:solidFill>
-                <a:latin typeface="Times New Roman" panose="02020603050405020304" pitchFamily="18" charset="0"/>
-                <a:cs typeface="Times New Roman" panose="02020603050405020304" pitchFamily="18" charset="0"/>
-              </a:rPr>
-              <a:t>javac</a:t>
+              <a:t>Напишите программу, которая проверяет, удовлетворяет ли введенное пользователем число следующим критериям: при делении на 5 в остатке получается 2, а при делении на 7 в остатке получается 1. </a:t>
+            </a:r>
+          </a:p>
+          <a:p>
+            <a:r>
+              <a:rPr lang="ru-RU" sz="1400" dirty="0">
+                <a:solidFill>
+                  <a:schemeClr val="tx1"/>
+                </a:solidFill>
+                <a:latin typeface="Times New Roman" panose="02020603050405020304" pitchFamily="18" charset="0"/>
+                <a:cs typeface="Times New Roman" panose="02020603050405020304" pitchFamily="18" charset="0"/>
+              </a:rPr>
+              <a:t>Исходный код: </a:t>
+            </a:r>
+            <a:r>
+              <a:rPr lang="en-US" sz="1400" dirty="0">
+                <a:solidFill>
+                  <a:schemeClr val="tx1"/>
+                </a:solidFill>
+                <a:latin typeface="Times New Roman" panose="02020603050405020304" pitchFamily="18" charset="0"/>
+                <a:cs typeface="Times New Roman" panose="02020603050405020304" pitchFamily="18" charset="0"/>
+              </a:rPr>
+              <a:t>https://github.com/Vladnwx/Learn2023-2024/blob/master/src/lr</a:t>
+            </a:r>
+            <a:r>
+              <a:rPr lang="ru-RU" sz="1400" dirty="0">
+                <a:solidFill>
+                  <a:schemeClr val="tx1"/>
+                </a:solidFill>
+                <a:latin typeface="Times New Roman" panose="02020603050405020304" pitchFamily="18" charset="0"/>
+                <a:cs typeface="Times New Roman" panose="02020603050405020304" pitchFamily="18" charset="0"/>
+              </a:rPr>
+              <a:t>2</a:t>
+            </a:r>
+            <a:r>
+              <a:rPr lang="en-US" sz="1400" dirty="0">
+                <a:solidFill>
+                  <a:schemeClr val="tx1"/>
+                </a:solidFill>
+                <a:latin typeface="Times New Roman" panose="02020603050405020304" pitchFamily="18" charset="0"/>
+                <a:cs typeface="Times New Roman" panose="02020603050405020304" pitchFamily="18" charset="0"/>
+              </a:rPr>
+              <a:t>/Example</a:t>
+            </a:r>
+            <a:r>
+              <a:rPr lang="ru-RU" sz="1400" dirty="0">
+                <a:solidFill>
+                  <a:schemeClr val="tx1"/>
+                </a:solidFill>
+                <a:latin typeface="Times New Roman" panose="02020603050405020304" pitchFamily="18" charset="0"/>
+                <a:cs typeface="Times New Roman" panose="02020603050405020304" pitchFamily="18" charset="0"/>
+              </a:rPr>
+              <a:t>2</a:t>
+            </a:r>
+            <a:r>
+              <a:rPr lang="en-US" sz="1400" dirty="0">
+                <a:solidFill>
+                  <a:schemeClr val="tx1"/>
+                </a:solidFill>
+                <a:latin typeface="Times New Roman" panose="02020603050405020304" pitchFamily="18" charset="0"/>
+                <a:cs typeface="Times New Roman" panose="02020603050405020304" pitchFamily="18" charset="0"/>
+              </a:rPr>
+              <a:t>.java</a:t>
             </a:r>
             <a:endParaRPr lang="ru-RU" sz="1400" dirty="0">
               <a:solidFill>
@@ -6502,46 +7213,6 @@
             </a:endParaRPr>
           </a:p>
           <a:p>
-            <a:r>
-              <a:rPr lang="ru-RU" sz="1400" dirty="0">
-                <a:solidFill>
-                  <a:schemeClr val="tx1"/>
-                </a:solidFill>
-                <a:latin typeface="Times New Roman" panose="02020603050405020304" pitchFamily="18" charset="0"/>
-                <a:cs typeface="Times New Roman" panose="02020603050405020304" pitchFamily="18" charset="0"/>
-              </a:rPr>
-              <a:t>Исходный код: </a:t>
-            </a:r>
-            <a:r>
-              <a:rPr lang="en-US" sz="1400" dirty="0">
-                <a:solidFill>
-                  <a:schemeClr val="tx1"/>
-                </a:solidFill>
-                <a:latin typeface="Times New Roman" panose="02020603050405020304" pitchFamily="18" charset="0"/>
-                <a:cs typeface="Times New Roman" panose="02020603050405020304" pitchFamily="18" charset="0"/>
-              </a:rPr>
-              <a:t>https://github.com/Vladnwx/Learn2023-2024/blob/master/src/lr1/Example</a:t>
-            </a:r>
-            <a:r>
-              <a:rPr lang="ru-RU" sz="1400" dirty="0">
-                <a:solidFill>
-                  <a:schemeClr val="tx1"/>
-                </a:solidFill>
-                <a:latin typeface="Times New Roman" panose="02020603050405020304" pitchFamily="18" charset="0"/>
-                <a:cs typeface="Times New Roman" panose="02020603050405020304" pitchFamily="18" charset="0"/>
-              </a:rPr>
-              <a:t>4</a:t>
-            </a:r>
-            <a:r>
-              <a:rPr lang="en-US" sz="1400" dirty="0">
-                <a:solidFill>
-                  <a:schemeClr val="tx1"/>
-                </a:solidFill>
-                <a:latin typeface="Times New Roman" panose="02020603050405020304" pitchFamily="18" charset="0"/>
-                <a:cs typeface="Times New Roman" panose="02020603050405020304" pitchFamily="18" charset="0"/>
-              </a:rPr>
-              <a:t>.java</a:t>
-            </a:r>
             <a:endParaRPr lang="ru-RU" sz="1400" dirty="0">
               <a:solidFill>
                 <a:schemeClr val="tx1"/>
@@ -6550,57 +7221,12 @@
               <a:cs typeface="Times New Roman" panose="02020603050405020304" pitchFamily="18" charset="0"/>
             </a:endParaRPr>
           </a:p>
-          <a:p>
-            <a:endParaRPr lang="ru-RU" sz="1400" dirty="0">
-              <a:solidFill>
-                <a:schemeClr val="tx1"/>
-              </a:solidFill>
-              <a:latin typeface="Times New Roman" panose="02020603050405020304" pitchFamily="18" charset="0"/>
-              <a:cs typeface="Times New Roman" panose="02020603050405020304" pitchFamily="18" charset="0"/>
-            </a:endParaRPr>
-          </a:p>
-        </p:txBody>
-      </p:sp>
-      <p:pic>
-        <p:nvPicPr>
-          <p:cNvPr id="5" name="Рисунок 4">
-            <a:extLst>
-              <a:ext uri="{FF2B5EF4-FFF2-40B4-BE49-F238E27FC236}">
-                <a16:creationId xmlns:a16="http://schemas.microsoft.com/office/drawing/2014/main" id="{E38F099F-9DCB-4184-AAB3-C1175BF013E3}"/>
-              </a:ext>
-            </a:extLst>
-          </p:cNvPr>
-          <p:cNvPicPr>
-            <a:picLocks noChangeAspect="1"/>
-          </p:cNvPicPr>
-          <p:nvPr/>
-        </p:nvPicPr>
-        <p:blipFill>
-          <a:blip r:embed="rId2">
-            <a:extLst>
-              <a:ext uri="{28A0092B-C50C-407E-A947-70E740481C1C}">
-                <a14:useLocalDpi xmlns:a14="http://schemas.microsoft.com/office/drawing/2010/main" val="0"/>
-              </a:ext>
-            </a:extLst>
-          </a:blip>
-          <a:stretch>
-            <a:fillRect/>
-          </a:stretch>
-        </p:blipFill>
-        <p:spPr>
-          <a:xfrm>
-            <a:off x="909751" y="1149292"/>
-            <a:ext cx="10372498" cy="5529352"/>
-          </a:xfrm>
-          <a:prstGeom prst="rect">
-            <a:avLst/>
-          </a:prstGeom>
-        </p:spPr>
-      </p:pic>
+        </p:txBody>
+      </p:sp>
     </p:spTree>
     <p:extLst>
       <p:ext uri="{BB962C8B-B14F-4D97-AF65-F5344CB8AC3E}">
-        <p14:creationId xmlns:p14="http://schemas.microsoft.com/office/powerpoint/2010/main" val="2529314180"/>
+        <p14:creationId xmlns:p14="http://schemas.microsoft.com/office/powerpoint/2010/main" val="200578085"/>
       </p:ext>
     </p:extLst>
   </p:cSld>
@@ -6661,7 +7287,7 @@
                 <a:latin typeface="Times New Roman" panose="02020603050405020304" pitchFamily="18" charset="0"/>
                 <a:cs typeface="Times New Roman" panose="02020603050405020304" pitchFamily="18" charset="0"/>
               </a:rPr>
-              <a:t>Задача №5</a:t>
+              <a:t>Задача №3</a:t>
             </a:r>
           </a:p>
         </p:txBody>
@@ -6685,12 +7311,12 @@
         <p:spPr>
           <a:xfrm>
             <a:off x="831850" y="629175"/>
-            <a:ext cx="10515600" cy="520117"/>
+            <a:ext cx="10515600" cy="1300293"/>
           </a:xfrm>
         </p:spPr>
         <p:txBody>
           <a:bodyPr>
-            <a:normAutofit fontScale="92500" lnSpcReduction="20000"/>
+            <a:normAutofit/>
           </a:bodyPr>
           <a:lstStyle/>
           <a:p>
@@ -6702,17 +7328,69 @@
                 <a:latin typeface="Times New Roman" panose="02020603050405020304" pitchFamily="18" charset="0"/>
                 <a:cs typeface="Times New Roman" panose="02020603050405020304" pitchFamily="18" charset="0"/>
               </a:rPr>
-              <a:t>Компиляция в командной строке используя </a:t>
-            </a:r>
-            <a:r>
-              <a:rPr lang="en-US" sz="1400" dirty="0" err="1">
-                <a:solidFill>
-                  <a:schemeClr val="tx1"/>
-                </a:solidFill>
-                <a:latin typeface="Times New Roman" panose="02020603050405020304" pitchFamily="18" charset="0"/>
-                <a:cs typeface="Times New Roman" panose="02020603050405020304" pitchFamily="18" charset="0"/>
-              </a:rPr>
-              <a:t>javac</a:t>
+              <a:t>Напишите программу, которая проверяет, удовлетворяет ли введенное пользователем число следующим критериям: число делится на 4, и при этом оно не меньше 10.</a:t>
+            </a:r>
+          </a:p>
+          <a:p>
+            <a:r>
+              <a:rPr lang="ru-RU" sz="1400" dirty="0">
+                <a:solidFill>
+                  <a:schemeClr val="tx1"/>
+                </a:solidFill>
+                <a:latin typeface="Times New Roman" panose="02020603050405020304" pitchFamily="18" charset="0"/>
+                <a:cs typeface="Times New Roman" panose="02020603050405020304" pitchFamily="18" charset="0"/>
+              </a:rPr>
+              <a:t>Исходный код: </a:t>
+            </a:r>
+            <a:r>
+              <a:rPr lang="en-US" sz="1400" dirty="0">
+                <a:solidFill>
+                  <a:schemeClr val="tx1"/>
+                </a:solidFill>
+                <a:latin typeface="Times New Roman" panose="02020603050405020304" pitchFamily="18" charset="0"/>
+                <a:cs typeface="Times New Roman" panose="02020603050405020304" pitchFamily="18" charset="0"/>
+              </a:rPr>
+              <a:t>https://github.com/Vladnwx/Learn2023-2024/blob/master/src/lr</a:t>
+            </a:r>
+            <a:r>
+              <a:rPr lang="ru-RU" sz="1400" dirty="0">
+                <a:solidFill>
+                  <a:schemeClr val="tx1"/>
+                </a:solidFill>
+                <a:latin typeface="Times New Roman" panose="02020603050405020304" pitchFamily="18" charset="0"/>
+                <a:cs typeface="Times New Roman" panose="02020603050405020304" pitchFamily="18" charset="0"/>
+              </a:rPr>
+              <a:t>2</a:t>
+            </a:r>
+            <a:r>
+              <a:rPr lang="en-US" sz="1400" dirty="0">
+                <a:solidFill>
+                  <a:schemeClr val="tx1"/>
+                </a:solidFill>
+                <a:latin typeface="Times New Roman" panose="02020603050405020304" pitchFamily="18" charset="0"/>
+                <a:cs typeface="Times New Roman" panose="02020603050405020304" pitchFamily="18" charset="0"/>
+              </a:rPr>
+              <a:t>/Example</a:t>
+            </a:r>
+            <a:r>
+              <a:rPr lang="ru-RU" sz="1400" dirty="0">
+                <a:solidFill>
+                  <a:schemeClr val="tx1"/>
+                </a:solidFill>
+                <a:latin typeface="Times New Roman" panose="02020603050405020304" pitchFamily="18" charset="0"/>
+                <a:cs typeface="Times New Roman" panose="02020603050405020304" pitchFamily="18" charset="0"/>
+              </a:rPr>
+              <a:t>3</a:t>
+            </a:r>
+            <a:r>
+              <a:rPr lang="en-US" sz="1400" dirty="0">
+                <a:solidFill>
+                  <a:schemeClr val="tx1"/>
+                </a:solidFill>
+                <a:latin typeface="Times New Roman" panose="02020603050405020304" pitchFamily="18" charset="0"/>
+                <a:cs typeface="Times New Roman" panose="02020603050405020304" pitchFamily="18" charset="0"/>
+              </a:rPr>
+              <a:t>.java</a:t>
             </a:r>
             <a:endParaRPr lang="ru-RU" sz="1400" dirty="0">
               <a:solidFill>
@@ -6723,46 +7401,6 @@
             </a:endParaRPr>
           </a:p>
           <a:p>
-            <a:r>
-              <a:rPr lang="ru-RU" sz="1400" dirty="0">
-                <a:solidFill>
-                  <a:schemeClr val="tx1"/>
-                </a:solidFill>
-                <a:latin typeface="Times New Roman" panose="02020603050405020304" pitchFamily="18" charset="0"/>
-                <a:cs typeface="Times New Roman" panose="02020603050405020304" pitchFamily="18" charset="0"/>
-              </a:rPr>
-              <a:t>Исходный код: </a:t>
-            </a:r>
-            <a:r>
-              <a:rPr lang="en-US" sz="1400" dirty="0">
-                <a:solidFill>
-                  <a:schemeClr val="tx1"/>
-                </a:solidFill>
-                <a:latin typeface="Times New Roman" panose="02020603050405020304" pitchFamily="18" charset="0"/>
-                <a:cs typeface="Times New Roman" panose="02020603050405020304" pitchFamily="18" charset="0"/>
-              </a:rPr>
-              <a:t>https://github.com/Vladnwx/Learn2023-2024/blob/master/src/lr1/Example</a:t>
-            </a:r>
-            <a:r>
-              <a:rPr lang="ru-RU" sz="1400" dirty="0">
-                <a:solidFill>
-                  <a:schemeClr val="tx1"/>
-                </a:solidFill>
-                <a:latin typeface="Times New Roman" panose="02020603050405020304" pitchFamily="18" charset="0"/>
-                <a:cs typeface="Times New Roman" panose="02020603050405020304" pitchFamily="18" charset="0"/>
-              </a:rPr>
-              <a:t>5</a:t>
-            </a:r>
-            <a:r>
-              <a:rPr lang="en-US" sz="1400" dirty="0">
-                <a:solidFill>
-                  <a:schemeClr val="tx1"/>
-                </a:solidFill>
-                <a:latin typeface="Times New Roman" panose="02020603050405020304" pitchFamily="18" charset="0"/>
-                <a:cs typeface="Times New Roman" panose="02020603050405020304" pitchFamily="18" charset="0"/>
-              </a:rPr>
-              <a:t>.java</a:t>
-            </a:r>
             <a:endParaRPr lang="ru-RU" sz="1400" dirty="0">
               <a:solidFill>
                 <a:schemeClr val="tx1"/>
@@ -6771,57 +7409,12 @@
               <a:cs typeface="Times New Roman" panose="02020603050405020304" pitchFamily="18" charset="0"/>
             </a:endParaRPr>
           </a:p>
-          <a:p>
-            <a:endParaRPr lang="ru-RU" sz="1400" dirty="0">
-              <a:solidFill>
-                <a:schemeClr val="tx1"/>
-              </a:solidFill>
-              <a:latin typeface="Times New Roman" panose="02020603050405020304" pitchFamily="18" charset="0"/>
-              <a:cs typeface="Times New Roman" panose="02020603050405020304" pitchFamily="18" charset="0"/>
-            </a:endParaRPr>
-          </a:p>
-        </p:txBody>
-      </p:sp>
-      <p:pic>
-        <p:nvPicPr>
-          <p:cNvPr id="6" name="Рисунок 5">
-            <a:extLst>
-              <a:ext uri="{FF2B5EF4-FFF2-40B4-BE49-F238E27FC236}">
-                <a16:creationId xmlns:a16="http://schemas.microsoft.com/office/drawing/2014/main" id="{B5FE2D11-82C7-4BCB-A360-824F4318ADEC}"/>
-              </a:ext>
-            </a:extLst>
-          </p:cNvPr>
-          <p:cNvPicPr>
-            <a:picLocks noChangeAspect="1"/>
-          </p:cNvPicPr>
-          <p:nvPr/>
-        </p:nvPicPr>
-        <p:blipFill>
-          <a:blip r:embed="rId2">
-            <a:extLst>
-              <a:ext uri="{28A0092B-C50C-407E-A947-70E740481C1C}">
-                <a14:useLocalDpi xmlns:a14="http://schemas.microsoft.com/office/drawing/2010/main" val="0"/>
-              </a:ext>
-            </a:extLst>
-          </a:blip>
-          <a:stretch>
-            <a:fillRect/>
-          </a:stretch>
-        </p:blipFill>
-        <p:spPr>
-          <a:xfrm>
-            <a:off x="1011014" y="1267874"/>
-            <a:ext cx="10169971" cy="5394881"/>
-          </a:xfrm>
-          <a:prstGeom prst="rect">
-            <a:avLst/>
-          </a:prstGeom>
-        </p:spPr>
-      </p:pic>
+        </p:txBody>
+      </p:sp>
     </p:spTree>
     <p:extLst>
       <p:ext uri="{BB962C8B-B14F-4D97-AF65-F5344CB8AC3E}">
-        <p14:creationId xmlns:p14="http://schemas.microsoft.com/office/powerpoint/2010/main" val="3761937353"/>
+        <p14:creationId xmlns:p14="http://schemas.microsoft.com/office/powerpoint/2010/main" val="807343946"/>
       </p:ext>
     </p:extLst>
   </p:cSld>
@@ -6882,7 +7475,7 @@
                 <a:latin typeface="Times New Roman" panose="02020603050405020304" pitchFamily="18" charset="0"/>
                 <a:cs typeface="Times New Roman" panose="02020603050405020304" pitchFamily="18" charset="0"/>
               </a:rPr>
-              <a:t>Задача №6</a:t>
+              <a:t>Задача №4</a:t>
             </a:r>
           </a:p>
         </p:txBody>
@@ -6906,7 +7499,7 @@
         <p:spPr>
           <a:xfrm>
             <a:off x="831850" y="629175"/>
-            <a:ext cx="10515600" cy="864065"/>
+            <a:ext cx="10515600" cy="1300293"/>
           </a:xfrm>
         </p:spPr>
         <p:txBody>
@@ -6923,7 +7516,19 @@
                 <a:latin typeface="Times New Roman" panose="02020603050405020304" pitchFamily="18" charset="0"/>
                 <a:cs typeface="Times New Roman" panose="02020603050405020304" pitchFamily="18" charset="0"/>
               </a:rPr>
-              <a:t>Исходный код решения: </a:t>
+              <a:t>Напишите программу, которая проверяет, попадает ли введение пользователем число в диапазон от 5 до 10 включительно.</a:t>
+            </a:r>
+          </a:p>
+          <a:p>
+            <a:r>
+              <a:rPr lang="ru-RU" sz="1400" dirty="0">
+                <a:solidFill>
+                  <a:schemeClr val="tx1"/>
+                </a:solidFill>
+                <a:latin typeface="Times New Roman" panose="02020603050405020304" pitchFamily="18" charset="0"/>
+                <a:cs typeface="Times New Roman" panose="02020603050405020304" pitchFamily="18" charset="0"/>
+              </a:rPr>
+              <a:t>Исходный код: </a:t>
             </a:r>
             <a:r>
               <a:rPr lang="en-US" sz="1400" dirty="0">
@@ -6933,17 +7538,37 @@
                 <a:latin typeface="Times New Roman" panose="02020603050405020304" pitchFamily="18" charset="0"/>
                 <a:cs typeface="Times New Roman" panose="02020603050405020304" pitchFamily="18" charset="0"/>
               </a:rPr>
-              <a:t>https://github.com/Vladnwx/Learn2023-2024/blob/master/src/lr1/Example</a:t>
-            </a:r>
-            <a:r>
-              <a:rPr lang="ru-RU" sz="1400" dirty="0">
-                <a:solidFill>
-                  <a:schemeClr val="tx1"/>
-                </a:solidFill>
-                <a:latin typeface="Times New Roman" panose="02020603050405020304" pitchFamily="18" charset="0"/>
-                <a:cs typeface="Times New Roman" panose="02020603050405020304" pitchFamily="18" charset="0"/>
-              </a:rPr>
-              <a:t>6</a:t>
+              <a:t>https://github.com/Vladnwx/Learn2023-2024/blob/master/src/lr</a:t>
+            </a:r>
+            <a:r>
+              <a:rPr lang="ru-RU" sz="1400" dirty="0">
+                <a:solidFill>
+                  <a:schemeClr val="tx1"/>
+                </a:solidFill>
+                <a:latin typeface="Times New Roman" panose="02020603050405020304" pitchFamily="18" charset="0"/>
+                <a:cs typeface="Times New Roman" panose="02020603050405020304" pitchFamily="18" charset="0"/>
+              </a:rPr>
+              <a:t>2</a:t>
+            </a:r>
+            <a:r>
+              <a:rPr lang="en-US" sz="1400" dirty="0">
+                <a:solidFill>
+                  <a:schemeClr val="tx1"/>
+                </a:solidFill>
+                <a:latin typeface="Times New Roman" panose="02020603050405020304" pitchFamily="18" charset="0"/>
+                <a:cs typeface="Times New Roman" panose="02020603050405020304" pitchFamily="18" charset="0"/>
+              </a:rPr>
+              <a:t>/Example</a:t>
+            </a:r>
+            <a:r>
+              <a:rPr lang="ru-RU" sz="1400" dirty="0">
+                <a:solidFill>
+                  <a:schemeClr val="tx1"/>
+                </a:solidFill>
+                <a:latin typeface="Times New Roman" panose="02020603050405020304" pitchFamily="18" charset="0"/>
+                <a:cs typeface="Times New Roman" panose="02020603050405020304" pitchFamily="18" charset="0"/>
+              </a:rPr>
+              <a:t>4</a:t>
             </a:r>
             <a:r>
               <a:rPr lang="en-US" sz="1400" dirty="0">
@@ -6977,7 +7602,7 @@
     </p:spTree>
     <p:extLst>
       <p:ext uri="{BB962C8B-B14F-4D97-AF65-F5344CB8AC3E}">
-        <p14:creationId xmlns:p14="http://schemas.microsoft.com/office/powerpoint/2010/main" val="1782762979"/>
+        <p14:creationId xmlns:p14="http://schemas.microsoft.com/office/powerpoint/2010/main" val="961840724"/>
       </p:ext>
     </p:extLst>
   </p:cSld>

--- a/src/lr2/РИЗ-130916у Савельев В.Н. Отчет о выполнении ЛР2.pptx
+++ b/src/lr2/РИЗ-130916у Савельев В.Н. Отчет о выполнении ЛР2.pptx
@@ -17,7 +17,8 @@
     <p:sldId id="302" r:id="rId11"/>
     <p:sldId id="303" r:id="rId12"/>
     <p:sldId id="304" r:id="rId13"/>
-    <p:sldId id="281" r:id="rId14"/>
+    <p:sldId id="305" r:id="rId14"/>
+    <p:sldId id="306" r:id="rId15"/>
   </p:sldIdLst>
   <p:sldSz cx="12192000" cy="6858000"/>
   <p:notesSz cx="6858000" cy="9144000"/>
@@ -133,11 +134,8 @@
             <p14:sldId id="302"/>
             <p14:sldId id="303"/>
             <p14:sldId id="304"/>
-          </p14:sldIdLst>
-        </p14:section>
-        <p14:section name="Раздел без заголовка" id="{DF4FA7EA-8AC6-4E78-ACF4-079244300A40}">
-          <p14:sldIdLst>
-            <p14:sldId id="281"/>
+            <p14:sldId id="305"/>
+            <p14:sldId id="306"/>
           </p14:sldIdLst>
         </p14:section>
       </p14:sectionLst>
@@ -3683,7 +3681,7 @@
                 <a:latin typeface="Times New Roman" panose="02020603050405020304" pitchFamily="18" charset="0"/>
                 <a:cs typeface="Times New Roman" panose="02020603050405020304" pitchFamily="18" charset="0"/>
               </a:rPr>
-              <a:t>Исходный код: </a:t>
+              <a:t>Исходный код решения: </a:t>
             </a:r>
             <a:r>
               <a:rPr lang="en-US" sz="1400" dirty="0">
@@ -5373,7 +5371,7 @@
                 <a:latin typeface="Times New Roman" panose="02020603050405020304" pitchFamily="18" charset="0"/>
                 <a:cs typeface="Times New Roman" panose="02020603050405020304" pitchFamily="18" charset="0"/>
               </a:rPr>
-              <a:t>Исходный код: </a:t>
+              <a:t>Исходный код решения : </a:t>
             </a:r>
             <a:r>
               <a:rPr lang="en-US" sz="1400" dirty="0">
@@ -5652,10 +5650,10 @@
                 <a:latin typeface="Times New Roman" panose="02020603050405020304" pitchFamily="18" charset="0"/>
                 <a:cs typeface="Times New Roman" panose="02020603050405020304" pitchFamily="18" charset="0"/>
               </a:rPr>
-              <a:t>Исходный код: </a:t>
-            </a:r>
-            <a:r>
-              <a:rPr lang="en-US" sz="1400">
+              <a:t>Исходный код решения : </a:t>
+            </a:r>
+            <a:r>
+              <a:rPr lang="en-US" sz="1400" dirty="0">
                 <a:solidFill>
                   <a:schemeClr val="tx1"/>
                 </a:solidFill>
@@ -5723,12 +5721,12 @@
         <p:spPr>
           <a:xfrm>
             <a:off x="838200" y="176169"/>
-            <a:ext cx="10515600" cy="453006"/>
+            <a:ext cx="10515600" cy="334424"/>
           </a:xfrm>
         </p:spPr>
         <p:txBody>
           <a:bodyPr>
-            <a:normAutofit fontScale="90000"/>
+            <a:normAutofit/>
           </a:bodyPr>
           <a:lstStyle/>
           <a:p>
@@ -5738,14 +5736,29 @@
                 <a:latin typeface="Times New Roman" panose="02020603050405020304" pitchFamily="18" charset="0"/>
                 <a:cs typeface="Times New Roman" panose="02020603050405020304" pitchFamily="18" charset="0"/>
               </a:rPr>
-              <a:t>Вывод</a:t>
-            </a:r>
-            <a:br>
-              <a:rPr lang="ru-RU" sz="1400" dirty="0">
-                <a:latin typeface="Times New Roman" panose="02020603050405020304" pitchFamily="18" charset="0"/>
-                <a:cs typeface="Times New Roman" panose="02020603050405020304" pitchFamily="18" charset="0"/>
-              </a:rPr>
-            </a:br>
+              <a:t>Задача №6.</a:t>
+            </a:r>
+            <a:r>
+              <a:rPr lang="en-US" sz="1400" dirty="0">
+                <a:latin typeface="Times New Roman" panose="02020603050405020304" pitchFamily="18" charset="0"/>
+                <a:cs typeface="Times New Roman" panose="02020603050405020304" pitchFamily="18" charset="0"/>
+              </a:rPr>
+              <a:t>3</a:t>
+            </a:r>
+            <a:r>
+              <a:rPr lang="ru-RU" sz="1400" dirty="0">
+                <a:latin typeface="Times New Roman" panose="02020603050405020304" pitchFamily="18" charset="0"/>
+                <a:cs typeface="Times New Roman" panose="02020603050405020304" pitchFamily="18" charset="0"/>
+              </a:rPr>
+              <a:t> задача с </a:t>
+            </a:r>
+            <a:r>
+              <a:rPr lang="en-US" sz="1400" dirty="0">
+                <a:latin typeface="Times New Roman" panose="02020603050405020304" pitchFamily="18" charset="0"/>
+                <a:cs typeface="Times New Roman" panose="02020603050405020304" pitchFamily="18" charset="0"/>
+              </a:rPr>
+              <a:t>timus //https://acm.timus.ru/problem.aspx?space=1&amp;num=1785</a:t>
+            </a:r>
             <a:endParaRPr lang="ru-RU" sz="1400" dirty="0">
               <a:latin typeface="Times New Roman" panose="02020603050405020304" pitchFamily="18" charset="0"/>
               <a:cs typeface="Times New Roman" panose="02020603050405020304" pitchFamily="18" charset="0"/>
@@ -5755,10 +5768,10 @@
       </p:sp>
       <p:sp>
         <p:nvSpPr>
-          <p:cNvPr id="6" name="Текст 5">
-            <a:extLst>
-              <a:ext uri="{FF2B5EF4-FFF2-40B4-BE49-F238E27FC236}">
-                <a16:creationId xmlns:a16="http://schemas.microsoft.com/office/drawing/2014/main" id="{953110B1-F3D3-4947-BD62-AC851BB52DDC}"/>
+          <p:cNvPr id="3" name="Текст 2">
+            <a:extLst>
+              <a:ext uri="{FF2B5EF4-FFF2-40B4-BE49-F238E27FC236}">
+                <a16:creationId xmlns:a16="http://schemas.microsoft.com/office/drawing/2014/main" id="{7A2822FC-0537-44BF-973E-18E9089D51A2}"/>
               </a:ext>
             </a:extLst>
           </p:cNvPr>
@@ -5771,8 +5784,623 @@
         </p:nvSpPr>
         <p:spPr>
           <a:xfrm>
-            <a:off x="838200" y="780861"/>
-            <a:ext cx="10515600" cy="1500187"/>
+            <a:off x="831850" y="629175"/>
+            <a:ext cx="10515600" cy="6052656"/>
+          </a:xfrm>
+        </p:spPr>
+        <p:txBody>
+          <a:bodyPr>
+            <a:normAutofit fontScale="85000" lnSpcReduction="20000"/>
+          </a:bodyPr>
+          <a:lstStyle/>
+          <a:p>
+            <a:r>
+              <a:rPr lang="ru-RU" sz="1400" dirty="0">
+                <a:solidFill>
+                  <a:schemeClr val="tx1"/>
+                </a:solidFill>
+                <a:latin typeface="Times New Roman" panose="02020603050405020304" pitchFamily="18" charset="0"/>
+                <a:cs typeface="Times New Roman" panose="02020603050405020304" pitchFamily="18" charset="0"/>
+              </a:rPr>
+              <a:t>1785. Трудности локализации</a:t>
+            </a:r>
+          </a:p>
+          <a:p>
+            <a:r>
+              <a:rPr lang="ru-RU" sz="1400" dirty="0">
+                <a:solidFill>
+                  <a:schemeClr val="tx1"/>
+                </a:solidFill>
+                <a:latin typeface="Times New Roman" panose="02020603050405020304" pitchFamily="18" charset="0"/>
+                <a:cs typeface="Times New Roman" panose="02020603050405020304" pitchFamily="18" charset="0"/>
+              </a:rPr>
+              <a:t>Ограничение времени: 1.0 секунды</a:t>
+            </a:r>
+          </a:p>
+          <a:p>
+            <a:r>
+              <a:rPr lang="ru-RU" sz="1400" dirty="0">
+                <a:solidFill>
+                  <a:schemeClr val="tx1"/>
+                </a:solidFill>
+                <a:latin typeface="Times New Roman" panose="02020603050405020304" pitchFamily="18" charset="0"/>
+                <a:cs typeface="Times New Roman" panose="02020603050405020304" pitchFamily="18" charset="0"/>
+              </a:rPr>
+              <a:t>Ограничение памяти: 64 МБ</a:t>
+            </a:r>
+          </a:p>
+          <a:p>
+            <a:r>
+              <a:rPr lang="ru-RU" sz="1400" dirty="0">
+                <a:solidFill>
+                  <a:schemeClr val="tx1"/>
+                </a:solidFill>
+                <a:latin typeface="Times New Roman" panose="02020603050405020304" pitchFamily="18" charset="0"/>
+                <a:cs typeface="Times New Roman" panose="02020603050405020304" pitchFamily="18" charset="0"/>
+              </a:rPr>
+              <a:t>Компания </a:t>
+            </a:r>
+            <a:r>
+              <a:rPr lang="ru-RU" sz="1400" dirty="0" err="1">
+                <a:solidFill>
+                  <a:schemeClr val="tx1"/>
+                </a:solidFill>
+                <a:latin typeface="Times New Roman" panose="02020603050405020304" pitchFamily="18" charset="0"/>
+                <a:cs typeface="Times New Roman" panose="02020603050405020304" pitchFamily="18" charset="0"/>
+              </a:rPr>
+              <a:t>Lavin</a:t>
+            </a:r>
+            <a:r>
+              <a:rPr lang="ru-RU" sz="1400" dirty="0">
+                <a:solidFill>
+                  <a:schemeClr val="tx1"/>
+                </a:solidFill>
+                <a:latin typeface="Times New Roman" panose="02020603050405020304" pitchFamily="18" charset="0"/>
+                <a:cs typeface="Times New Roman" panose="02020603050405020304" pitchFamily="18" charset="0"/>
+              </a:rPr>
+              <a:t> Interactive, разработчик пошаговой стратегии </a:t>
+            </a:r>
+            <a:r>
+              <a:rPr lang="ru-RU" sz="1400" dirty="0" err="1">
+                <a:solidFill>
+                  <a:schemeClr val="tx1"/>
+                </a:solidFill>
+                <a:latin typeface="Times New Roman" panose="02020603050405020304" pitchFamily="18" charset="0"/>
+                <a:cs typeface="Times New Roman" panose="02020603050405020304" pitchFamily="18" charset="0"/>
+              </a:rPr>
+              <a:t>Losers</a:t>
+            </a:r>
+            <a:r>
+              <a:rPr lang="ru-RU" sz="1400" dirty="0">
+                <a:solidFill>
+                  <a:schemeClr val="tx1"/>
+                </a:solidFill>
+                <a:latin typeface="Times New Roman" panose="02020603050405020304" pitchFamily="18" charset="0"/>
+                <a:cs typeface="Times New Roman" panose="02020603050405020304" pitchFamily="18" charset="0"/>
+              </a:rPr>
+              <a:t>-V, постоянно расширяет рынки сбыта и создаёт локализации своей игры даже на самые малоизвестные языки. В том числе, их заинтересовал язык племени австралийских аборигенов </a:t>
+            </a:r>
+            <a:r>
+              <a:rPr lang="ru-RU" sz="1400" dirty="0" err="1">
+                <a:solidFill>
+                  <a:schemeClr val="tx1"/>
+                </a:solidFill>
+                <a:latin typeface="Times New Roman" panose="02020603050405020304" pitchFamily="18" charset="0"/>
+                <a:cs typeface="Times New Roman" panose="02020603050405020304" pitchFamily="18" charset="0"/>
+              </a:rPr>
+              <a:t>аниндилъяква</a:t>
+            </a:r>
+            <a:r>
+              <a:rPr lang="ru-RU" sz="1400" dirty="0">
+                <a:solidFill>
+                  <a:schemeClr val="tx1"/>
+                </a:solidFill>
+                <a:latin typeface="Times New Roman" panose="02020603050405020304" pitchFamily="18" charset="0"/>
+                <a:cs typeface="Times New Roman" panose="02020603050405020304" pitchFamily="18" charset="0"/>
+              </a:rPr>
+              <a:t>.</a:t>
+            </a:r>
+          </a:p>
+          <a:p>
+            <a:r>
+              <a:rPr lang="ru-RU" sz="1400" dirty="0">
+                <a:solidFill>
+                  <a:schemeClr val="tx1"/>
+                </a:solidFill>
+                <a:latin typeface="Times New Roman" panose="02020603050405020304" pitchFamily="18" charset="0"/>
+                <a:cs typeface="Times New Roman" panose="02020603050405020304" pitchFamily="18" charset="0"/>
+              </a:rPr>
+              <a:t>Но в языке </a:t>
+            </a:r>
+            <a:r>
+              <a:rPr lang="ru-RU" sz="1400" dirty="0" err="1">
+                <a:solidFill>
+                  <a:schemeClr val="tx1"/>
+                </a:solidFill>
+                <a:latin typeface="Times New Roman" panose="02020603050405020304" pitchFamily="18" charset="0"/>
+                <a:cs typeface="Times New Roman" panose="02020603050405020304" pitchFamily="18" charset="0"/>
+              </a:rPr>
+              <a:t>аниндилъяква</a:t>
+            </a:r>
+            <a:r>
+              <a:rPr lang="ru-RU" sz="1400" dirty="0">
+                <a:solidFill>
+                  <a:schemeClr val="tx1"/>
+                </a:solidFill>
+                <a:latin typeface="Times New Roman" panose="02020603050405020304" pitchFamily="18" charset="0"/>
+                <a:cs typeface="Times New Roman" panose="02020603050405020304" pitchFamily="18" charset="0"/>
+              </a:rPr>
+              <a:t> нет числительных. Как же, например, перевести на него фразу «у вас семь чёрных драконов, а у вашего врага — сорок»? Локализаторы решили перевести её так: «у вас немного чёрных драконов, а у вашего врага — толпа». Они составили таблицу, в которой указали правила замены чисел, обозначающих количество монстров, на существительные и местоимения:</a:t>
+            </a:r>
+          </a:p>
+          <a:p>
+            <a:r>
+              <a:rPr lang="ru-RU" sz="1400" dirty="0">
+                <a:solidFill>
+                  <a:schemeClr val="tx1"/>
+                </a:solidFill>
+                <a:latin typeface="Times New Roman" panose="02020603050405020304" pitchFamily="18" charset="0"/>
+                <a:cs typeface="Times New Roman" panose="02020603050405020304" pitchFamily="18" charset="0"/>
+              </a:rPr>
+              <a:t>Количество	Обозначение на русском языке	Обозначение на языке </a:t>
+            </a:r>
+            <a:r>
+              <a:rPr lang="ru-RU" sz="1400" dirty="0" err="1">
+                <a:solidFill>
+                  <a:schemeClr val="tx1"/>
+                </a:solidFill>
+                <a:latin typeface="Times New Roman" panose="02020603050405020304" pitchFamily="18" charset="0"/>
+                <a:cs typeface="Times New Roman" panose="02020603050405020304" pitchFamily="18" charset="0"/>
+              </a:rPr>
+              <a:t>аниндилъяква</a:t>
+            </a:r>
+            <a:endParaRPr lang="ru-RU" sz="1400" dirty="0">
+              <a:solidFill>
+                <a:schemeClr val="tx1"/>
+              </a:solidFill>
+              <a:latin typeface="Times New Roman" panose="02020603050405020304" pitchFamily="18" charset="0"/>
+              <a:cs typeface="Times New Roman" panose="02020603050405020304" pitchFamily="18" charset="0"/>
+            </a:endParaRPr>
+          </a:p>
+          <a:p>
+            <a:r>
+              <a:rPr lang="ru-RU" sz="1400" dirty="0">
+                <a:solidFill>
+                  <a:schemeClr val="tx1"/>
+                </a:solidFill>
+                <a:latin typeface="Times New Roman" panose="02020603050405020304" pitchFamily="18" charset="0"/>
+                <a:cs typeface="Times New Roman" panose="02020603050405020304" pitchFamily="18" charset="0"/>
+              </a:rPr>
+              <a:t>от 1 до 4	несколько	</a:t>
+            </a:r>
+            <a:r>
+              <a:rPr lang="ru-RU" sz="1400" dirty="0" err="1">
+                <a:solidFill>
+                  <a:schemeClr val="tx1"/>
+                </a:solidFill>
+                <a:latin typeface="Times New Roman" panose="02020603050405020304" pitchFamily="18" charset="0"/>
+                <a:cs typeface="Times New Roman" panose="02020603050405020304" pitchFamily="18" charset="0"/>
+              </a:rPr>
+              <a:t>few</a:t>
+            </a:r>
+            <a:endParaRPr lang="ru-RU" sz="1400" dirty="0">
+              <a:solidFill>
+                <a:schemeClr val="tx1"/>
+              </a:solidFill>
+              <a:latin typeface="Times New Roman" panose="02020603050405020304" pitchFamily="18" charset="0"/>
+              <a:cs typeface="Times New Roman" panose="02020603050405020304" pitchFamily="18" charset="0"/>
+            </a:endParaRPr>
+          </a:p>
+          <a:p>
+            <a:r>
+              <a:rPr lang="ru-RU" sz="1400" dirty="0">
+                <a:solidFill>
+                  <a:schemeClr val="tx1"/>
+                </a:solidFill>
+                <a:latin typeface="Times New Roman" panose="02020603050405020304" pitchFamily="18" charset="0"/>
+                <a:cs typeface="Times New Roman" panose="02020603050405020304" pitchFamily="18" charset="0"/>
+              </a:rPr>
+              <a:t>от 5 до 9	немного	</a:t>
+            </a:r>
+            <a:r>
+              <a:rPr lang="ru-RU" sz="1400" dirty="0" err="1">
+                <a:solidFill>
+                  <a:schemeClr val="tx1"/>
+                </a:solidFill>
+                <a:latin typeface="Times New Roman" panose="02020603050405020304" pitchFamily="18" charset="0"/>
+                <a:cs typeface="Times New Roman" panose="02020603050405020304" pitchFamily="18" charset="0"/>
+              </a:rPr>
+              <a:t>several</a:t>
+            </a:r>
+            <a:endParaRPr lang="ru-RU" sz="1400" dirty="0">
+              <a:solidFill>
+                <a:schemeClr val="tx1"/>
+              </a:solidFill>
+              <a:latin typeface="Times New Roman" panose="02020603050405020304" pitchFamily="18" charset="0"/>
+              <a:cs typeface="Times New Roman" panose="02020603050405020304" pitchFamily="18" charset="0"/>
+            </a:endParaRPr>
+          </a:p>
+          <a:p>
+            <a:r>
+              <a:rPr lang="ru-RU" sz="1400" dirty="0">
+                <a:solidFill>
+                  <a:schemeClr val="tx1"/>
+                </a:solidFill>
+                <a:latin typeface="Times New Roman" panose="02020603050405020304" pitchFamily="18" charset="0"/>
+                <a:cs typeface="Times New Roman" panose="02020603050405020304" pitchFamily="18" charset="0"/>
+              </a:rPr>
+              <a:t>от 10 до 19	отряд	</a:t>
+            </a:r>
+            <a:r>
+              <a:rPr lang="ru-RU" sz="1400" dirty="0" err="1">
+                <a:solidFill>
+                  <a:schemeClr val="tx1"/>
+                </a:solidFill>
+                <a:latin typeface="Times New Roman" panose="02020603050405020304" pitchFamily="18" charset="0"/>
+                <a:cs typeface="Times New Roman" panose="02020603050405020304" pitchFamily="18" charset="0"/>
+              </a:rPr>
+              <a:t>pack</a:t>
+            </a:r>
+            <a:endParaRPr lang="ru-RU" sz="1400" dirty="0">
+              <a:solidFill>
+                <a:schemeClr val="tx1"/>
+              </a:solidFill>
+              <a:latin typeface="Times New Roman" panose="02020603050405020304" pitchFamily="18" charset="0"/>
+              <a:cs typeface="Times New Roman" panose="02020603050405020304" pitchFamily="18" charset="0"/>
+            </a:endParaRPr>
+          </a:p>
+          <a:p>
+            <a:r>
+              <a:rPr lang="ru-RU" sz="1400" dirty="0">
+                <a:solidFill>
+                  <a:schemeClr val="tx1"/>
+                </a:solidFill>
+                <a:latin typeface="Times New Roman" panose="02020603050405020304" pitchFamily="18" charset="0"/>
+                <a:cs typeface="Times New Roman" panose="02020603050405020304" pitchFamily="18" charset="0"/>
+              </a:rPr>
+              <a:t>от 20 до 49	толпа	</a:t>
+            </a:r>
+            <a:r>
+              <a:rPr lang="ru-RU" sz="1400" dirty="0" err="1">
+                <a:solidFill>
+                  <a:schemeClr val="tx1"/>
+                </a:solidFill>
+                <a:latin typeface="Times New Roman" panose="02020603050405020304" pitchFamily="18" charset="0"/>
+                <a:cs typeface="Times New Roman" panose="02020603050405020304" pitchFamily="18" charset="0"/>
+              </a:rPr>
+              <a:t>lots</a:t>
+            </a:r>
+            <a:endParaRPr lang="ru-RU" sz="1400" dirty="0">
+              <a:solidFill>
+                <a:schemeClr val="tx1"/>
+              </a:solidFill>
+              <a:latin typeface="Times New Roman" panose="02020603050405020304" pitchFamily="18" charset="0"/>
+              <a:cs typeface="Times New Roman" panose="02020603050405020304" pitchFamily="18" charset="0"/>
+            </a:endParaRPr>
+          </a:p>
+          <a:p>
+            <a:r>
+              <a:rPr lang="ru-RU" sz="1400" dirty="0">
+                <a:solidFill>
+                  <a:schemeClr val="tx1"/>
+                </a:solidFill>
+                <a:latin typeface="Times New Roman" panose="02020603050405020304" pitchFamily="18" charset="0"/>
+                <a:cs typeface="Times New Roman" panose="02020603050405020304" pitchFamily="18" charset="0"/>
+              </a:rPr>
+              <a:t>от 50 до 99	орда	</a:t>
+            </a:r>
+            <a:r>
+              <a:rPr lang="ru-RU" sz="1400" dirty="0" err="1">
+                <a:solidFill>
+                  <a:schemeClr val="tx1"/>
+                </a:solidFill>
+                <a:latin typeface="Times New Roman" panose="02020603050405020304" pitchFamily="18" charset="0"/>
+                <a:cs typeface="Times New Roman" panose="02020603050405020304" pitchFamily="18" charset="0"/>
+              </a:rPr>
+              <a:t>horde</a:t>
+            </a:r>
+            <a:endParaRPr lang="ru-RU" sz="1400" dirty="0">
+              <a:solidFill>
+                <a:schemeClr val="tx1"/>
+              </a:solidFill>
+              <a:latin typeface="Times New Roman" panose="02020603050405020304" pitchFamily="18" charset="0"/>
+              <a:cs typeface="Times New Roman" panose="02020603050405020304" pitchFamily="18" charset="0"/>
+            </a:endParaRPr>
+          </a:p>
+          <a:p>
+            <a:r>
+              <a:rPr lang="ru-RU" sz="1400" dirty="0">
+                <a:solidFill>
+                  <a:schemeClr val="tx1"/>
+                </a:solidFill>
+                <a:latin typeface="Times New Roman" panose="02020603050405020304" pitchFamily="18" charset="0"/>
+                <a:cs typeface="Times New Roman" panose="02020603050405020304" pitchFamily="18" charset="0"/>
+              </a:rPr>
+              <a:t>от 100 до 249	множество	</a:t>
+            </a:r>
+            <a:r>
+              <a:rPr lang="ru-RU" sz="1400" dirty="0" err="1">
+                <a:solidFill>
+                  <a:schemeClr val="tx1"/>
+                </a:solidFill>
+                <a:latin typeface="Times New Roman" panose="02020603050405020304" pitchFamily="18" charset="0"/>
+                <a:cs typeface="Times New Roman" panose="02020603050405020304" pitchFamily="18" charset="0"/>
+              </a:rPr>
+              <a:t>throng</a:t>
+            </a:r>
+            <a:endParaRPr lang="ru-RU" sz="1400" dirty="0">
+              <a:solidFill>
+                <a:schemeClr val="tx1"/>
+              </a:solidFill>
+              <a:latin typeface="Times New Roman" panose="02020603050405020304" pitchFamily="18" charset="0"/>
+              <a:cs typeface="Times New Roman" panose="02020603050405020304" pitchFamily="18" charset="0"/>
+            </a:endParaRPr>
+          </a:p>
+          <a:p>
+            <a:r>
+              <a:rPr lang="ru-RU" sz="1400" dirty="0">
+                <a:solidFill>
+                  <a:schemeClr val="tx1"/>
+                </a:solidFill>
+                <a:latin typeface="Times New Roman" panose="02020603050405020304" pitchFamily="18" charset="0"/>
+                <a:cs typeface="Times New Roman" panose="02020603050405020304" pitchFamily="18" charset="0"/>
+              </a:rPr>
+              <a:t>от 250 до 499	сонмище	</a:t>
+            </a:r>
+            <a:r>
+              <a:rPr lang="ru-RU" sz="1400" dirty="0" err="1">
+                <a:solidFill>
+                  <a:schemeClr val="tx1"/>
+                </a:solidFill>
+                <a:latin typeface="Times New Roman" panose="02020603050405020304" pitchFamily="18" charset="0"/>
+                <a:cs typeface="Times New Roman" panose="02020603050405020304" pitchFamily="18" charset="0"/>
+              </a:rPr>
+              <a:t>swarm</a:t>
+            </a:r>
+            <a:endParaRPr lang="ru-RU" sz="1400" dirty="0">
+              <a:solidFill>
+                <a:schemeClr val="tx1"/>
+              </a:solidFill>
+              <a:latin typeface="Times New Roman" panose="02020603050405020304" pitchFamily="18" charset="0"/>
+              <a:cs typeface="Times New Roman" panose="02020603050405020304" pitchFamily="18" charset="0"/>
+            </a:endParaRPr>
+          </a:p>
+          <a:p>
+            <a:r>
+              <a:rPr lang="ru-RU" sz="1400" dirty="0">
+                <a:solidFill>
+                  <a:schemeClr val="tx1"/>
+                </a:solidFill>
+                <a:latin typeface="Times New Roman" panose="02020603050405020304" pitchFamily="18" charset="0"/>
+                <a:cs typeface="Times New Roman" panose="02020603050405020304" pitchFamily="18" charset="0"/>
+              </a:rPr>
+              <a:t>от 500 до 999	полчище	</a:t>
+            </a:r>
+            <a:r>
+              <a:rPr lang="ru-RU" sz="1400" dirty="0" err="1">
+                <a:solidFill>
+                  <a:schemeClr val="tx1"/>
+                </a:solidFill>
+                <a:latin typeface="Times New Roman" panose="02020603050405020304" pitchFamily="18" charset="0"/>
+                <a:cs typeface="Times New Roman" panose="02020603050405020304" pitchFamily="18" charset="0"/>
+              </a:rPr>
+              <a:t>zounds</a:t>
+            </a:r>
+            <a:endParaRPr lang="ru-RU" sz="1400" dirty="0">
+              <a:solidFill>
+                <a:schemeClr val="tx1"/>
+              </a:solidFill>
+              <a:latin typeface="Times New Roman" panose="02020603050405020304" pitchFamily="18" charset="0"/>
+              <a:cs typeface="Times New Roman" panose="02020603050405020304" pitchFamily="18" charset="0"/>
+            </a:endParaRPr>
+          </a:p>
+          <a:p>
+            <a:r>
+              <a:rPr lang="ru-RU" sz="1400" dirty="0">
+                <a:solidFill>
+                  <a:schemeClr val="tx1"/>
+                </a:solidFill>
+                <a:latin typeface="Times New Roman" panose="02020603050405020304" pitchFamily="18" charset="0"/>
+                <a:cs typeface="Times New Roman" panose="02020603050405020304" pitchFamily="18" charset="0"/>
+              </a:rPr>
+              <a:t>от 1000	легион	</a:t>
+            </a:r>
+            <a:r>
+              <a:rPr lang="ru-RU" sz="1400" dirty="0" err="1">
+                <a:solidFill>
+                  <a:schemeClr val="tx1"/>
+                </a:solidFill>
+                <a:latin typeface="Times New Roman" panose="02020603050405020304" pitchFamily="18" charset="0"/>
+                <a:cs typeface="Times New Roman" panose="02020603050405020304" pitchFamily="18" charset="0"/>
+              </a:rPr>
+              <a:t>legion</a:t>
+            </a:r>
+            <a:endParaRPr lang="ru-RU" sz="1400" dirty="0">
+              <a:solidFill>
+                <a:schemeClr val="tx1"/>
+              </a:solidFill>
+              <a:latin typeface="Times New Roman" panose="02020603050405020304" pitchFamily="18" charset="0"/>
+              <a:cs typeface="Times New Roman" panose="02020603050405020304" pitchFamily="18" charset="0"/>
+            </a:endParaRPr>
+          </a:p>
+          <a:p>
+            <a:r>
+              <a:rPr lang="ru-RU" sz="1400" dirty="0">
+                <a:solidFill>
+                  <a:schemeClr val="tx1"/>
+                </a:solidFill>
+                <a:latin typeface="Times New Roman" panose="02020603050405020304" pitchFamily="18" charset="0"/>
+                <a:cs typeface="Times New Roman" panose="02020603050405020304" pitchFamily="18" charset="0"/>
+              </a:rPr>
+              <a:t>Помогите локализаторам автоматизировать процесс — напишите программу, которая по количеству монстров выдаст соответствующее этому количеству слово.</a:t>
+            </a:r>
+          </a:p>
+          <a:p>
+            <a:r>
+              <a:rPr lang="ru-RU" sz="1400" dirty="0">
+                <a:solidFill>
+                  <a:schemeClr val="tx1"/>
+                </a:solidFill>
+                <a:latin typeface="Times New Roman" panose="02020603050405020304" pitchFamily="18" charset="0"/>
+                <a:cs typeface="Times New Roman" panose="02020603050405020304" pitchFamily="18" charset="0"/>
+              </a:rPr>
+              <a:t>Исходные данные</a:t>
+            </a:r>
+          </a:p>
+          <a:p>
+            <a:r>
+              <a:rPr lang="ru-RU" sz="1400" dirty="0">
+                <a:solidFill>
+                  <a:schemeClr val="tx1"/>
+                </a:solidFill>
+                <a:latin typeface="Times New Roman" panose="02020603050405020304" pitchFamily="18" charset="0"/>
+                <a:cs typeface="Times New Roman" panose="02020603050405020304" pitchFamily="18" charset="0"/>
+              </a:rPr>
+              <a:t>В единственной строке записано целое число n (1 ≤ n ≤ 2000) — количество монстров.</a:t>
+            </a:r>
+          </a:p>
+          <a:p>
+            <a:r>
+              <a:rPr lang="ru-RU" sz="1400" dirty="0">
+                <a:solidFill>
+                  <a:schemeClr val="tx1"/>
+                </a:solidFill>
+                <a:latin typeface="Times New Roman" panose="02020603050405020304" pitchFamily="18" charset="0"/>
+                <a:cs typeface="Times New Roman" panose="02020603050405020304" pitchFamily="18" charset="0"/>
+              </a:rPr>
+              <a:t>Результат</a:t>
+            </a:r>
+          </a:p>
+          <a:p>
+            <a:r>
+              <a:rPr lang="ru-RU" sz="1400" dirty="0">
+                <a:solidFill>
+                  <a:schemeClr val="tx1"/>
+                </a:solidFill>
+                <a:latin typeface="Times New Roman" panose="02020603050405020304" pitchFamily="18" charset="0"/>
+                <a:cs typeface="Times New Roman" panose="02020603050405020304" pitchFamily="18" charset="0"/>
+              </a:rPr>
+              <a:t>Выведите слово, соответствующее данному количеству монстров на языке </a:t>
+            </a:r>
+            <a:r>
+              <a:rPr lang="ru-RU" sz="1400" dirty="0" err="1">
+                <a:solidFill>
+                  <a:schemeClr val="tx1"/>
+                </a:solidFill>
+                <a:latin typeface="Times New Roman" panose="02020603050405020304" pitchFamily="18" charset="0"/>
+                <a:cs typeface="Times New Roman" panose="02020603050405020304" pitchFamily="18" charset="0"/>
+              </a:rPr>
+              <a:t>аниндилъяква</a:t>
+            </a:r>
+            <a:endParaRPr lang="ru-RU" sz="1400" dirty="0">
+              <a:solidFill>
+                <a:schemeClr val="tx1"/>
+              </a:solidFill>
+              <a:latin typeface="Times New Roman" panose="02020603050405020304" pitchFamily="18" charset="0"/>
+              <a:cs typeface="Times New Roman" panose="02020603050405020304" pitchFamily="18" charset="0"/>
+            </a:endParaRPr>
+          </a:p>
+          <a:p>
+            <a:r>
+              <a:rPr lang="ru-RU" sz="1400" dirty="0">
+                <a:solidFill>
+                  <a:schemeClr val="tx1"/>
+                </a:solidFill>
+                <a:latin typeface="Times New Roman" panose="02020603050405020304" pitchFamily="18" charset="0"/>
+                <a:cs typeface="Times New Roman" panose="02020603050405020304" pitchFamily="18" charset="0"/>
+              </a:rPr>
+              <a:t>Исходный код</a:t>
+            </a:r>
+            <a:r>
+              <a:rPr lang="en-US" sz="1400" dirty="0">
+                <a:solidFill>
+                  <a:schemeClr val="tx1"/>
+                </a:solidFill>
+                <a:latin typeface="Times New Roman" panose="02020603050405020304" pitchFamily="18" charset="0"/>
+                <a:cs typeface="Times New Roman" panose="02020603050405020304" pitchFamily="18" charset="0"/>
+              </a:rPr>
+              <a:t> </a:t>
+            </a:r>
+            <a:r>
+              <a:rPr lang="ru-RU" sz="1400" dirty="0">
+                <a:solidFill>
+                  <a:schemeClr val="tx1"/>
+                </a:solidFill>
+                <a:latin typeface="Times New Roman" panose="02020603050405020304" pitchFamily="18" charset="0"/>
+                <a:cs typeface="Times New Roman" panose="02020603050405020304" pitchFamily="18" charset="0"/>
+              </a:rPr>
+              <a:t>решения: </a:t>
+            </a:r>
+            <a:r>
+              <a:rPr lang="en-US" sz="1400" dirty="0">
+                <a:solidFill>
+                  <a:schemeClr val="tx1"/>
+                </a:solidFill>
+                <a:latin typeface="Times New Roman" panose="02020603050405020304" pitchFamily="18" charset="0"/>
+                <a:cs typeface="Times New Roman" panose="02020603050405020304" pitchFamily="18" charset="0"/>
+              </a:rPr>
+              <a:t>https://github.com/Vladnwx/Learn2023-2024/blob/master/src/timus/task_1785/Main.java</a:t>
+            </a:r>
+            <a:endParaRPr lang="ru-RU" sz="1400" dirty="0">
+              <a:solidFill>
+                <a:schemeClr val="tx1"/>
+              </a:solidFill>
+              <a:latin typeface="Times New Roman" panose="02020603050405020304" pitchFamily="18" charset="0"/>
+              <a:cs typeface="Times New Roman" panose="02020603050405020304" pitchFamily="18" charset="0"/>
+            </a:endParaRPr>
+          </a:p>
+        </p:txBody>
+      </p:sp>
+    </p:spTree>
+    <p:extLst>
+      <p:ext uri="{BB962C8B-B14F-4D97-AF65-F5344CB8AC3E}">
+        <p14:creationId xmlns:p14="http://schemas.microsoft.com/office/powerpoint/2010/main" val="3330086810"/>
+      </p:ext>
+    </p:extLst>
+  </p:cSld>
+  <p:clrMapOvr>
+    <a:masterClrMapping/>
+  </p:clrMapOvr>
+</p:sld>
+</file>
+
+<file path=ppt/slides/slide14.xml><?xml version="1.0" encoding="utf-8"?>
+<p:sld xmlns:a="http://schemas.openxmlformats.org/drawingml/2006/main" xmlns:r="http://schemas.openxmlformats.org/officeDocument/2006/relationships" xmlns:p="http://schemas.openxmlformats.org/presentationml/2006/main">
+  <p:cSld>
+    <p:spTree>
+      <p:nvGrpSpPr>
+        <p:cNvPr id="1" name=""/>
+        <p:cNvGrpSpPr/>
+        <p:nvPr/>
+      </p:nvGrpSpPr>
+      <p:grpSpPr>
+        <a:xfrm>
+          <a:off x="0" y="0"/>
+          <a:ext cx="0" cy="0"/>
+          <a:chOff x="0" y="0"/>
+          <a:chExt cx="0" cy="0"/>
+        </a:xfrm>
+      </p:grpSpPr>
+      <p:sp>
+        <p:nvSpPr>
+          <p:cNvPr id="2" name="Заголовок 1">
+            <a:extLst>
+              <a:ext uri="{FF2B5EF4-FFF2-40B4-BE49-F238E27FC236}">
+                <a16:creationId xmlns:a16="http://schemas.microsoft.com/office/drawing/2014/main" id="{858A5C1F-E5B2-4EC1-9A3C-AAE441DF4D96}"/>
+              </a:ext>
+            </a:extLst>
+          </p:cNvPr>
+          <p:cNvSpPr>
+            <a:spLocks noGrp="1"/>
+          </p:cNvSpPr>
+          <p:nvPr>
+            <p:ph type="title"/>
+          </p:nvPr>
+        </p:nvSpPr>
+        <p:spPr>
+          <a:xfrm>
+            <a:off x="838200" y="176169"/>
+            <a:ext cx="10515600" cy="334424"/>
           </a:xfrm>
         </p:spPr>
         <p:txBody>
@@ -5781,73 +6409,79 @@
           </a:bodyPr>
           <a:lstStyle/>
           <a:p>
-            <a:r>
-              <a:rPr lang="ru-RU" sz="1400" dirty="0">
-                <a:solidFill>
-                  <a:schemeClr val="tx1"/>
-                </a:solidFill>
-                <a:latin typeface="Times New Roman" panose="02020603050405020304" pitchFamily="18" charset="0"/>
-                <a:cs typeface="Times New Roman" panose="02020603050405020304" pitchFamily="18" charset="0"/>
-              </a:rPr>
-              <a:t>Использование библиотеки </a:t>
-            </a:r>
-            <a:r>
-              <a:rPr lang="en-US" sz="1400" dirty="0">
-                <a:solidFill>
-                  <a:schemeClr val="tx1"/>
-                </a:solidFill>
-                <a:latin typeface="Times New Roman" panose="02020603050405020304" pitchFamily="18" charset="0"/>
-                <a:cs typeface="Times New Roman" panose="02020603050405020304" pitchFamily="18" charset="0"/>
-              </a:rPr>
-              <a:t>Scanner </a:t>
-            </a:r>
-            <a:r>
-              <a:rPr lang="ru-RU" sz="1400" dirty="0">
-                <a:solidFill>
-                  <a:schemeClr val="tx1"/>
-                </a:solidFill>
-                <a:latin typeface="Times New Roman" panose="02020603050405020304" pitchFamily="18" charset="0"/>
-                <a:cs typeface="Times New Roman" panose="02020603050405020304" pitchFamily="18" charset="0"/>
-              </a:rPr>
-              <a:t>и </a:t>
-            </a:r>
-            <a:r>
-              <a:rPr lang="en-US" sz="1400" dirty="0" err="1">
-                <a:solidFill>
-                  <a:schemeClr val="tx1"/>
-                </a:solidFill>
-                <a:latin typeface="Times New Roman" panose="02020603050405020304" pitchFamily="18" charset="0"/>
-                <a:cs typeface="Times New Roman" panose="02020603050405020304" pitchFamily="18" charset="0"/>
-              </a:rPr>
-              <a:t>bufferreader</a:t>
-            </a:r>
-            <a:r>
-              <a:rPr lang="en-US" sz="1400" dirty="0">
-                <a:solidFill>
-                  <a:schemeClr val="tx1"/>
-                </a:solidFill>
-                <a:latin typeface="Times New Roman" panose="02020603050405020304" pitchFamily="18" charset="0"/>
-                <a:cs typeface="Times New Roman" panose="02020603050405020304" pitchFamily="18" charset="0"/>
-              </a:rPr>
-              <a:t> </a:t>
-            </a:r>
-            <a:r>
-              <a:rPr lang="ru-RU" sz="1400" dirty="0">
-                <a:solidFill>
-                  <a:schemeClr val="tx1"/>
-                </a:solidFill>
-                <a:latin typeface="Times New Roman" panose="02020603050405020304" pitchFamily="18" charset="0"/>
-                <a:cs typeface="Times New Roman" panose="02020603050405020304" pitchFamily="18" charset="0"/>
-              </a:rPr>
-              <a:t>упрощает работу программисту и освобождает от написания велосипедов</a:t>
-            </a:r>
+            <a:pPr algn="ctr"/>
+            <a:r>
+              <a:rPr lang="ru-RU" sz="1400" dirty="0">
+                <a:latin typeface="Times New Roman" panose="02020603050405020304" pitchFamily="18" charset="0"/>
+                <a:cs typeface="Times New Roman" panose="02020603050405020304" pitchFamily="18" charset="0"/>
+              </a:rPr>
+              <a:t>Вывод</a:t>
+            </a:r>
+          </a:p>
+        </p:txBody>
+      </p:sp>
+      <p:sp>
+        <p:nvSpPr>
+          <p:cNvPr id="3" name="Текст 2">
+            <a:extLst>
+              <a:ext uri="{FF2B5EF4-FFF2-40B4-BE49-F238E27FC236}">
+                <a16:creationId xmlns:a16="http://schemas.microsoft.com/office/drawing/2014/main" id="{7A2822FC-0537-44BF-973E-18E9089D51A2}"/>
+              </a:ext>
+            </a:extLst>
+          </p:cNvPr>
+          <p:cNvSpPr>
+            <a:spLocks noGrp="1"/>
+          </p:cNvSpPr>
+          <p:nvPr>
+            <p:ph type="body" idx="1"/>
+          </p:nvPr>
+        </p:nvSpPr>
+        <p:spPr>
+          <a:xfrm>
+            <a:off x="831850" y="629175"/>
+            <a:ext cx="10515600" cy="6052656"/>
+          </a:xfrm>
+        </p:spPr>
+        <p:txBody>
+          <a:bodyPr>
+            <a:normAutofit/>
+          </a:bodyPr>
+          <a:lstStyle/>
+          <a:p>
+            <a:r>
+              <a:rPr lang="ru-RU" sz="1400" dirty="0">
+                <a:solidFill>
+                  <a:schemeClr val="tx1"/>
+                </a:solidFill>
+                <a:latin typeface="Times New Roman" panose="02020603050405020304" pitchFamily="18" charset="0"/>
+                <a:cs typeface="Times New Roman" panose="02020603050405020304" pitchFamily="18" charset="0"/>
+              </a:rPr>
+              <a:t>Компиляция программ может быть выполнена используя различные </a:t>
+            </a:r>
+            <a:r>
+              <a:rPr lang="ru-RU" sz="1400">
+                <a:solidFill>
+                  <a:schemeClr val="tx1"/>
+                </a:solidFill>
+                <a:latin typeface="Times New Roman" panose="02020603050405020304" pitchFamily="18" charset="0"/>
+                <a:cs typeface="Times New Roman" panose="02020603050405020304" pitchFamily="18" charset="0"/>
+              </a:rPr>
+              <a:t>среды разработки</a:t>
+            </a:r>
+            <a:endParaRPr lang="ru-RU" sz="1400" dirty="0">
+              <a:solidFill>
+                <a:schemeClr val="tx1"/>
+              </a:solidFill>
+              <a:latin typeface="Times New Roman" panose="02020603050405020304" pitchFamily="18" charset="0"/>
+              <a:cs typeface="Times New Roman" panose="02020603050405020304" pitchFamily="18" charset="0"/>
+            </a:endParaRPr>
           </a:p>
         </p:txBody>
       </p:sp>
     </p:spTree>
     <p:extLst>
       <p:ext uri="{BB962C8B-B14F-4D97-AF65-F5344CB8AC3E}">
-        <p14:creationId xmlns:p14="http://schemas.microsoft.com/office/powerpoint/2010/main" val="2772988837"/>
+        <p14:creationId xmlns:p14="http://schemas.microsoft.com/office/powerpoint/2010/main" val="483522093"/>
       </p:ext>
     </p:extLst>
   </p:cSld>
@@ -6964,7 +7598,7 @@
                 <a:latin typeface="Times New Roman" panose="02020603050405020304" pitchFamily="18" charset="0"/>
                 <a:cs typeface="Times New Roman" panose="02020603050405020304" pitchFamily="18" charset="0"/>
               </a:rPr>
-              <a:t>Исходный код: </a:t>
+              <a:t>Исходный код решения : </a:t>
             </a:r>
             <a:r>
               <a:rPr lang="en-US" sz="1400" dirty="0">
@@ -7152,7 +7786,7 @@
                 <a:latin typeface="Times New Roman" panose="02020603050405020304" pitchFamily="18" charset="0"/>
                 <a:cs typeface="Times New Roman" panose="02020603050405020304" pitchFamily="18" charset="0"/>
               </a:rPr>
-              <a:t>Исходный код: </a:t>
+              <a:t>Исходный код решения: </a:t>
             </a:r>
             <a:r>
               <a:rPr lang="en-US" sz="1400" dirty="0">
@@ -7340,7 +7974,7 @@
                 <a:latin typeface="Times New Roman" panose="02020603050405020304" pitchFamily="18" charset="0"/>
                 <a:cs typeface="Times New Roman" panose="02020603050405020304" pitchFamily="18" charset="0"/>
               </a:rPr>
-              <a:t>Исходный код: </a:t>
+              <a:t>Исходный код решения: </a:t>
             </a:r>
             <a:r>
               <a:rPr lang="en-US" sz="1400" dirty="0">
@@ -7528,7 +8162,7 @@
                 <a:latin typeface="Times New Roman" panose="02020603050405020304" pitchFamily="18" charset="0"/>
                 <a:cs typeface="Times New Roman" panose="02020603050405020304" pitchFamily="18" charset="0"/>
               </a:rPr>
-              <a:t>Исходный код: </a:t>
+              <a:t>Исходный код решения: </a:t>
             </a:r>
             <a:r>
               <a:rPr lang="en-US" sz="1400" dirty="0">

--- a/src/lr2/РИЗ-130916у Савельев В.Н. Отчет о выполнении ЛР2.pptx
+++ b/src/lr2/РИЗ-130916у Савельев В.Н. Отчет о выполнении ЛР2.pptx
@@ -6456,8 +6456,10 @@
                 <a:latin typeface="Times New Roman" panose="02020603050405020304" pitchFamily="18" charset="0"/>
                 <a:cs typeface="Times New Roman" panose="02020603050405020304" pitchFamily="18" charset="0"/>
               </a:rPr>
-              <a:t>Компиляция программ может быть выполнена используя различные </a:t>
-            </a:r>
+              <a:t>Компиляция программ может быть выполнена используя различные среды разработки</a:t>
+            </a:r>
+          </a:p>
+          <a:p>
             <a:r>
               <a:rPr lang="ru-RU" sz="1400">
                 <a:solidFill>
@@ -6466,7 +6468,27 @@
                 <a:latin typeface="Times New Roman" panose="02020603050405020304" pitchFamily="18" charset="0"/>
                 <a:cs typeface="Times New Roman" panose="02020603050405020304" pitchFamily="18" charset="0"/>
               </a:rPr>
-              <a:t>среды разработки</a:t>
+              <a:t>Проверку </a:t>
+            </a:r>
+            <a:r>
+              <a:rPr lang="ru-RU" sz="1400" dirty="0">
+                <a:solidFill>
+                  <a:schemeClr val="tx1"/>
+                </a:solidFill>
+                <a:latin typeface="Times New Roman" panose="02020603050405020304" pitchFamily="18" charset="0"/>
+                <a:cs typeface="Times New Roman" panose="02020603050405020304" pitchFamily="18" charset="0"/>
+              </a:rPr>
+              <a:t>различных условий можно выполнять с помощью условных операторов </a:t>
+            </a:r>
+            <a:r>
+              <a:rPr lang="en-US" sz="1400" dirty="0">
+                <a:solidFill>
+                  <a:schemeClr val="tx1"/>
+                </a:solidFill>
+                <a:latin typeface="Times New Roman" panose="02020603050405020304" pitchFamily="18" charset="0"/>
+                <a:cs typeface="Times New Roman" panose="02020603050405020304" pitchFamily="18" charset="0"/>
+              </a:rPr>
+              <a:t>if, else</a:t>
             </a:r>
             <a:endParaRPr lang="ru-RU" sz="1400" dirty="0">
               <a:solidFill>
